--- a/09_design/Software_Design.pptx
+++ b/09_design/Software_Design.pptx
@@ -5,107 +5,106 @@
     <p:sldMasterId id="2147483648" r:id="rId4"/>
   </p:sldMasterIdLst>
   <p:notesMasterIdLst>
-    <p:notesMasterId r:id="rId81"/>
+    <p:notesMasterId r:id="rId80"/>
   </p:notesMasterIdLst>
   <p:sldIdLst>
     <p:sldId id="256" r:id="rId5"/>
     <p:sldId id="476" r:id="rId6"/>
-    <p:sldId id="531" r:id="rId7"/>
-    <p:sldId id="467" r:id="rId8"/>
-    <p:sldId id="455" r:id="rId9"/>
-    <p:sldId id="381" r:id="rId10"/>
-    <p:sldId id="493" r:id="rId11"/>
-    <p:sldId id="501" r:id="rId12"/>
-    <p:sldId id="500" r:id="rId13"/>
-    <p:sldId id="502" r:id="rId14"/>
-    <p:sldId id="503" r:id="rId15"/>
-    <p:sldId id="384" r:id="rId16"/>
-    <p:sldId id="439" r:id="rId17"/>
-    <p:sldId id="458" r:id="rId18"/>
-    <p:sldId id="334" r:id="rId19"/>
-    <p:sldId id="456" r:id="rId20"/>
-    <p:sldId id="460" r:id="rId21"/>
-    <p:sldId id="475" r:id="rId22"/>
-    <p:sldId id="477" r:id="rId23"/>
-    <p:sldId id="494" r:id="rId24"/>
-    <p:sldId id="495" r:id="rId25"/>
-    <p:sldId id="498" r:id="rId26"/>
-    <p:sldId id="496" r:id="rId27"/>
-    <p:sldId id="478" r:id="rId28"/>
-    <p:sldId id="472" r:id="rId29"/>
-    <p:sldId id="481" r:id="rId30"/>
-    <p:sldId id="482" r:id="rId31"/>
-    <p:sldId id="473" r:id="rId32"/>
-    <p:sldId id="485" r:id="rId33"/>
-    <p:sldId id="484" r:id="rId34"/>
-    <p:sldId id="483" r:id="rId35"/>
-    <p:sldId id="480" r:id="rId36"/>
-    <p:sldId id="499" r:id="rId37"/>
-    <p:sldId id="479" r:id="rId38"/>
-    <p:sldId id="464" r:id="rId39"/>
-    <p:sldId id="504" r:id="rId40"/>
-    <p:sldId id="465" r:id="rId41"/>
-    <p:sldId id="506" r:id="rId42"/>
-    <p:sldId id="505" r:id="rId43"/>
-    <p:sldId id="507" r:id="rId44"/>
-    <p:sldId id="447" r:id="rId45"/>
-    <p:sldId id="510" r:id="rId46"/>
-    <p:sldId id="511" r:id="rId47"/>
-    <p:sldId id="512" r:id="rId48"/>
-    <p:sldId id="513" r:id="rId49"/>
-    <p:sldId id="508" r:id="rId50"/>
-    <p:sldId id="509" r:id="rId51"/>
-    <p:sldId id="409" r:id="rId52"/>
-    <p:sldId id="418" r:id="rId53"/>
-    <p:sldId id="410" r:id="rId54"/>
-    <p:sldId id="514" r:id="rId55"/>
-    <p:sldId id="515" r:id="rId56"/>
-    <p:sldId id="444" r:id="rId57"/>
-    <p:sldId id="517" r:id="rId58"/>
-    <p:sldId id="516" r:id="rId59"/>
-    <p:sldId id="518" r:id="rId60"/>
-    <p:sldId id="520" r:id="rId61"/>
-    <p:sldId id="522" r:id="rId62"/>
-    <p:sldId id="523" r:id="rId63"/>
-    <p:sldId id="519" r:id="rId64"/>
-    <p:sldId id="524" r:id="rId65"/>
-    <p:sldId id="525" r:id="rId66"/>
-    <p:sldId id="526" r:id="rId67"/>
-    <p:sldId id="527" r:id="rId68"/>
-    <p:sldId id="532" r:id="rId69"/>
-    <p:sldId id="533" r:id="rId70"/>
-    <p:sldId id="528" r:id="rId71"/>
-    <p:sldId id="529" r:id="rId72"/>
-    <p:sldId id="486" r:id="rId73"/>
-    <p:sldId id="487" r:id="rId74"/>
-    <p:sldId id="489" r:id="rId75"/>
-    <p:sldId id="490" r:id="rId76"/>
-    <p:sldId id="491" r:id="rId77"/>
-    <p:sldId id="492" r:id="rId78"/>
-    <p:sldId id="530" r:id="rId79"/>
-    <p:sldId id="470" r:id="rId80"/>
+    <p:sldId id="467" r:id="rId7"/>
+    <p:sldId id="455" r:id="rId8"/>
+    <p:sldId id="381" r:id="rId9"/>
+    <p:sldId id="493" r:id="rId10"/>
+    <p:sldId id="501" r:id="rId11"/>
+    <p:sldId id="500" r:id="rId12"/>
+    <p:sldId id="502" r:id="rId13"/>
+    <p:sldId id="503" r:id="rId14"/>
+    <p:sldId id="384" r:id="rId15"/>
+    <p:sldId id="439" r:id="rId16"/>
+    <p:sldId id="458" r:id="rId17"/>
+    <p:sldId id="334" r:id="rId18"/>
+    <p:sldId id="456" r:id="rId19"/>
+    <p:sldId id="460" r:id="rId20"/>
+    <p:sldId id="475" r:id="rId21"/>
+    <p:sldId id="477" r:id="rId22"/>
+    <p:sldId id="494" r:id="rId23"/>
+    <p:sldId id="495" r:id="rId24"/>
+    <p:sldId id="498" r:id="rId25"/>
+    <p:sldId id="496" r:id="rId26"/>
+    <p:sldId id="478" r:id="rId27"/>
+    <p:sldId id="472" r:id="rId28"/>
+    <p:sldId id="481" r:id="rId29"/>
+    <p:sldId id="482" r:id="rId30"/>
+    <p:sldId id="473" r:id="rId31"/>
+    <p:sldId id="485" r:id="rId32"/>
+    <p:sldId id="484" r:id="rId33"/>
+    <p:sldId id="483" r:id="rId34"/>
+    <p:sldId id="480" r:id="rId35"/>
+    <p:sldId id="499" r:id="rId36"/>
+    <p:sldId id="479" r:id="rId37"/>
+    <p:sldId id="464" r:id="rId38"/>
+    <p:sldId id="504" r:id="rId39"/>
+    <p:sldId id="465" r:id="rId40"/>
+    <p:sldId id="506" r:id="rId41"/>
+    <p:sldId id="505" r:id="rId42"/>
+    <p:sldId id="507" r:id="rId43"/>
+    <p:sldId id="447" r:id="rId44"/>
+    <p:sldId id="510" r:id="rId45"/>
+    <p:sldId id="511" r:id="rId46"/>
+    <p:sldId id="512" r:id="rId47"/>
+    <p:sldId id="513" r:id="rId48"/>
+    <p:sldId id="508" r:id="rId49"/>
+    <p:sldId id="509" r:id="rId50"/>
+    <p:sldId id="409" r:id="rId51"/>
+    <p:sldId id="418" r:id="rId52"/>
+    <p:sldId id="410" r:id="rId53"/>
+    <p:sldId id="514" r:id="rId54"/>
+    <p:sldId id="515" r:id="rId55"/>
+    <p:sldId id="444" r:id="rId56"/>
+    <p:sldId id="517" r:id="rId57"/>
+    <p:sldId id="516" r:id="rId58"/>
+    <p:sldId id="518" r:id="rId59"/>
+    <p:sldId id="520" r:id="rId60"/>
+    <p:sldId id="522" r:id="rId61"/>
+    <p:sldId id="523" r:id="rId62"/>
+    <p:sldId id="519" r:id="rId63"/>
+    <p:sldId id="524" r:id="rId64"/>
+    <p:sldId id="525" r:id="rId65"/>
+    <p:sldId id="526" r:id="rId66"/>
+    <p:sldId id="527" r:id="rId67"/>
+    <p:sldId id="532" r:id="rId68"/>
+    <p:sldId id="533" r:id="rId69"/>
+    <p:sldId id="528" r:id="rId70"/>
+    <p:sldId id="529" r:id="rId71"/>
+    <p:sldId id="486" r:id="rId72"/>
+    <p:sldId id="487" r:id="rId73"/>
+    <p:sldId id="489" r:id="rId74"/>
+    <p:sldId id="490" r:id="rId75"/>
+    <p:sldId id="491" r:id="rId76"/>
+    <p:sldId id="492" r:id="rId77"/>
+    <p:sldId id="530" r:id="rId78"/>
+    <p:sldId id="470" r:id="rId79"/>
   </p:sldIdLst>
   <p:sldSz cx="9144000" cy="5143500" type="screen16x9"/>
   <p:notesSz cx="6858000" cy="9144000"/>
   <p:embeddedFontLst>
     <p:embeddedFont>
       <p:font typeface="ＭＳ Ｐゴシック" panose="020B0600070205080204" pitchFamily="34" charset="-128"/>
-      <p:regular r:id="rId82"/>
+      <p:regular r:id="rId81"/>
     </p:embeddedFont>
     <p:embeddedFont>
-      <p:font typeface="Encode Sans Black" panose="020B0604020202020204" charset="0"/>
-      <p:bold r:id="rId83"/>
+      <p:font typeface="Encode Sans Black" panose="020B0604020202020204"/>
+      <p:bold r:id="rId82"/>
     </p:embeddedFont>
     <p:embeddedFont>
       <p:font typeface="Merriweather Sans" pitchFamily="2" charset="0"/>
-      <p:regular r:id="rId84"/>
+      <p:regular r:id="rId83"/>
     </p:embeddedFont>
     <p:embeddedFont>
       <p:font typeface="Open Sans" panose="020B0606030504020204" pitchFamily="34" charset="0"/>
-      <p:regular r:id="rId85"/>
-      <p:bold r:id="rId86"/>
-      <p:italic r:id="rId87"/>
-      <p:boldItalic r:id="rId88"/>
+      <p:regular r:id="rId84"/>
+      <p:bold r:id="rId85"/>
+      <p:italic r:id="rId86"/>
+      <p:boldItalic r:id="rId87"/>
     </p:embeddedFont>
   </p:embeddedFontLst>
   <p:defaultTextStyle>
@@ -353,7 +352,7 @@
       </p15:sldGuideLst>
     </p:ext>
     <p:ext uri="GoogleSlidesCustomDataVersion2">
-      <go:slidesCustomData xmlns="" xmlns:mc="http://schemas.openxmlformats.org/markup-compatibility/2006" xmlns:mv="urn:schemas-microsoft-com:mac:vml" xmlns:c="http://schemas.openxmlformats.org/drawingml/2006/chart" xmlns:dgm="http://schemas.openxmlformats.org/drawingml/2006/diagram" xmlns:o="urn:schemas-microsoft-com:office:office" xmlns:v="urn:schemas-microsoft-com:vml" xmlns:pvml="urn:schemas-microsoft-com:office:powerpoint" xmlns:com="http://schemas.openxmlformats.org/drawingml/2006/compatibility" xmlns:p14="http://schemas.microsoft.com/office/powerpoint/2010/main" xmlns:p15="http://schemas.microsoft.com/office/powerpoint/2012/main" xmlns:ahyp="http://schemas.microsoft.com/office/drawing/2018/hyperlinkcolor" xmlns:go="http://customooxmlschemas.google.com/" r:id="rId91" roundtripDataSignature="AMtx7mh1OC3nQsa+HYyAALZGgW/rCUwxKQ=="/>
+      <go:slidesCustomData xmlns:go="http://customooxmlschemas.google.com/" xmlns:ahyp="http://schemas.microsoft.com/office/drawing/2018/hyperlinkcolor" xmlns:p15="http://schemas.microsoft.com/office/powerpoint/2012/main" xmlns:p14="http://schemas.microsoft.com/office/powerpoint/2010/main" xmlns:com="http://schemas.openxmlformats.org/drawingml/2006/compatibility" xmlns:pvml="urn:schemas-microsoft-com:office:powerpoint" xmlns:v="urn:schemas-microsoft-com:vml" xmlns:o="urn:schemas-microsoft-com:office:office" xmlns:dgm="http://schemas.openxmlformats.org/drawingml/2006/diagram" xmlns:c="http://schemas.openxmlformats.org/drawingml/2006/chart" xmlns:mv="urn:schemas-microsoft-com:mac:vml" xmlns:mc="http://schemas.openxmlformats.org/markup-compatibility/2006" xmlns="" r:id="rId91" roundtripDataSignature="AMtx7mh1OC3nQsa+HYyAALZGgW/rCUwxKQ=="/>
     </p:ext>
   </p:extLst>
 </p:presentation>
@@ -1107,7 +1106,7 @@
               </a14:hiddenFill>
             </a:ext>
             <a:ext uri="{FAA26D3D-D897-4be2-8F04-BA451C77F1D7}">
-              <ma14:placeholderFlag xmlns:ma14="http://schemas.microsoft.com/office/mac/drawingml/2011/main" xmlns="" val="1"/>
+              <ma14:placeholderFlag xmlns="" xmlns:ma14="http://schemas.microsoft.com/office/mac/drawingml/2011/main" val="1"/>
             </a:ext>
           </a:extLst>
         </p:spPr>
@@ -1403,7 +1402,7 @@
               </a14:hiddenFill>
             </a:ext>
             <a:ext uri="{FAA26D3D-D897-4be2-8F04-BA451C77F1D7}">
-              <ma14:placeholderFlag xmlns:ma14="http://schemas.microsoft.com/office/mac/drawingml/2011/main" xmlns="" val="1"/>
+              <ma14:placeholderFlag xmlns="" xmlns:ma14="http://schemas.microsoft.com/office/mac/drawingml/2011/main" val="1"/>
             </a:ext>
           </a:extLst>
         </p:spPr>
@@ -1628,7 +1627,7 @@
                   <a:spcPct val="0"/>
                 </a:spcBef>
               </a:pPr>
-              <a:t>4</a:t>
+              <a:t>3</a:t>
             </a:fld>
             <a:endParaRPr lang="en-US" altLang="en-US">
               <a:latin typeface="Arial" charset="0"/>
@@ -1699,7 +1698,7 @@
               </a14:hiddenFill>
             </a:ext>
             <a:ext uri="{FAA26D3D-D897-4be2-8F04-BA451C77F1D7}">
-              <ma14:placeholderFlag xmlns:ma14="http://schemas.microsoft.com/office/mac/drawingml/2011/main" xmlns="" val="1"/>
+              <ma14:placeholderFlag xmlns="" xmlns:ma14="http://schemas.microsoft.com/office/mac/drawingml/2011/main" val="1"/>
             </a:ext>
           </a:extLst>
         </p:spPr>
@@ -1924,7 +1923,7 @@
                   <a:spcPct val="0"/>
                 </a:spcBef>
               </a:pPr>
-              <a:t>67</a:t>
+              <a:t>66</a:t>
             </a:fld>
             <a:endParaRPr lang="en-US" altLang="en-US">
               <a:latin typeface="Arial" charset="0"/>
@@ -1995,7 +1994,7 @@
               </a14:hiddenFill>
             </a:ext>
             <a:ext uri="{FAA26D3D-D897-4be2-8F04-BA451C77F1D7}">
-              <ma14:placeholderFlag xmlns:ma14="http://schemas.microsoft.com/office/mac/drawingml/2011/main" xmlns="" val="1"/>
+              <ma14:placeholderFlag xmlns="" xmlns:ma14="http://schemas.microsoft.com/office/mac/drawingml/2011/main" val="1"/>
             </a:ext>
           </a:extLst>
         </p:spPr>
@@ -2220,7 +2219,7 @@
                   <a:spcPct val="0"/>
                 </a:spcBef>
               </a:pPr>
-              <a:t>68</a:t>
+              <a:t>67</a:t>
             </a:fld>
             <a:endParaRPr lang="en-US" altLang="en-US">
               <a:latin typeface="Arial" charset="0"/>
@@ -4502,7 +4501,7 @@
               <a:buNone/>
             </a:pPr>
             <a:r>
-              <a:rPr lang="en-US">
+              <a:rPr lang="en-US" dirty="0">
                 <a:solidFill>
                   <a:srgbClr val="191300"/>
                 </a:solidFill>
@@ -4510,43 +4509,39 @@
               <a:t>Software (design) for Data Scientists</a:t>
             </a:r>
             <a:br>
-              <a:rPr lang="en-US">
+              <a:rPr lang="en-US" dirty="0">
                 <a:solidFill>
                   <a:srgbClr val="191300"/>
                 </a:solidFill>
               </a:rPr>
             </a:br>
             <a:br>
-              <a:rPr lang="en-US" sz="2400">
+              <a:rPr lang="en-US" sz="2400" dirty="0">
                 <a:solidFill>
                   <a:srgbClr val="191300"/>
                 </a:solidFill>
               </a:rPr>
             </a:br>
             <a:r>
-              <a:rPr lang="en-US" sz="2400">
-                <a:solidFill>
-                  <a:srgbClr val="191300"/>
-                </a:solidFill>
-              </a:rPr>
-              <a:t>ISEA Session 2</a:t>
+              <a:rPr lang="en-US" sz="2400" dirty="0"/>
+              <a:t>CSE 583</a:t>
             </a:r>
             <a:br>
-              <a:rPr lang="en-US" sz="2400">
+              <a:rPr lang="en-US" sz="2400" dirty="0">
                 <a:solidFill>
                   <a:srgbClr val="191300"/>
                 </a:solidFill>
               </a:rPr>
             </a:br>
             <a:br>
-              <a:rPr lang="en-US" sz="2400">
+              <a:rPr lang="en-US" sz="2400" dirty="0">
                 <a:solidFill>
                   <a:srgbClr val="191300"/>
                 </a:solidFill>
               </a:rPr>
             </a:br>
             <a:r>
-              <a:rPr lang="en-US" sz="1600">
+              <a:rPr lang="en-US" sz="1600" dirty="0">
                 <a:solidFill>
                   <a:srgbClr val="191300"/>
                 </a:solidFill>
@@ -4554,36 +4549,40 @@
               <a:t>David Beck</a:t>
             </a:r>
             <a:br>
-              <a:rPr lang="en-US" sz="1600">
+              <a:rPr lang="en-US" sz="1600" dirty="0">
                 <a:solidFill>
                   <a:srgbClr val="191300"/>
                 </a:solidFill>
               </a:rPr>
             </a:br>
             <a:r>
-              <a:rPr lang="en-US" sz="1600">
+              <a:rPr lang="en-US" sz="1600" dirty="0">
                 <a:solidFill>
                   <a:srgbClr val="191300"/>
                 </a:solidFill>
               </a:rPr>
-              <a:t>University of Washington</a:t>
+              <a:t>University of Washington, SSEC, eScience</a:t>
             </a:r>
             <a:br>
-              <a:rPr lang="en-US" sz="1600">
+              <a:rPr lang="en-US" sz="1600" dirty="0">
                 <a:solidFill>
                   <a:srgbClr val="191300"/>
                 </a:solidFill>
               </a:rPr>
             </a:br>
             <a:r>
-              <a:rPr lang="en-US" sz="1600">
+              <a:rPr lang="en-US" sz="1600" dirty="0"/>
+              <a:t>10</a:t>
+            </a:r>
+            <a:r>
+              <a:rPr lang="en-US" sz="1600" dirty="0">
                 <a:solidFill>
                   <a:srgbClr val="191300"/>
                 </a:solidFill>
               </a:rPr>
-              <a:t>2.2.2024</a:t>
-            </a:r>
-            <a:endParaRPr sz="1600"/>
+              <a:t>.31.2024</a:t>
+            </a:r>
+            <a:endParaRPr sz="1600" dirty="0"/>
           </a:p>
         </p:txBody>
       </p:sp>
@@ -4596,210 +4595,6 @@
 </file>
 
 <file path=ppt/slides/slide10.xml><?xml version="1.0" encoding="utf-8"?>
-<p:sld xmlns:a="http://schemas.openxmlformats.org/drawingml/2006/main" xmlns:r="http://schemas.openxmlformats.org/officeDocument/2006/relationships" xmlns:p="http://schemas.openxmlformats.org/presentationml/2006/main">
-  <p:cSld>
-    <p:spTree>
-      <p:nvGrpSpPr>
-        <p:cNvPr id="1" name=""/>
-        <p:cNvGrpSpPr/>
-        <p:nvPr/>
-      </p:nvGrpSpPr>
-      <p:grpSpPr>
-        <a:xfrm>
-          <a:off x="0" y="0"/>
-          <a:ext cx="0" cy="0"/>
-          <a:chOff x="0" y="0"/>
-          <a:chExt cx="0" cy="0"/>
-        </a:xfrm>
-      </p:grpSpPr>
-      <p:sp>
-        <p:nvSpPr>
-          <p:cNvPr id="24577" name="Title 4"/>
-          <p:cNvSpPr>
-            <a:spLocks noGrp="1"/>
-          </p:cNvSpPr>
-          <p:nvPr>
-            <p:ph type="title"/>
-          </p:nvPr>
-        </p:nvSpPr>
-        <p:spPr bwMode="auto">
-          <a:xfrm>
-            <a:off x="447922" y="463731"/>
-            <a:ext cx="8197109" cy="556429"/>
-          </a:xfrm>
-          <a:noFill/>
-          <a:extLst>
-            <a:ext uri="{909E8E84-426E-40DD-AFC4-6F175D3DCCD1}">
-              <a14:hiddenFill xmlns:a14="http://schemas.microsoft.com/office/drawing/2010/main">
-                <a:solidFill>
-                  <a:srgbClr val="FFFFFF"/>
-                </a:solidFill>
-              </a14:hiddenFill>
-            </a:ext>
-            <a:ext uri="{91240B29-F687-4F45-9708-019B960494DF}">
-              <a14:hiddenLine xmlns:a14="http://schemas.microsoft.com/office/drawing/2010/main" w="9525">
-                <a:solidFill>
-                  <a:srgbClr val="000000"/>
-                </a:solidFill>
-                <a:miter lim="800000"/>
-                <a:headEnd/>
-                <a:tailEnd/>
-              </a14:hiddenLine>
-            </a:ext>
-          </a:extLst>
-        </p:spPr>
-        <p:txBody>
-          <a:bodyPr vert="horz" wrap="square" lIns="68580" tIns="34290" rIns="68580" bIns="34290" numCol="1" anchor="t" anchorCtr="0" compatLnSpc="1">
-            <a:prstTxWarp prst="textNoShape">
-              <a:avLst/>
-            </a:prstTxWarp>
-          </a:bodyPr>
-          <a:lstStyle/>
-          <a:p>
-            <a:r>
-              <a:rPr lang="en-US" altLang="en-US">
-                <a:ea typeface="ＭＳ Ｐゴシック" charset="-128"/>
-              </a:rPr>
-              <a:t>Design fails</a:t>
-            </a:r>
-          </a:p>
-        </p:txBody>
-      </p:sp>
-      <p:sp>
-        <p:nvSpPr>
-          <p:cNvPr id="2" name="Text Placeholder 1">
-            <a:extLst>
-              <a:ext uri="{FF2B5EF4-FFF2-40B4-BE49-F238E27FC236}">
-                <a16:creationId xmlns:a16="http://schemas.microsoft.com/office/drawing/2014/main" id="{102C18FC-5752-2D16-DA81-9381764BF1A6}"/>
-              </a:ext>
-            </a:extLst>
-          </p:cNvPr>
-          <p:cNvSpPr>
-            <a:spLocks noGrp="1"/>
-          </p:cNvSpPr>
-          <p:nvPr>
-            <p:ph type="body" idx="1"/>
-          </p:nvPr>
-        </p:nvSpPr>
-        <p:spPr>
-          <a:xfrm>
-            <a:off x="447922" y="1320085"/>
-            <a:ext cx="8517657" cy="3028891"/>
-          </a:xfrm>
-        </p:spPr>
-        <p:txBody>
-          <a:bodyPr/>
-          <a:lstStyle/>
-          <a:p>
-            <a:r>
-              <a:rPr lang="en-US" b="0" err="1"/>
-              <a:t>caBIG</a:t>
-            </a:r>
-            <a:r>
-              <a:rPr lang="en-US" b="0"/>
-              <a:t> 2004-2012</a:t>
-            </a:r>
-          </a:p>
-          <a:p>
-            <a:pPr lvl="1"/>
-            <a:r>
-              <a:rPr lang="en-US" b="0"/>
-              <a:t>$350 million in 2022 in 2010 USD</a:t>
-            </a:r>
-          </a:p>
-          <a:p>
-            <a:pPr lvl="1"/>
-            <a:r>
-              <a:rPr lang="en-US" b="0" err="1"/>
-              <a:t>CAncer</a:t>
-            </a:r>
-            <a:r>
-              <a:rPr lang="en-US" b="0"/>
-              <a:t> Biomedical Informatics Grid</a:t>
-            </a:r>
-          </a:p>
-          <a:p>
-            <a:pPr lvl="1"/>
-            <a:r>
-              <a:rPr lang="en-US" b="0"/>
-              <a:t>Unified software infrastructure for cancer data collection, analysis, management</a:t>
-            </a:r>
-          </a:p>
-          <a:p>
-            <a:pPr lvl="1"/>
-            <a:r>
-              <a:rPr lang="en-US"/>
-              <a:t>Who were the users? Pharma? Academic research?</a:t>
-            </a:r>
-          </a:p>
-          <a:p>
-            <a:pPr lvl="1"/>
-            <a:r>
-              <a:rPr lang="en-US"/>
-              <a:t>Did people want the software proposed?</a:t>
-            </a:r>
-          </a:p>
-          <a:p>
-            <a:pPr lvl="1"/>
-            <a:r>
-              <a:rPr lang="en-US"/>
-              <a:t>Competition with existing software</a:t>
-            </a:r>
-          </a:p>
-          <a:p>
-            <a:pPr lvl="1"/>
-            <a:endParaRPr lang="en-US" b="0"/>
-          </a:p>
-          <a:p>
-            <a:pPr lvl="1"/>
-            <a:endParaRPr lang="en-US" b="0"/>
-          </a:p>
-        </p:txBody>
-      </p:sp>
-      <p:pic>
-        <p:nvPicPr>
-          <p:cNvPr id="5" name="Picture 4">
-            <a:extLst>
-              <a:ext uri="{FF2B5EF4-FFF2-40B4-BE49-F238E27FC236}">
-                <a16:creationId xmlns:a16="http://schemas.microsoft.com/office/drawing/2014/main" id="{96184325-9E09-09DB-7845-A18B18321BE4}"/>
-              </a:ext>
-            </a:extLst>
-          </p:cNvPr>
-          <p:cNvPicPr>
-            <a:picLocks noChangeAspect="1"/>
-          </p:cNvPicPr>
-          <p:nvPr/>
-        </p:nvPicPr>
-        <p:blipFill>
-          <a:blip r:embed="rId2"/>
-          <a:stretch>
-            <a:fillRect/>
-          </a:stretch>
-        </p:blipFill>
-        <p:spPr>
-          <a:xfrm>
-            <a:off x="4956285" y="403564"/>
-            <a:ext cx="3528366" cy="396274"/>
-          </a:xfrm>
-          <a:prstGeom prst="rect">
-            <a:avLst/>
-          </a:prstGeom>
-        </p:spPr>
-      </p:pic>
-    </p:spTree>
-    <p:extLst>
-      <p:ext uri="{BB962C8B-B14F-4D97-AF65-F5344CB8AC3E}">
-        <p14:creationId xmlns:p14="http://schemas.microsoft.com/office/powerpoint/2010/main" val="1012251357"/>
-      </p:ext>
-    </p:extLst>
-  </p:cSld>
-  <p:clrMapOvr>
-    <a:masterClrMapping/>
-  </p:clrMapOvr>
-</p:sld>
-</file>
-
-<file path=ppt/slides/slide11.xml><?xml version="1.0" encoding="utf-8"?>
 <p:sld xmlns:a="http://schemas.openxmlformats.org/drawingml/2006/main" xmlns:r="http://schemas.openxmlformats.org/officeDocument/2006/relationships" xmlns:p="http://schemas.openxmlformats.org/presentationml/2006/main">
   <p:cSld>
     <p:spTree>
@@ -5045,7 +4840,7 @@
 </p:sld>
 </file>
 
-<file path=ppt/slides/slide12.xml><?xml version="1.0" encoding="utf-8"?>
+<file path=ppt/slides/slide11.xml><?xml version="1.0" encoding="utf-8"?>
 <p:sld xmlns:a="http://schemas.openxmlformats.org/drawingml/2006/main" xmlns:r="http://schemas.openxmlformats.org/officeDocument/2006/relationships" xmlns:p="http://schemas.openxmlformats.org/presentationml/2006/main">
   <p:cSld>
     <p:spTree>
@@ -5704,7 +5499,7 @@
 </p:sld>
 </file>
 
-<file path=ppt/slides/slide13.xml><?xml version="1.0" encoding="utf-8"?>
+<file path=ppt/slides/slide12.xml><?xml version="1.0" encoding="utf-8"?>
 <p:sld xmlns:a="http://schemas.openxmlformats.org/drawingml/2006/main" xmlns:r="http://schemas.openxmlformats.org/officeDocument/2006/relationships" xmlns:p="http://schemas.openxmlformats.org/presentationml/2006/main">
   <p:cSld>
     <p:spTree>
@@ -6711,7 +6506,7 @@
 </p:sld>
 </file>
 
-<file path=ppt/slides/slide14.xml><?xml version="1.0" encoding="utf-8"?>
+<file path=ppt/slides/slide13.xml><?xml version="1.0" encoding="utf-8"?>
 <p:sld xmlns:a="http://schemas.openxmlformats.org/drawingml/2006/main" xmlns:r="http://schemas.openxmlformats.org/officeDocument/2006/relationships" xmlns:p="http://schemas.openxmlformats.org/presentationml/2006/main">
   <p:cSld>
     <p:spTree>
@@ -6848,7 +6643,7 @@
 </p:sld>
 </file>
 
-<file path=ppt/slides/slide15.xml><?xml version="1.0" encoding="utf-8"?>
+<file path=ppt/slides/slide14.xml><?xml version="1.0" encoding="utf-8"?>
 <p:sld xmlns:a="http://schemas.openxmlformats.org/drawingml/2006/main" xmlns:r="http://schemas.openxmlformats.org/officeDocument/2006/relationships" xmlns:p="http://schemas.openxmlformats.org/presentationml/2006/main">
   <p:cSld>
     <p:spTree>
@@ -7079,7 +6874,7 @@
 </p:sld>
 </file>
 
-<file path=ppt/slides/slide16.xml><?xml version="1.0" encoding="utf-8"?>
+<file path=ppt/slides/slide15.xml><?xml version="1.0" encoding="utf-8"?>
 <p:sld xmlns:a="http://schemas.openxmlformats.org/drawingml/2006/main" xmlns:r="http://schemas.openxmlformats.org/officeDocument/2006/relationships" xmlns:p="http://schemas.openxmlformats.org/presentationml/2006/main">
   <p:cSld>
     <p:spTree>
@@ -7576,6 +7371,151 @@
 </p:sld>
 </file>
 
+<file path=ppt/slides/slide16.xml><?xml version="1.0" encoding="utf-8"?>
+<p:sld xmlns:a="http://schemas.openxmlformats.org/drawingml/2006/main" xmlns:r="http://schemas.openxmlformats.org/officeDocument/2006/relationships" xmlns:p="http://schemas.openxmlformats.org/presentationml/2006/main">
+  <p:cSld>
+    <p:spTree>
+      <p:nvGrpSpPr>
+        <p:cNvPr id="1" name=""/>
+        <p:cNvGrpSpPr/>
+        <p:nvPr/>
+      </p:nvGrpSpPr>
+      <p:grpSpPr>
+        <a:xfrm>
+          <a:off x="0" y="0"/>
+          <a:ext cx="0" cy="0"/>
+          <a:chOff x="0" y="0"/>
+          <a:chExt cx="0" cy="0"/>
+        </a:xfrm>
+      </p:grpSpPr>
+      <p:sp>
+        <p:nvSpPr>
+          <p:cNvPr id="24578" name="Content Placeholder 5"/>
+          <p:cNvSpPr>
+            <a:spLocks noGrp="1"/>
+          </p:cNvSpPr>
+          <p:nvPr>
+            <p:ph type="body" idx="1"/>
+          </p:nvPr>
+        </p:nvSpPr>
+        <p:spPr bwMode="auto">
+          <a:noFill/>
+          <a:extLst>
+            <a:ext uri="{909E8E84-426E-40DD-AFC4-6F175D3DCCD1}">
+              <a14:hiddenFill xmlns:a14="http://schemas.microsoft.com/office/drawing/2010/main">
+                <a:solidFill>
+                  <a:srgbClr val="FFFFFF"/>
+                </a:solidFill>
+              </a14:hiddenFill>
+            </a:ext>
+            <a:ext uri="{91240B29-F687-4F45-9708-019B960494DF}">
+              <a14:hiddenLine xmlns:a14="http://schemas.microsoft.com/office/drawing/2010/main" w="9525">
+                <a:solidFill>
+                  <a:srgbClr val="000000"/>
+                </a:solidFill>
+                <a:miter lim="800000"/>
+                <a:headEnd/>
+                <a:tailEnd/>
+              </a14:hiddenLine>
+            </a:ext>
+          </a:extLst>
+        </p:spPr>
+        <p:txBody>
+          <a:bodyPr vert="horz" wrap="square" lIns="68580" tIns="34290" rIns="68580" bIns="34290" numCol="1" anchor="t" anchorCtr="0" compatLnSpc="1">
+            <a:prstTxWarp prst="textNoShape">
+              <a:avLst/>
+            </a:prstTxWarp>
+          </a:bodyPr>
+          <a:lstStyle/>
+          <a:p>
+            <a:pPr marL="76200" indent="0">
+              <a:buNone/>
+            </a:pPr>
+            <a:r>
+              <a:rPr lang="en-US" altLang="en-US" b="0">
+                <a:ea typeface="ＭＳ Ｐゴシック" charset="-128"/>
+              </a:rPr>
+              <a:t>Who is the user.  What do they want to do with the tool.  What needs and desires do they want for the tool.  What is their skill level.</a:t>
+            </a:r>
+          </a:p>
+          <a:p>
+            <a:endParaRPr lang="en-US" altLang="en-US">
+              <a:ea typeface="ＭＳ Ｐゴシック" charset="-128"/>
+            </a:endParaRPr>
+          </a:p>
+          <a:p>
+            <a:endParaRPr lang="en-US" altLang="en-US">
+              <a:ea typeface="ＭＳ Ｐゴシック" charset="-128"/>
+            </a:endParaRPr>
+          </a:p>
+        </p:txBody>
+      </p:sp>
+      <p:sp>
+        <p:nvSpPr>
+          <p:cNvPr id="24577" name="Title 4"/>
+          <p:cNvSpPr>
+            <a:spLocks noGrp="1"/>
+          </p:cNvSpPr>
+          <p:nvPr>
+            <p:ph type="title"/>
+          </p:nvPr>
+        </p:nvSpPr>
+        <p:spPr bwMode="auto">
+          <a:xfrm>
+            <a:off x="447922" y="569068"/>
+            <a:ext cx="8197109" cy="451092"/>
+          </a:xfrm>
+          <a:noFill/>
+          <a:extLst>
+            <a:ext uri="{909E8E84-426E-40DD-AFC4-6F175D3DCCD1}">
+              <a14:hiddenFill xmlns:a14="http://schemas.microsoft.com/office/drawing/2010/main">
+                <a:solidFill>
+                  <a:srgbClr val="FFFFFF"/>
+                </a:solidFill>
+              </a14:hiddenFill>
+            </a:ext>
+            <a:ext uri="{91240B29-F687-4F45-9708-019B960494DF}">
+              <a14:hiddenLine xmlns:a14="http://schemas.microsoft.com/office/drawing/2010/main" w="9525">
+                <a:solidFill>
+                  <a:srgbClr val="000000"/>
+                </a:solidFill>
+                <a:miter lim="800000"/>
+                <a:headEnd/>
+                <a:tailEnd/>
+              </a14:hiddenLine>
+            </a:ext>
+          </a:extLst>
+        </p:spPr>
+        <p:txBody>
+          <a:bodyPr vert="horz" wrap="square" lIns="68580" tIns="34290" rIns="68580" bIns="34290" numCol="1" anchor="t" anchorCtr="0" compatLnSpc="1">
+            <a:prstTxWarp prst="textNoShape">
+              <a:avLst/>
+            </a:prstTxWarp>
+          </a:bodyPr>
+          <a:lstStyle/>
+          <a:p>
+            <a:r>
+              <a:rPr lang="en-US" altLang="en-US">
+                <a:ea typeface="ＭＳ Ｐゴシック" charset="-128"/>
+              </a:rPr>
+              <a:t>Start by writing a user story</a:t>
+            </a:r>
+          </a:p>
+        </p:txBody>
+      </p:sp>
+    </p:spTree>
+    <p:extLst>
+      <p:ext uri="{BB962C8B-B14F-4D97-AF65-F5344CB8AC3E}">
+        <p14:creationId xmlns:p14="http://schemas.microsoft.com/office/powerpoint/2010/main" val="1362383119"/>
+      </p:ext>
+    </p:extLst>
+  </p:cSld>
+  <p:clrMapOvr>
+    <a:masterClrMapping/>
+  </p:clrMapOvr>
+</p:sld>
+</file>
+
 <file path=ppt/slides/slide17.xml><?xml version="1.0" encoding="utf-8"?>
 <p:sld xmlns:a="http://schemas.openxmlformats.org/drawingml/2006/main" xmlns:r="http://schemas.openxmlformats.org/officeDocument/2006/relationships" xmlns:p="http://schemas.openxmlformats.org/presentationml/2006/main">
   <p:cSld>
@@ -7638,9 +7578,51 @@
             </a:pPr>
             <a:r>
               <a:rPr lang="en-US" altLang="en-US" b="0">
-                <a:ea typeface="ＭＳ Ｐゴシック" charset="-128"/>
-              </a:rPr>
-              <a:t>Who is the user.  What do they want to do with the tool.  What needs and desires do they want for the tool.  What is their skill level.</a:t>
+                <a:highlight>
+                  <a:srgbClr val="FFFF00"/>
+                </a:highlight>
+                <a:ea typeface="ＭＳ Ｐゴシック" charset="-128"/>
+              </a:rPr>
+              <a:t>Who is the user.  </a:t>
+            </a:r>
+            <a:r>
+              <a:rPr lang="en-US" altLang="en-US" b="0">
+                <a:highlight>
+                  <a:srgbClr val="00FF00"/>
+                </a:highlight>
+                <a:ea typeface="ＭＳ Ｐゴシック" charset="-128"/>
+              </a:rPr>
+              <a:t>What do they want to do with the tool. </a:t>
+            </a:r>
+            <a:r>
+              <a:rPr lang="en-US" altLang="en-US" b="0">
+                <a:ea typeface="ＭＳ Ｐゴシック" charset="-128"/>
+              </a:rPr>
+              <a:t> </a:t>
+            </a:r>
+            <a:r>
+              <a:rPr lang="en-US" altLang="en-US" b="0">
+                <a:highlight>
+                  <a:srgbClr val="00FFFF"/>
+                </a:highlight>
+                <a:ea typeface="ＭＳ Ｐゴシック" charset="-128"/>
+              </a:rPr>
+              <a:t>What needs and desires do they want for the tool.</a:t>
+            </a:r>
+            <a:r>
+              <a:rPr lang="en-US" altLang="en-US" b="0">
+                <a:ea typeface="ＭＳ Ｐゴシック" charset="-128"/>
+              </a:rPr>
+              <a:t>  </a:t>
+            </a:r>
+            <a:r>
+              <a:rPr lang="en-US" altLang="en-US" b="0">
+                <a:highlight>
+                  <a:srgbClr val="FF00FF"/>
+                </a:highlight>
+                <a:ea typeface="ＭＳ Ｐゴシック" charset="-128"/>
+              </a:rPr>
+              <a:t>What is their skill level.</a:t>
             </a:r>
           </a:p>
           <a:p>
@@ -7711,7 +7693,7 @@
     </p:spTree>
     <p:extLst>
       <p:ext uri="{BB962C8B-B14F-4D97-AF65-F5344CB8AC3E}">
-        <p14:creationId xmlns:p14="http://schemas.microsoft.com/office/powerpoint/2010/main" val="1362383119"/>
+        <p14:creationId xmlns:p14="http://schemas.microsoft.com/office/powerpoint/2010/main" val="1531142175"/>
       </p:ext>
     </p:extLst>
   </p:cSld>
@@ -7783,54 +7765,10 @@
             </a:pPr>
             <a:r>
               <a:rPr lang="en-US" altLang="en-US" b="0">
-                <a:highlight>
-                  <a:srgbClr val="FFFF00"/>
-                </a:highlight>
-                <a:ea typeface="ＭＳ Ｐゴシック" charset="-128"/>
-              </a:rPr>
-              <a:t>Who is the user.  </a:t>
-            </a:r>
-            <a:r>
-              <a:rPr lang="en-US" altLang="en-US" b="0">
-                <a:highlight>
-                  <a:srgbClr val="00FF00"/>
-                </a:highlight>
-                <a:ea typeface="ＭＳ Ｐゴシック" charset="-128"/>
-              </a:rPr>
-              <a:t>What do they want to do with the tool. </a:t>
-            </a:r>
-            <a:r>
-              <a:rPr lang="en-US" altLang="en-US" b="0">
-                <a:ea typeface="ＭＳ Ｐゴシック" charset="-128"/>
-              </a:rPr>
-              <a:t> </a:t>
-            </a:r>
-            <a:r>
-              <a:rPr lang="en-US" altLang="en-US" b="0">
-                <a:highlight>
-                  <a:srgbClr val="00FFFF"/>
-                </a:highlight>
-                <a:ea typeface="ＭＳ Ｐゴシック" charset="-128"/>
-              </a:rPr>
-              <a:t>What needs and desires do they want for the tool.</a:t>
-            </a:r>
-            <a:r>
-              <a:rPr lang="en-US" altLang="en-US" b="0">
-                <a:ea typeface="ＭＳ Ｐゴシック" charset="-128"/>
-              </a:rPr>
-              <a:t>  </a:t>
-            </a:r>
-            <a:r>
-              <a:rPr lang="en-US" altLang="en-US" b="0">
-                <a:highlight>
-                  <a:srgbClr val="FF00FF"/>
-                </a:highlight>
-                <a:ea typeface="ＭＳ Ｐゴシック" charset="-128"/>
-              </a:rPr>
-              <a:t>What is their skill level.</a:t>
-            </a:r>
-          </a:p>
-          <a:p>
+                <a:ea typeface="ＭＳ Ｐゴシック" charset="-128"/>
+              </a:rPr>
+              <a:t>Ram is a bank customer.  </a:t>
+            </a:r>
             <a:endParaRPr lang="en-US" altLang="en-US">
               <a:ea typeface="ＭＳ Ｐゴシック" charset="-128"/>
             </a:endParaRPr>
@@ -7854,8 +7792,8 @@
         </p:nvSpPr>
         <p:spPr bwMode="auto">
           <a:xfrm>
-            <a:off x="447922" y="569068"/>
-            <a:ext cx="8197109" cy="451092"/>
+            <a:off x="447922" y="556546"/>
+            <a:ext cx="8197109" cy="993775"/>
           </a:xfrm>
           <a:noFill/>
           <a:extLst>
@@ -7898,7 +7836,7 @@
     </p:spTree>
     <p:extLst>
       <p:ext uri="{BB962C8B-B14F-4D97-AF65-F5344CB8AC3E}">
-        <p14:creationId xmlns:p14="http://schemas.microsoft.com/office/powerpoint/2010/main" val="1531142175"/>
+        <p14:creationId xmlns:p14="http://schemas.microsoft.com/office/powerpoint/2010/main" val="3642472277"/>
       </p:ext>
     </p:extLst>
   </p:cSld>
@@ -7972,7 +7910,7 @@
               <a:rPr lang="en-US" altLang="en-US" b="0">
                 <a:ea typeface="ＭＳ Ｐゴシック" charset="-128"/>
               </a:rPr>
-              <a:t>Ram is a bank customer.  </a:t>
+              <a:t>Ram is a bank customer.  Ram wants to check his balance, deposit money. </a:t>
             </a:r>
             <a:endParaRPr lang="en-US" altLang="en-US">
               <a:ea typeface="ＭＳ Ｐゴシック" charset="-128"/>
@@ -8041,7 +7979,7 @@
     </p:spTree>
     <p:extLst>
       <p:ext uri="{BB962C8B-B14F-4D97-AF65-F5344CB8AC3E}">
-        <p14:creationId xmlns:p14="http://schemas.microsoft.com/office/powerpoint/2010/main" val="3642472277"/>
+        <p14:creationId xmlns:p14="http://schemas.microsoft.com/office/powerpoint/2010/main" val="2583612661"/>
       </p:ext>
     </p:extLst>
   </p:cSld>
@@ -8659,13 +8597,8 @@
               <a:rPr lang="en-US" altLang="en-US" b="0">
                 <a:ea typeface="ＭＳ Ｐゴシック" charset="-128"/>
               </a:rPr>
-              <a:t>Ram is a bank customer.  Ram wants to check his balance, deposit money. </a:t>
-            </a:r>
-            <a:endParaRPr lang="en-US" altLang="en-US">
-              <a:ea typeface="ＭＳ Ｐゴシック" charset="-128"/>
-            </a:endParaRPr>
-          </a:p>
-          <a:p>
+              <a:t>Ram is a bank customer.  Ram wants to check his balance, deposit money. He rarely uses cash.  </a:t>
+            </a:r>
             <a:endParaRPr lang="en-US" altLang="en-US">
               <a:ea typeface="ＭＳ Ｐゴシック" charset="-128"/>
             </a:endParaRPr>
@@ -8728,7 +8661,7 @@
     </p:spTree>
     <p:extLst>
       <p:ext uri="{BB962C8B-B14F-4D97-AF65-F5344CB8AC3E}">
-        <p14:creationId xmlns:p14="http://schemas.microsoft.com/office/powerpoint/2010/main" val="2583612661"/>
+        <p14:creationId xmlns:p14="http://schemas.microsoft.com/office/powerpoint/2010/main" val="2196484717"/>
       </p:ext>
     </p:extLst>
   </p:cSld>
@@ -8802,7 +8735,7 @@
               <a:rPr lang="en-US" altLang="en-US" b="0">
                 <a:ea typeface="ＭＳ Ｐゴシック" charset="-128"/>
               </a:rPr>
-              <a:t>Ram is a bank customer.  Ram wants to check his balance, deposit money. He rarely uses cash.  </a:t>
+              <a:t>Ram is a bank customer.  Ram wants to check his balance, deposit money. He rarely uses cash.  Ram wants a safe and secure interface for interacting with the ATM.</a:t>
             </a:r>
             <a:endParaRPr lang="en-US" altLang="en-US">
               <a:ea typeface="ＭＳ Ｐゴシック" charset="-128"/>
@@ -8866,7 +8799,7 @@
     </p:spTree>
     <p:extLst>
       <p:ext uri="{BB962C8B-B14F-4D97-AF65-F5344CB8AC3E}">
-        <p14:creationId xmlns:p14="http://schemas.microsoft.com/office/powerpoint/2010/main" val="2196484717"/>
+        <p14:creationId xmlns:p14="http://schemas.microsoft.com/office/powerpoint/2010/main" val="2448226907"/>
       </p:ext>
     </p:extLst>
   </p:cSld>
@@ -8940,8 +8873,18 @@
               <a:rPr lang="en-US" altLang="en-US" b="0">
                 <a:ea typeface="ＭＳ Ｐゴシック" charset="-128"/>
               </a:rPr>
-              <a:t>Ram is a bank customer.  Ram wants to check his balance, deposit money. He rarely uses cash.  Ram wants a safe and secure interface for interacting with the ATM.</a:t>
-            </a:r>
+              <a:t>Ram is a bank customer.  Ram wants to check his balance, deposit money. He rarely uses cash.  Ram wants a safe and secure interface for interacting with the ATM.  Ram’s job does not involve technical skills and he values a simple user interface.</a:t>
+            </a:r>
+          </a:p>
+          <a:p>
+            <a:pPr marL="76200" indent="0">
+              <a:buNone/>
+            </a:pPr>
+            <a:endParaRPr lang="en-US" altLang="en-US">
+              <a:ea typeface="ＭＳ Ｐゴシック" charset="-128"/>
+            </a:endParaRPr>
+          </a:p>
+          <a:p>
             <a:endParaRPr lang="en-US" altLang="en-US">
               <a:ea typeface="ＭＳ Ｐゴシック" charset="-128"/>
             </a:endParaRPr>
@@ -9004,7 +8947,7 @@
     </p:spTree>
     <p:extLst>
       <p:ext uri="{BB962C8B-B14F-4D97-AF65-F5344CB8AC3E}">
-        <p14:creationId xmlns:p14="http://schemas.microsoft.com/office/powerpoint/2010/main" val="2448226907"/>
+        <p14:creationId xmlns:p14="http://schemas.microsoft.com/office/powerpoint/2010/main" val="3951833171"/>
       </p:ext>
     </p:extLst>
   </p:cSld>
@@ -9076,15 +9019,54 @@
             </a:pPr>
             <a:r>
               <a:rPr lang="en-US" altLang="en-US" b="0">
-                <a:ea typeface="ＭＳ Ｐゴシック" charset="-128"/>
-              </a:rPr>
-              <a:t>Ram is a bank customer.  Ram wants to check his balance, deposit money. He rarely uses cash.  Ram wants a safe and secure interface for interacting with the ATM.  Ram’s job does not involve technical skills and he values a simple user interface.</a:t>
-            </a:r>
-          </a:p>
-          <a:p>
-            <a:pPr marL="76200" indent="0">
-              <a:buNone/>
-            </a:pPr>
+                <a:highlight>
+                  <a:srgbClr val="FFFF00"/>
+                </a:highlight>
+                <a:ea typeface="ＭＳ Ｐゴシック" charset="-128"/>
+              </a:rPr>
+              <a:t>Ram is a bank customer.  </a:t>
+            </a:r>
+            <a:r>
+              <a:rPr lang="en-US" altLang="en-US" b="0">
+                <a:highlight>
+                  <a:srgbClr val="00FF00"/>
+                </a:highlight>
+                <a:ea typeface="ＭＳ Ｐゴシック" charset="-128"/>
+              </a:rPr>
+              <a:t>Ram wants to check his balance, deposit money. He rarely uses cash.</a:t>
+            </a:r>
+            <a:r>
+              <a:rPr lang="en-US" altLang="en-US" b="0">
+                <a:ea typeface="ＭＳ Ｐゴシック" charset="-128"/>
+              </a:rPr>
+              <a:t>  </a:t>
+            </a:r>
+            <a:r>
+              <a:rPr lang="en-US" altLang="en-US" b="0">
+                <a:highlight>
+                  <a:srgbClr val="00FFFF"/>
+                </a:highlight>
+                <a:ea typeface="ＭＳ Ｐゴシック" charset="-128"/>
+              </a:rPr>
+              <a:t>Ram wants a safe and secure interface for interacting with the ATM.</a:t>
+            </a:r>
+            <a:r>
+              <a:rPr lang="en-US" altLang="en-US" b="0">
+                <a:ea typeface="ＭＳ Ｐゴシック" charset="-128"/>
+              </a:rPr>
+              <a:t>  </a:t>
+            </a:r>
+            <a:r>
+              <a:rPr lang="en-US" altLang="en-US" b="0">
+                <a:highlight>
+                  <a:srgbClr val="FF00FF"/>
+                </a:highlight>
+                <a:ea typeface="ＭＳ Ｐゴシック" charset="-128"/>
+              </a:rPr>
+              <a:t>Ram’s job does not involve technical skills and he values a simple user interface.</a:t>
+            </a:r>
+          </a:p>
+          <a:p>
             <a:endParaRPr lang="en-US" altLang="en-US">
               <a:ea typeface="ＭＳ Ｐゴシック" charset="-128"/>
             </a:endParaRPr>
@@ -9152,7 +9134,7 @@
     </p:spTree>
     <p:extLst>
       <p:ext uri="{BB962C8B-B14F-4D97-AF65-F5344CB8AC3E}">
-        <p14:creationId xmlns:p14="http://schemas.microsoft.com/office/powerpoint/2010/main" val="3951833171"/>
+        <p14:creationId xmlns:p14="http://schemas.microsoft.com/office/powerpoint/2010/main" val="4064636100"/>
       </p:ext>
     </p:extLst>
   </p:cSld>
@@ -9163,193 +9145,6 @@
 </file>
 
 <file path=ppt/slides/slide24.xml><?xml version="1.0" encoding="utf-8"?>
-<p:sld xmlns:a="http://schemas.openxmlformats.org/drawingml/2006/main" xmlns:r="http://schemas.openxmlformats.org/officeDocument/2006/relationships" xmlns:p="http://schemas.openxmlformats.org/presentationml/2006/main">
-  <p:cSld>
-    <p:spTree>
-      <p:nvGrpSpPr>
-        <p:cNvPr id="1" name=""/>
-        <p:cNvGrpSpPr/>
-        <p:nvPr/>
-      </p:nvGrpSpPr>
-      <p:grpSpPr>
-        <a:xfrm>
-          <a:off x="0" y="0"/>
-          <a:ext cx="0" cy="0"/>
-          <a:chOff x="0" y="0"/>
-          <a:chExt cx="0" cy="0"/>
-        </a:xfrm>
-      </p:grpSpPr>
-      <p:sp>
-        <p:nvSpPr>
-          <p:cNvPr id="24578" name="Content Placeholder 5"/>
-          <p:cNvSpPr>
-            <a:spLocks noGrp="1"/>
-          </p:cNvSpPr>
-          <p:nvPr>
-            <p:ph type="body" idx="1"/>
-          </p:nvPr>
-        </p:nvSpPr>
-        <p:spPr bwMode="auto">
-          <a:noFill/>
-          <a:extLst>
-            <a:ext uri="{909E8E84-426E-40DD-AFC4-6F175D3DCCD1}">
-              <a14:hiddenFill xmlns:a14="http://schemas.microsoft.com/office/drawing/2010/main">
-                <a:solidFill>
-                  <a:srgbClr val="FFFFFF"/>
-                </a:solidFill>
-              </a14:hiddenFill>
-            </a:ext>
-            <a:ext uri="{91240B29-F687-4F45-9708-019B960494DF}">
-              <a14:hiddenLine xmlns:a14="http://schemas.microsoft.com/office/drawing/2010/main" w="9525">
-                <a:solidFill>
-                  <a:srgbClr val="000000"/>
-                </a:solidFill>
-                <a:miter lim="800000"/>
-                <a:headEnd/>
-                <a:tailEnd/>
-              </a14:hiddenLine>
-            </a:ext>
-          </a:extLst>
-        </p:spPr>
-        <p:txBody>
-          <a:bodyPr vert="horz" wrap="square" lIns="68580" tIns="34290" rIns="68580" bIns="34290" numCol="1" anchor="t" anchorCtr="0" compatLnSpc="1">
-            <a:prstTxWarp prst="textNoShape">
-              <a:avLst/>
-            </a:prstTxWarp>
-          </a:bodyPr>
-          <a:lstStyle/>
-          <a:p>
-            <a:pPr marL="76200" indent="0">
-              <a:buNone/>
-            </a:pPr>
-            <a:r>
-              <a:rPr lang="en-US" altLang="en-US" b="0">
-                <a:highlight>
-                  <a:srgbClr val="FFFF00"/>
-                </a:highlight>
-                <a:ea typeface="ＭＳ Ｐゴシック" charset="-128"/>
-              </a:rPr>
-              <a:t>Ram is a bank customer.  </a:t>
-            </a:r>
-            <a:r>
-              <a:rPr lang="en-US" altLang="en-US" b="0">
-                <a:highlight>
-                  <a:srgbClr val="00FF00"/>
-                </a:highlight>
-                <a:ea typeface="ＭＳ Ｐゴシック" charset="-128"/>
-              </a:rPr>
-              <a:t>Ram wants to check his balance, deposit money. He rarely uses cash.</a:t>
-            </a:r>
-            <a:r>
-              <a:rPr lang="en-US" altLang="en-US" b="0">
-                <a:ea typeface="ＭＳ Ｐゴシック" charset="-128"/>
-              </a:rPr>
-              <a:t>  </a:t>
-            </a:r>
-            <a:r>
-              <a:rPr lang="en-US" altLang="en-US" b="0">
-                <a:highlight>
-                  <a:srgbClr val="00FFFF"/>
-                </a:highlight>
-                <a:ea typeface="ＭＳ Ｐゴシック" charset="-128"/>
-              </a:rPr>
-              <a:t>Ram wants a safe and secure interface for interacting with the ATM.</a:t>
-            </a:r>
-            <a:r>
-              <a:rPr lang="en-US" altLang="en-US" b="0">
-                <a:ea typeface="ＭＳ Ｐゴシック" charset="-128"/>
-              </a:rPr>
-              <a:t>  </a:t>
-            </a:r>
-            <a:r>
-              <a:rPr lang="en-US" altLang="en-US" b="0">
-                <a:highlight>
-                  <a:srgbClr val="FF00FF"/>
-                </a:highlight>
-                <a:ea typeface="ＭＳ Ｐゴシック" charset="-128"/>
-              </a:rPr>
-              <a:t>Ram’s job does not involve technical skills and he values a simple user interface.</a:t>
-            </a:r>
-          </a:p>
-          <a:p>
-            <a:endParaRPr lang="en-US" altLang="en-US">
-              <a:ea typeface="ＭＳ Ｐゴシック" charset="-128"/>
-            </a:endParaRPr>
-          </a:p>
-          <a:p>
-            <a:endParaRPr lang="en-US" altLang="en-US">
-              <a:ea typeface="ＭＳ Ｐゴシック" charset="-128"/>
-            </a:endParaRPr>
-          </a:p>
-        </p:txBody>
-      </p:sp>
-      <p:sp>
-        <p:nvSpPr>
-          <p:cNvPr id="24577" name="Title 4"/>
-          <p:cNvSpPr>
-            <a:spLocks noGrp="1"/>
-          </p:cNvSpPr>
-          <p:nvPr>
-            <p:ph type="title"/>
-          </p:nvPr>
-        </p:nvSpPr>
-        <p:spPr bwMode="auto">
-          <a:xfrm>
-            <a:off x="447922" y="556546"/>
-            <a:ext cx="8197109" cy="993775"/>
-          </a:xfrm>
-          <a:noFill/>
-          <a:extLst>
-            <a:ext uri="{909E8E84-426E-40DD-AFC4-6F175D3DCCD1}">
-              <a14:hiddenFill xmlns:a14="http://schemas.microsoft.com/office/drawing/2010/main">
-                <a:solidFill>
-                  <a:srgbClr val="FFFFFF"/>
-                </a:solidFill>
-              </a14:hiddenFill>
-            </a:ext>
-            <a:ext uri="{91240B29-F687-4F45-9708-019B960494DF}">
-              <a14:hiddenLine xmlns:a14="http://schemas.microsoft.com/office/drawing/2010/main" w="9525">
-                <a:solidFill>
-                  <a:srgbClr val="000000"/>
-                </a:solidFill>
-                <a:miter lim="800000"/>
-                <a:headEnd/>
-                <a:tailEnd/>
-              </a14:hiddenLine>
-            </a:ext>
-          </a:extLst>
-        </p:spPr>
-        <p:txBody>
-          <a:bodyPr vert="horz" wrap="square" lIns="68580" tIns="34290" rIns="68580" bIns="34290" numCol="1" anchor="t" anchorCtr="0" compatLnSpc="1">
-            <a:prstTxWarp prst="textNoShape">
-              <a:avLst/>
-            </a:prstTxWarp>
-          </a:bodyPr>
-          <a:lstStyle/>
-          <a:p>
-            <a:r>
-              <a:rPr lang="en-US" altLang="en-US">
-                <a:ea typeface="ＭＳ Ｐゴシック" charset="-128"/>
-              </a:rPr>
-              <a:t>Start by writing a user story</a:t>
-            </a:r>
-          </a:p>
-        </p:txBody>
-      </p:sp>
-    </p:spTree>
-    <p:extLst>
-      <p:ext uri="{BB962C8B-B14F-4D97-AF65-F5344CB8AC3E}">
-        <p14:creationId xmlns:p14="http://schemas.microsoft.com/office/powerpoint/2010/main" val="4064636100"/>
-      </p:ext>
-    </p:extLst>
-  </p:cSld>
-  <p:clrMapOvr>
-    <a:masterClrMapping/>
-  </p:clrMapOvr>
-</p:sld>
-</file>
-
-<file path=ppt/slides/slide25.xml><?xml version="1.0" encoding="utf-8"?>
 <p:sld xmlns:a="http://schemas.openxmlformats.org/drawingml/2006/main" xmlns:r="http://schemas.openxmlformats.org/officeDocument/2006/relationships" xmlns:p="http://schemas.openxmlformats.org/presentationml/2006/main">
   <p:cSld>
     <p:spTree>
@@ -9706,6 +9501,141 @@
 </p:sld>
 </file>
 
+<file path=ppt/slides/slide25.xml><?xml version="1.0" encoding="utf-8"?>
+<p:sld xmlns:a="http://schemas.openxmlformats.org/drawingml/2006/main" xmlns:r="http://schemas.openxmlformats.org/officeDocument/2006/relationships" xmlns:p="http://schemas.openxmlformats.org/presentationml/2006/main">
+  <p:cSld>
+    <p:spTree>
+      <p:nvGrpSpPr>
+        <p:cNvPr id="1" name=""/>
+        <p:cNvGrpSpPr/>
+        <p:nvPr/>
+      </p:nvGrpSpPr>
+      <p:grpSpPr>
+        <a:xfrm>
+          <a:off x="0" y="0"/>
+          <a:ext cx="0" cy="0"/>
+          <a:chOff x="0" y="0"/>
+          <a:chExt cx="0" cy="0"/>
+        </a:xfrm>
+      </p:grpSpPr>
+      <p:sp>
+        <p:nvSpPr>
+          <p:cNvPr id="24578" name="Content Placeholder 5"/>
+          <p:cNvSpPr>
+            <a:spLocks noGrp="1"/>
+          </p:cNvSpPr>
+          <p:nvPr>
+            <p:ph type="body" idx="1"/>
+          </p:nvPr>
+        </p:nvSpPr>
+        <p:spPr bwMode="auto">
+          <a:noFill/>
+          <a:extLst>
+            <a:ext uri="{909E8E84-426E-40DD-AFC4-6F175D3DCCD1}">
+              <a14:hiddenFill xmlns:a14="http://schemas.microsoft.com/office/drawing/2010/main">
+                <a:solidFill>
+                  <a:srgbClr val="FFFFFF"/>
+                </a:solidFill>
+              </a14:hiddenFill>
+            </a:ext>
+            <a:ext uri="{91240B29-F687-4F45-9708-019B960494DF}">
+              <a14:hiddenLine xmlns:a14="http://schemas.microsoft.com/office/drawing/2010/main" w="9525">
+                <a:solidFill>
+                  <a:srgbClr val="000000"/>
+                </a:solidFill>
+                <a:miter lim="800000"/>
+                <a:headEnd/>
+                <a:tailEnd/>
+              </a14:hiddenLine>
+            </a:ext>
+          </a:extLst>
+        </p:spPr>
+        <p:txBody>
+          <a:bodyPr vert="horz" wrap="square" lIns="68580" tIns="34290" rIns="68580" bIns="34290" numCol="1" anchor="t" anchorCtr="0" compatLnSpc="1">
+            <a:prstTxWarp prst="textNoShape">
+              <a:avLst/>
+            </a:prstTxWarp>
+          </a:bodyPr>
+          <a:lstStyle/>
+          <a:p>
+            <a:pPr marL="76200" indent="0">
+              <a:buNone/>
+            </a:pPr>
+            <a:r>
+              <a:rPr lang="en-US" altLang="en-US" b="0">
+                <a:ea typeface="ＭＳ Ｐゴシック" charset="-128"/>
+              </a:rPr>
+              <a:t>Asma is a bank customer.  Asma wants to check her balance and take out cash. She uses auto-deposit for her paychecks.  She wants a safe and secure interface for interacting with the ATM.  Asma is quite technical, but she wants to minimize her time interacting with the ATM and values a simple interface.</a:t>
+            </a:r>
+          </a:p>
+        </p:txBody>
+      </p:sp>
+      <p:sp>
+        <p:nvSpPr>
+          <p:cNvPr id="24577" name="Title 4"/>
+          <p:cNvSpPr>
+            <a:spLocks noGrp="1"/>
+          </p:cNvSpPr>
+          <p:nvPr>
+            <p:ph type="title"/>
+          </p:nvPr>
+        </p:nvSpPr>
+        <p:spPr bwMode="auto">
+          <a:xfrm>
+            <a:off x="447922" y="556546"/>
+            <a:ext cx="8197109" cy="993775"/>
+          </a:xfrm>
+          <a:noFill/>
+          <a:extLst>
+            <a:ext uri="{909E8E84-426E-40DD-AFC4-6F175D3DCCD1}">
+              <a14:hiddenFill xmlns:a14="http://schemas.microsoft.com/office/drawing/2010/main">
+                <a:solidFill>
+                  <a:srgbClr val="FFFFFF"/>
+                </a:solidFill>
+              </a14:hiddenFill>
+            </a:ext>
+            <a:ext uri="{91240B29-F687-4F45-9708-019B960494DF}">
+              <a14:hiddenLine xmlns:a14="http://schemas.microsoft.com/office/drawing/2010/main" w="9525">
+                <a:solidFill>
+                  <a:srgbClr val="000000"/>
+                </a:solidFill>
+                <a:miter lim="800000"/>
+                <a:headEnd/>
+                <a:tailEnd/>
+              </a14:hiddenLine>
+            </a:ext>
+          </a:extLst>
+        </p:spPr>
+        <p:txBody>
+          <a:bodyPr vert="horz" wrap="square" lIns="68580" tIns="34290" rIns="68580" bIns="34290" numCol="1" anchor="t" anchorCtr="0" compatLnSpc="1">
+            <a:prstTxWarp prst="textNoShape">
+              <a:avLst/>
+            </a:prstTxWarp>
+          </a:bodyPr>
+          <a:lstStyle/>
+          <a:p>
+            <a:r>
+              <a:rPr lang="en-US" altLang="en-US">
+                <a:ea typeface="ＭＳ Ｐゴシック" charset="-128"/>
+              </a:rPr>
+              <a:t>Start by writing a user story</a:t>
+            </a:r>
+          </a:p>
+        </p:txBody>
+      </p:sp>
+    </p:spTree>
+    <p:extLst>
+      <p:ext uri="{BB962C8B-B14F-4D97-AF65-F5344CB8AC3E}">
+        <p14:creationId xmlns:p14="http://schemas.microsoft.com/office/powerpoint/2010/main" val="1048527053"/>
+      </p:ext>
+    </p:extLst>
+  </p:cSld>
+  <p:clrMapOvr>
+    <a:masterClrMapping/>
+  </p:clrMapOvr>
+</p:sld>
+</file>
+
 <file path=ppt/slides/slide26.xml><?xml version="1.0" encoding="utf-8"?>
 <p:sld xmlns:a="http://schemas.openxmlformats.org/drawingml/2006/main" xmlns:r="http://schemas.openxmlformats.org/officeDocument/2006/relationships" xmlns:p="http://schemas.openxmlformats.org/presentationml/2006/main">
   <p:cSld>
@@ -9768,9 +9698,39 @@
             </a:pPr>
             <a:r>
               <a:rPr lang="en-US" altLang="en-US" b="0">
-                <a:ea typeface="ＭＳ Ｐゴシック" charset="-128"/>
-              </a:rPr>
-              <a:t>Asma is a bank customer.  Asma wants to check her balance and take out cash. She uses auto-deposit for her paychecks.  She wants a safe and secure interface for interacting with the ATM.  Asma is quite technical, but she wants to minimize her time interacting with the ATM and values a simple interface.</a:t>
+                <a:highlight>
+                  <a:srgbClr val="FFFF00"/>
+                </a:highlight>
+                <a:ea typeface="ＭＳ Ｐゴシック" charset="-128"/>
+              </a:rPr>
+              <a:t>Asma is a bank customer.  </a:t>
+            </a:r>
+            <a:r>
+              <a:rPr lang="en-US" altLang="en-US" b="0">
+                <a:highlight>
+                  <a:srgbClr val="00FF00"/>
+                </a:highlight>
+                <a:ea typeface="ＭＳ Ｐゴシック" charset="-128"/>
+              </a:rPr>
+              <a:t>Asma wants to check her balance and take out cash. She uses auto-deposit for her paychecks.  </a:t>
+            </a:r>
+            <a:r>
+              <a:rPr lang="en-US" altLang="en-US" b="0">
+                <a:highlight>
+                  <a:srgbClr val="00FFFF"/>
+                </a:highlight>
+                <a:ea typeface="ＭＳ Ｐゴシック" charset="-128"/>
+              </a:rPr>
+              <a:t>She wants a safe and secure interface for interacting with the ATM.  </a:t>
+            </a:r>
+            <a:r>
+              <a:rPr lang="en-US" altLang="en-US" b="0">
+                <a:highlight>
+                  <a:srgbClr val="FF00FF"/>
+                </a:highlight>
+                <a:ea typeface="ＭＳ Ｐゴシック" charset="-128"/>
+              </a:rPr>
+              <a:t>Asma is quite technical, but she wants to minimize her time interacting with the ATM and values a simple interface.</a:t>
             </a:r>
           </a:p>
         </p:txBody>
@@ -9831,7 +9791,7 @@
     </p:spTree>
     <p:extLst>
       <p:ext uri="{BB962C8B-B14F-4D97-AF65-F5344CB8AC3E}">
-        <p14:creationId xmlns:p14="http://schemas.microsoft.com/office/powerpoint/2010/main" val="1048527053"/>
+        <p14:creationId xmlns:p14="http://schemas.microsoft.com/office/powerpoint/2010/main" val="528833936"/>
       </p:ext>
     </p:extLst>
   </p:cSld>
@@ -9898,45 +9858,48 @@
           </a:bodyPr>
           <a:lstStyle/>
           <a:p>
-            <a:pPr marL="76200" indent="0">
-              <a:buNone/>
-            </a:pPr>
             <a:r>
               <a:rPr lang="en-US" altLang="en-US" b="0">
-                <a:highlight>
-                  <a:srgbClr val="FFFF00"/>
-                </a:highlight>
-                <a:ea typeface="ＭＳ Ｐゴシック" charset="-128"/>
-              </a:rPr>
-              <a:t>Asma is a bank customer.  </a:t>
-            </a:r>
+                <a:ea typeface="ＭＳ Ｐゴシック" charset="-128"/>
+              </a:rPr>
+              <a:t>How are Ram and Asma the same?</a:t>
+            </a:r>
+          </a:p>
+          <a:p>
+            <a:endParaRPr lang="en-US" altLang="en-US" b="0">
+              <a:ea typeface="ＭＳ Ｐゴシック" charset="-128"/>
+            </a:endParaRPr>
+          </a:p>
+          <a:p>
             <a:r>
               <a:rPr lang="en-US" altLang="en-US" b="0">
-                <a:highlight>
-                  <a:srgbClr val="00FF00"/>
-                </a:highlight>
-                <a:ea typeface="ＭＳ Ｐゴシック" charset="-128"/>
-              </a:rPr>
-              <a:t>Asma wants to check her balance and take out cash. She uses auto-deposit for her paychecks.  </a:t>
-            </a:r>
+                <a:ea typeface="ＭＳ Ｐゴシック" charset="-128"/>
+              </a:rPr>
+              <a:t>How are Ram and Asma different?</a:t>
+            </a:r>
+          </a:p>
+          <a:p>
+            <a:endParaRPr lang="en-US" altLang="en-US" b="0">
+              <a:ea typeface="ＭＳ Ｐゴシック" charset="-128"/>
+            </a:endParaRPr>
+          </a:p>
+          <a:p>
             <a:r>
               <a:rPr lang="en-US" altLang="en-US" b="0">
-                <a:highlight>
-                  <a:srgbClr val="00FFFF"/>
-                </a:highlight>
-                <a:ea typeface="ＭＳ Ｐゴシック" charset="-128"/>
-              </a:rPr>
-              <a:t>She wants a safe and secure interface for interacting with the ATM.  </a:t>
-            </a:r>
-            <a:r>
-              <a:rPr lang="en-US" altLang="en-US" b="0">
-                <a:highlight>
-                  <a:srgbClr val="FF00FF"/>
-                </a:highlight>
-                <a:ea typeface="ＭＳ Ｐゴシック" charset="-128"/>
-              </a:rPr>
-              <a:t>Asma is quite technical, but she wants to minimize her time interacting with the ATM and values a simple interface.</a:t>
-            </a:r>
+                <a:ea typeface="ＭＳ Ｐゴシック" charset="-128"/>
+              </a:rPr>
+              <a:t>What are the key takeaways from their user stories?</a:t>
+            </a:r>
+          </a:p>
+          <a:p>
+            <a:endParaRPr lang="en-US" altLang="en-US">
+              <a:ea typeface="ＭＳ Ｐゴシック" charset="-128"/>
+            </a:endParaRPr>
+          </a:p>
+          <a:p>
+            <a:endParaRPr lang="en-US" altLang="en-US">
+              <a:ea typeface="ＭＳ Ｐゴシック" charset="-128"/>
+            </a:endParaRPr>
           </a:p>
         </p:txBody>
       </p:sp>
@@ -9952,8 +9915,8 @@
         </p:nvSpPr>
         <p:spPr bwMode="auto">
           <a:xfrm>
-            <a:off x="447922" y="556546"/>
-            <a:ext cx="8197109" cy="993775"/>
+            <a:off x="447922" y="530157"/>
+            <a:ext cx="8197109" cy="490003"/>
           </a:xfrm>
           <a:noFill/>
           <a:extLst>
@@ -9993,10 +9956,100 @@
           </a:p>
         </p:txBody>
       </p:sp>
+      <p:sp>
+        <p:nvSpPr>
+          <p:cNvPr id="3" name="TextBox 2">
+            <a:extLst>
+              <a:ext uri="{FF2B5EF4-FFF2-40B4-BE49-F238E27FC236}">
+                <a16:creationId xmlns:a16="http://schemas.microsoft.com/office/drawing/2014/main" id="{8157A26B-B2A7-7FF5-85FA-FAE2F90655B5}"/>
+              </a:ext>
+            </a:extLst>
+          </p:cNvPr>
+          <p:cNvSpPr txBox="1"/>
+          <p:nvPr/>
+        </p:nvSpPr>
+        <p:spPr>
+          <a:xfrm>
+            <a:off x="6382214" y="188600"/>
+            <a:ext cx="2657708" cy="1169551"/>
+          </a:xfrm>
+          <a:prstGeom prst="rect">
+            <a:avLst/>
+          </a:prstGeom>
+          <a:noFill/>
+        </p:spPr>
+        <p:txBody>
+          <a:bodyPr wrap="square">
+            <a:spAutoFit/>
+          </a:bodyPr>
+          <a:lstStyle/>
+          <a:p>
+            <a:pPr marL="76200" indent="0">
+              <a:buNone/>
+            </a:pPr>
+            <a:r>
+              <a:rPr lang="en-US" altLang="en-US" sz="1000" b="1">
+                <a:ea typeface="ＭＳ Ｐゴシック" charset="-128"/>
+              </a:rPr>
+              <a:t>Ram</a:t>
+            </a:r>
+            <a:r>
+              <a:rPr lang="en-US" altLang="en-US" sz="1000" b="0">
+                <a:ea typeface="ＭＳ Ｐゴシック" charset="-128"/>
+              </a:rPr>
+              <a:t> is a bank customer.  Ram wants to check his balance, deposit money. He rarely uses cash.  Ram wants a safe and secure interface for interacting with the ATM.  Ram’s job does not involve technical skills and he values a simple user interface.</a:t>
+            </a:r>
+          </a:p>
+        </p:txBody>
+      </p:sp>
+      <p:sp>
+        <p:nvSpPr>
+          <p:cNvPr id="5" name="TextBox 4">
+            <a:extLst>
+              <a:ext uri="{FF2B5EF4-FFF2-40B4-BE49-F238E27FC236}">
+                <a16:creationId xmlns:a16="http://schemas.microsoft.com/office/drawing/2014/main" id="{1B5020A0-3939-AA43-25A5-B127774827D7}"/>
+              </a:ext>
+            </a:extLst>
+          </p:cNvPr>
+          <p:cNvSpPr txBox="1"/>
+          <p:nvPr/>
+        </p:nvSpPr>
+        <p:spPr>
+          <a:xfrm>
+            <a:off x="6459836" y="1500680"/>
+            <a:ext cx="2580086" cy="1323439"/>
+          </a:xfrm>
+          <a:prstGeom prst="rect">
+            <a:avLst/>
+          </a:prstGeom>
+          <a:noFill/>
+        </p:spPr>
+        <p:txBody>
+          <a:bodyPr wrap="square">
+            <a:spAutoFit/>
+          </a:bodyPr>
+          <a:lstStyle/>
+          <a:p>
+            <a:r>
+              <a:rPr lang="en-US" altLang="en-US" sz="1000" b="1">
+                <a:ea typeface="ＭＳ Ｐゴシック" charset="-128"/>
+              </a:rPr>
+              <a:t>Asma</a:t>
+            </a:r>
+            <a:r>
+              <a:rPr lang="en-US" altLang="en-US" sz="1000" b="0">
+                <a:ea typeface="ＭＳ Ｐゴシック" charset="-128"/>
+              </a:rPr>
+              <a:t> is a bank customer.  Asma wants to check her balance and take out cash. She uses auto-deposit for her paychecks.  She wants a safe and secure interface for interacting with the ATM.  Asma is quite technical, but she wants to minimize her time interacting with the ATM and values a simple interface</a:t>
+            </a:r>
+            <a:endParaRPr lang="en-US" sz="1000"/>
+          </a:p>
+        </p:txBody>
+      </p:sp>
     </p:spTree>
     <p:extLst>
       <p:ext uri="{BB962C8B-B14F-4D97-AF65-F5344CB8AC3E}">
-        <p14:creationId xmlns:p14="http://schemas.microsoft.com/office/powerpoint/2010/main" val="528833936"/>
+        <p14:creationId xmlns:p14="http://schemas.microsoft.com/office/powerpoint/2010/main" val="1470826419"/>
       </p:ext>
     </p:extLst>
   </p:cSld>
@@ -10071,9 +10124,13 @@
             </a:r>
           </a:p>
           <a:p>
-            <a:endParaRPr lang="en-US" altLang="en-US" b="0">
-              <a:ea typeface="ＭＳ Ｐゴシック" charset="-128"/>
-            </a:endParaRPr>
+            <a:pPr lvl="1"/>
+            <a:r>
+              <a:rPr lang="en-US" altLang="en-US">
+                <a:ea typeface="ＭＳ Ｐゴシック" charset="-128"/>
+              </a:rPr>
+              <a:t>Bank customers, check balance, want safe and secure, simple user interface</a:t>
+            </a:r>
           </a:p>
           <a:p>
             <a:r>
@@ -10084,9 +10141,13 @@
             </a:r>
           </a:p>
           <a:p>
-            <a:endParaRPr lang="en-US" altLang="en-US" b="0">
-              <a:ea typeface="ＭＳ Ｐゴシック" charset="-128"/>
-            </a:endParaRPr>
+            <a:pPr lvl="1"/>
+            <a:r>
+              <a:rPr lang="en-US" altLang="en-US">
+                <a:ea typeface="ＭＳ Ｐゴシック" charset="-128"/>
+              </a:rPr>
+              <a:t>Use of cash, technical skill level</a:t>
+            </a:r>
           </a:p>
           <a:p>
             <a:r>
@@ -10094,6 +10155,15 @@
                 <a:ea typeface="ＭＳ Ｐゴシック" charset="-128"/>
               </a:rPr>
               <a:t>What are the key takeaways from their user stories?</a:t>
+            </a:r>
+          </a:p>
+          <a:p>
+            <a:pPr lvl="1"/>
+            <a:r>
+              <a:rPr lang="en-US" altLang="en-US">
+                <a:ea typeface="ＭＳ Ｐゴシック" charset="-128"/>
+              </a:rPr>
+              <a:t>Safety, security and simplicity of the UI</a:t>
             </a:r>
           </a:p>
           <a:p>
@@ -10161,281 +10231,6 @@
           </a:p>
         </p:txBody>
       </p:sp>
-      <p:sp>
-        <p:nvSpPr>
-          <p:cNvPr id="3" name="TextBox 2">
-            <a:extLst>
-              <a:ext uri="{FF2B5EF4-FFF2-40B4-BE49-F238E27FC236}">
-                <a16:creationId xmlns:a16="http://schemas.microsoft.com/office/drawing/2014/main" id="{8157A26B-B2A7-7FF5-85FA-FAE2F90655B5}"/>
-              </a:ext>
-            </a:extLst>
-          </p:cNvPr>
-          <p:cNvSpPr txBox="1"/>
-          <p:nvPr/>
-        </p:nvSpPr>
-        <p:spPr>
-          <a:xfrm>
-            <a:off x="6382214" y="188600"/>
-            <a:ext cx="2657708" cy="1169551"/>
-          </a:xfrm>
-          <a:prstGeom prst="rect">
-            <a:avLst/>
-          </a:prstGeom>
-          <a:noFill/>
-        </p:spPr>
-        <p:txBody>
-          <a:bodyPr wrap="square">
-            <a:spAutoFit/>
-          </a:bodyPr>
-          <a:lstStyle/>
-          <a:p>
-            <a:pPr marL="76200" indent="0">
-              <a:buNone/>
-            </a:pPr>
-            <a:r>
-              <a:rPr lang="en-US" altLang="en-US" sz="1000" b="1">
-                <a:ea typeface="ＭＳ Ｐゴシック" charset="-128"/>
-              </a:rPr>
-              <a:t>Ram</a:t>
-            </a:r>
-            <a:r>
-              <a:rPr lang="en-US" altLang="en-US" sz="1000" b="0">
-                <a:ea typeface="ＭＳ Ｐゴシック" charset="-128"/>
-              </a:rPr>
-              <a:t> is a bank customer.  Ram wants to check his balance, deposit money. He rarely uses cash.  Ram wants a safe and secure interface for interacting with the ATM.  Ram’s job does not involve technical skills and he values a simple user interface.</a:t>
-            </a:r>
-          </a:p>
-        </p:txBody>
-      </p:sp>
-      <p:sp>
-        <p:nvSpPr>
-          <p:cNvPr id="5" name="TextBox 4">
-            <a:extLst>
-              <a:ext uri="{FF2B5EF4-FFF2-40B4-BE49-F238E27FC236}">
-                <a16:creationId xmlns:a16="http://schemas.microsoft.com/office/drawing/2014/main" id="{1B5020A0-3939-AA43-25A5-B127774827D7}"/>
-              </a:ext>
-            </a:extLst>
-          </p:cNvPr>
-          <p:cNvSpPr txBox="1"/>
-          <p:nvPr/>
-        </p:nvSpPr>
-        <p:spPr>
-          <a:xfrm>
-            <a:off x="6459836" y="1500680"/>
-            <a:ext cx="2580086" cy="1323439"/>
-          </a:xfrm>
-          <a:prstGeom prst="rect">
-            <a:avLst/>
-          </a:prstGeom>
-          <a:noFill/>
-        </p:spPr>
-        <p:txBody>
-          <a:bodyPr wrap="square">
-            <a:spAutoFit/>
-          </a:bodyPr>
-          <a:lstStyle/>
-          <a:p>
-            <a:r>
-              <a:rPr lang="en-US" altLang="en-US" sz="1000" b="1">
-                <a:ea typeface="ＭＳ Ｐゴシック" charset="-128"/>
-              </a:rPr>
-              <a:t>Asma</a:t>
-            </a:r>
-            <a:r>
-              <a:rPr lang="en-US" altLang="en-US" sz="1000" b="0">
-                <a:ea typeface="ＭＳ Ｐゴシック" charset="-128"/>
-              </a:rPr>
-              <a:t> is a bank customer.  Asma wants to check her balance and take out cash. She uses auto-deposit for her paychecks.  She wants a safe and secure interface for interacting with the ATM.  Asma is quite technical, but she wants to minimize her time interacting with the ATM and values a simple interface</a:t>
-            </a:r>
-            <a:endParaRPr lang="en-US" sz="1000"/>
-          </a:p>
-        </p:txBody>
-      </p:sp>
-    </p:spTree>
-    <p:extLst>
-      <p:ext uri="{BB962C8B-B14F-4D97-AF65-F5344CB8AC3E}">
-        <p14:creationId xmlns:p14="http://schemas.microsoft.com/office/powerpoint/2010/main" val="1470826419"/>
-      </p:ext>
-    </p:extLst>
-  </p:cSld>
-  <p:clrMapOvr>
-    <a:masterClrMapping/>
-  </p:clrMapOvr>
-</p:sld>
-</file>
-
-<file path=ppt/slides/slide29.xml><?xml version="1.0" encoding="utf-8"?>
-<p:sld xmlns:a="http://schemas.openxmlformats.org/drawingml/2006/main" xmlns:r="http://schemas.openxmlformats.org/officeDocument/2006/relationships" xmlns:p="http://schemas.openxmlformats.org/presentationml/2006/main">
-  <p:cSld>
-    <p:spTree>
-      <p:nvGrpSpPr>
-        <p:cNvPr id="1" name=""/>
-        <p:cNvGrpSpPr/>
-        <p:nvPr/>
-      </p:nvGrpSpPr>
-      <p:grpSpPr>
-        <a:xfrm>
-          <a:off x="0" y="0"/>
-          <a:ext cx="0" cy="0"/>
-          <a:chOff x="0" y="0"/>
-          <a:chExt cx="0" cy="0"/>
-        </a:xfrm>
-      </p:grpSpPr>
-      <p:sp>
-        <p:nvSpPr>
-          <p:cNvPr id="24578" name="Content Placeholder 5"/>
-          <p:cNvSpPr>
-            <a:spLocks noGrp="1"/>
-          </p:cNvSpPr>
-          <p:nvPr>
-            <p:ph type="body" idx="1"/>
-          </p:nvPr>
-        </p:nvSpPr>
-        <p:spPr bwMode="auto">
-          <a:noFill/>
-          <a:extLst>
-            <a:ext uri="{909E8E84-426E-40DD-AFC4-6F175D3DCCD1}">
-              <a14:hiddenFill xmlns:a14="http://schemas.microsoft.com/office/drawing/2010/main">
-                <a:solidFill>
-                  <a:srgbClr val="FFFFFF"/>
-                </a:solidFill>
-              </a14:hiddenFill>
-            </a:ext>
-            <a:ext uri="{91240B29-F687-4F45-9708-019B960494DF}">
-              <a14:hiddenLine xmlns:a14="http://schemas.microsoft.com/office/drawing/2010/main" w="9525">
-                <a:solidFill>
-                  <a:srgbClr val="000000"/>
-                </a:solidFill>
-                <a:miter lim="800000"/>
-                <a:headEnd/>
-                <a:tailEnd/>
-              </a14:hiddenLine>
-            </a:ext>
-          </a:extLst>
-        </p:spPr>
-        <p:txBody>
-          <a:bodyPr vert="horz" wrap="square" lIns="68580" tIns="34290" rIns="68580" bIns="34290" numCol="1" anchor="t" anchorCtr="0" compatLnSpc="1">
-            <a:prstTxWarp prst="textNoShape">
-              <a:avLst/>
-            </a:prstTxWarp>
-          </a:bodyPr>
-          <a:lstStyle/>
-          <a:p>
-            <a:r>
-              <a:rPr lang="en-US" altLang="en-US" b="0">
-                <a:ea typeface="ＭＳ Ｐゴシック" charset="-128"/>
-              </a:rPr>
-              <a:t>How are Ram and Asma the same?</a:t>
-            </a:r>
-          </a:p>
-          <a:p>
-            <a:pPr lvl="1"/>
-            <a:r>
-              <a:rPr lang="en-US" altLang="en-US">
-                <a:ea typeface="ＭＳ Ｐゴシック" charset="-128"/>
-              </a:rPr>
-              <a:t>Bank customers, check balance, want safe and secure, simple user interface</a:t>
-            </a:r>
-          </a:p>
-          <a:p>
-            <a:r>
-              <a:rPr lang="en-US" altLang="en-US" b="0">
-                <a:ea typeface="ＭＳ Ｐゴシック" charset="-128"/>
-              </a:rPr>
-              <a:t>How are Ram and Asma different?</a:t>
-            </a:r>
-          </a:p>
-          <a:p>
-            <a:pPr lvl="1"/>
-            <a:r>
-              <a:rPr lang="en-US" altLang="en-US">
-                <a:ea typeface="ＭＳ Ｐゴシック" charset="-128"/>
-              </a:rPr>
-              <a:t>Use of cash, technical skill level</a:t>
-            </a:r>
-          </a:p>
-          <a:p>
-            <a:r>
-              <a:rPr lang="en-US" altLang="en-US" b="0">
-                <a:ea typeface="ＭＳ Ｐゴシック" charset="-128"/>
-              </a:rPr>
-              <a:t>What are the key takeaways from their user stories?</a:t>
-            </a:r>
-          </a:p>
-          <a:p>
-            <a:pPr lvl="1"/>
-            <a:r>
-              <a:rPr lang="en-US" altLang="en-US">
-                <a:ea typeface="ＭＳ Ｐゴシック" charset="-128"/>
-              </a:rPr>
-              <a:t>Safety, security and simplicity of the UI</a:t>
-            </a:r>
-          </a:p>
-          <a:p>
-            <a:endParaRPr lang="en-US" altLang="en-US">
-              <a:ea typeface="ＭＳ Ｐゴシック" charset="-128"/>
-            </a:endParaRPr>
-          </a:p>
-          <a:p>
-            <a:endParaRPr lang="en-US" altLang="en-US">
-              <a:ea typeface="ＭＳ Ｐゴシック" charset="-128"/>
-            </a:endParaRPr>
-          </a:p>
-        </p:txBody>
-      </p:sp>
-      <p:sp>
-        <p:nvSpPr>
-          <p:cNvPr id="24577" name="Title 4"/>
-          <p:cNvSpPr>
-            <a:spLocks noGrp="1"/>
-          </p:cNvSpPr>
-          <p:nvPr>
-            <p:ph type="title"/>
-          </p:nvPr>
-        </p:nvSpPr>
-        <p:spPr bwMode="auto">
-          <a:xfrm>
-            <a:off x="447922" y="530157"/>
-            <a:ext cx="8197109" cy="490003"/>
-          </a:xfrm>
-          <a:noFill/>
-          <a:extLst>
-            <a:ext uri="{909E8E84-426E-40DD-AFC4-6F175D3DCCD1}">
-              <a14:hiddenFill xmlns:a14="http://schemas.microsoft.com/office/drawing/2010/main">
-                <a:solidFill>
-                  <a:srgbClr val="FFFFFF"/>
-                </a:solidFill>
-              </a14:hiddenFill>
-            </a:ext>
-            <a:ext uri="{91240B29-F687-4F45-9708-019B960494DF}">
-              <a14:hiddenLine xmlns:a14="http://schemas.microsoft.com/office/drawing/2010/main" w="9525">
-                <a:solidFill>
-                  <a:srgbClr val="000000"/>
-                </a:solidFill>
-                <a:miter lim="800000"/>
-                <a:headEnd/>
-                <a:tailEnd/>
-              </a14:hiddenLine>
-            </a:ext>
-          </a:extLst>
-        </p:spPr>
-        <p:txBody>
-          <a:bodyPr vert="horz" wrap="square" lIns="68580" tIns="34290" rIns="68580" bIns="34290" numCol="1" anchor="t" anchorCtr="0" compatLnSpc="1">
-            <a:prstTxWarp prst="textNoShape">
-              <a:avLst/>
-            </a:prstTxWarp>
-          </a:bodyPr>
-          <a:lstStyle/>
-          <a:p>
-            <a:r>
-              <a:rPr lang="en-US" altLang="en-US">
-                <a:ea typeface="ＭＳ Ｐゴシック" charset="-128"/>
-              </a:rPr>
-              <a:t>Start by writing a user story</a:t>
-            </a:r>
-          </a:p>
-        </p:txBody>
-      </p:sp>
     </p:spTree>
     <p:extLst>
       <p:ext uri="{BB962C8B-B14F-4D97-AF65-F5344CB8AC3E}">
@@ -10449,87 +10244,7 @@
 </p:sld>
 </file>
 
-<file path=ppt/slides/slide3.xml><?xml version="1.0" encoding="utf-8"?>
-<p:sld xmlns:a="http://schemas.openxmlformats.org/drawingml/2006/main" xmlns:r="http://schemas.openxmlformats.org/officeDocument/2006/relationships" xmlns:p="http://schemas.openxmlformats.org/presentationml/2006/main">
-  <p:cSld>
-    <p:spTree>
-      <p:nvGrpSpPr>
-        <p:cNvPr id="1" name=""/>
-        <p:cNvGrpSpPr/>
-        <p:nvPr/>
-      </p:nvGrpSpPr>
-      <p:grpSpPr>
-        <a:xfrm>
-          <a:off x="0" y="0"/>
-          <a:ext cx="0" cy="0"/>
-          <a:chOff x="0" y="0"/>
-          <a:chExt cx="0" cy="0"/>
-        </a:xfrm>
-      </p:grpSpPr>
-      <p:sp>
-        <p:nvSpPr>
-          <p:cNvPr id="2" name="Text Placeholder 1">
-            <a:extLst>
-              <a:ext uri="{FF2B5EF4-FFF2-40B4-BE49-F238E27FC236}">
-                <a16:creationId xmlns:a16="http://schemas.microsoft.com/office/drawing/2014/main" id="{7B896F18-1CBF-5F95-99B6-383736DCFE83}"/>
-              </a:ext>
-            </a:extLst>
-          </p:cNvPr>
-          <p:cNvSpPr>
-            <a:spLocks noGrp="1"/>
-          </p:cNvSpPr>
-          <p:nvPr>
-            <p:ph type="body" idx="1"/>
-          </p:nvPr>
-        </p:nvSpPr>
-        <p:spPr/>
-        <p:txBody>
-          <a:bodyPr/>
-          <a:lstStyle/>
-          <a:p>
-            <a:endParaRPr lang="en-US"/>
-          </a:p>
-        </p:txBody>
-      </p:sp>
-      <p:sp>
-        <p:nvSpPr>
-          <p:cNvPr id="3" name="Title 2">
-            <a:extLst>
-              <a:ext uri="{FF2B5EF4-FFF2-40B4-BE49-F238E27FC236}">
-                <a16:creationId xmlns:a16="http://schemas.microsoft.com/office/drawing/2014/main" id="{ADF1689B-C60D-2D2E-99BB-0D5560E7F388}"/>
-              </a:ext>
-            </a:extLst>
-          </p:cNvPr>
-          <p:cNvSpPr>
-            <a:spLocks noGrp="1"/>
-          </p:cNvSpPr>
-          <p:nvPr>
-            <p:ph type="title"/>
-          </p:nvPr>
-        </p:nvSpPr>
-        <p:spPr/>
-        <p:txBody>
-          <a:bodyPr/>
-          <a:lstStyle/>
-          <a:p>
-            <a:endParaRPr lang="en-US"/>
-          </a:p>
-        </p:txBody>
-      </p:sp>
-    </p:spTree>
-    <p:extLst>
-      <p:ext uri="{BB962C8B-B14F-4D97-AF65-F5344CB8AC3E}">
-        <p14:creationId xmlns:p14="http://schemas.microsoft.com/office/powerpoint/2010/main" val="3960649770"/>
-      </p:ext>
-    </p:extLst>
-  </p:cSld>
-  <p:clrMapOvr>
-    <a:masterClrMapping/>
-  </p:clrMapOvr>
-</p:sld>
-</file>
-
-<file path=ppt/slides/slide30.xml><?xml version="1.0" encoding="utf-8"?>
+<file path=ppt/slides/slide29.xml><?xml version="1.0" encoding="utf-8"?>
 <p:sld xmlns:a="http://schemas.openxmlformats.org/drawingml/2006/main" xmlns:r="http://schemas.openxmlformats.org/officeDocument/2006/relationships" xmlns:p="http://schemas.openxmlformats.org/presentationml/2006/main">
   <p:cSld>
     <p:spTree>
@@ -10883,6 +10598,389 @@
 </p:sld>
 </file>
 
+<file path=ppt/slides/slide3.xml><?xml version="1.0" encoding="utf-8"?>
+<p:sld xmlns:a="http://schemas.openxmlformats.org/drawingml/2006/main" xmlns:r="http://schemas.openxmlformats.org/officeDocument/2006/relationships" xmlns:p="http://schemas.openxmlformats.org/presentationml/2006/main">
+  <p:cSld>
+    <p:spTree>
+      <p:nvGrpSpPr>
+        <p:cNvPr id="1" name=""/>
+        <p:cNvGrpSpPr/>
+        <p:nvPr/>
+      </p:nvGrpSpPr>
+      <p:grpSpPr>
+        <a:xfrm>
+          <a:off x="0" y="0"/>
+          <a:ext cx="0" cy="0"/>
+          <a:chOff x="0" y="0"/>
+          <a:chExt cx="0" cy="0"/>
+        </a:xfrm>
+      </p:grpSpPr>
+      <p:sp>
+        <p:nvSpPr>
+          <p:cNvPr id="19458" name="Content Placeholder 5"/>
+          <p:cNvSpPr>
+            <a:spLocks noGrp="1"/>
+          </p:cNvSpPr>
+          <p:nvPr>
+            <p:ph type="body" idx="1"/>
+          </p:nvPr>
+        </p:nvSpPr>
+        <p:spPr bwMode="auto">
+          <a:xfrm>
+            <a:off x="447923" y="1305217"/>
+            <a:ext cx="8197114" cy="2942489"/>
+          </a:xfrm>
+          <a:noFill/>
+          <a:extLst>
+            <a:ext uri="{909E8E84-426E-40DD-AFC4-6F175D3DCCD1}">
+              <a14:hiddenFill xmlns:a14="http://schemas.microsoft.com/office/drawing/2010/main">
+                <a:solidFill>
+                  <a:srgbClr val="FFFFFF"/>
+                </a:solidFill>
+              </a14:hiddenFill>
+            </a:ext>
+            <a:ext uri="{91240B29-F687-4F45-9708-019B960494DF}">
+              <a14:hiddenLine xmlns:a14="http://schemas.microsoft.com/office/drawing/2010/main" w="9525">
+                <a:solidFill>
+                  <a:srgbClr val="000000"/>
+                </a:solidFill>
+                <a:miter lim="800000"/>
+                <a:headEnd/>
+                <a:tailEnd/>
+              </a14:hiddenLine>
+            </a:ext>
+          </a:extLst>
+        </p:spPr>
+        <p:txBody>
+          <a:bodyPr vert="horz" wrap="square" lIns="68580" tIns="34290" rIns="68580" bIns="34290" numCol="1" anchor="t" anchorCtr="0" compatLnSpc="1">
+            <a:prstTxWarp prst="textNoShape">
+              <a:avLst/>
+            </a:prstTxWarp>
+          </a:bodyPr>
+          <a:lstStyle/>
+          <a:p>
+            <a:pPr marL="76200" indent="0">
+              <a:buNone/>
+            </a:pPr>
+            <a:endParaRPr lang="en-US" altLang="en-US">
+              <a:ea typeface="ＭＳ Ｐゴシック" charset="-128"/>
+            </a:endParaRPr>
+          </a:p>
+          <a:p>
+            <a:pPr marL="76200" indent="0">
+              <a:buNone/>
+            </a:pPr>
+            <a:endParaRPr lang="en-US" altLang="en-US">
+              <a:ea typeface="ＭＳ Ｐゴシック" charset="-128"/>
+            </a:endParaRPr>
+          </a:p>
+          <a:p>
+            <a:pPr marL="76200" indent="0">
+              <a:buNone/>
+            </a:pPr>
+            <a:r>
+              <a:rPr lang="en-US" altLang="en-US">
+                <a:ea typeface="ＭＳ Ｐゴシック" charset="-128"/>
+              </a:rPr>
+              <a:t>"...specification of a </a:t>
+            </a:r>
+            <a:r>
+              <a:rPr lang="en-US" altLang="en-US">
+                <a:solidFill>
+                  <a:srgbClr val="00B0F0"/>
+                </a:solidFill>
+                <a:ea typeface="ＭＳ Ｐゴシック" charset="-128"/>
+                <a:hlinkClick r:id="rId3" tooltip="Artifact (software development)">
+                  <a:extLst>
+                    <a:ext uri="{A12FA001-AC4F-418D-AE19-62706E023703}">
+                      <ahyp:hlinkClr xmlns:ahyp="http://schemas.microsoft.com/office/drawing/2018/hyperlinkcolor" val="tx"/>
+                    </a:ext>
+                  </a:extLst>
+                </a:hlinkClick>
+              </a:rPr>
+              <a:t>software artifact</a:t>
+            </a:r>
+            <a:r>
+              <a:rPr lang="en-US" altLang="en-US">
+                <a:ea typeface="ＭＳ Ｐゴシック" charset="-128"/>
+              </a:rPr>
+              <a:t>, intended to accomplish </a:t>
+            </a:r>
+            <a:r>
+              <a:rPr lang="en-US" altLang="en-US">
+                <a:solidFill>
+                  <a:srgbClr val="00B0F0"/>
+                </a:solidFill>
+                <a:ea typeface="ＭＳ Ｐゴシック" charset="-128"/>
+                <a:hlinkClick r:id="rId4" tooltip="Goal">
+                  <a:extLst>
+                    <a:ext uri="{A12FA001-AC4F-418D-AE19-62706E023703}">
+                      <ahyp:hlinkClr xmlns:ahyp="http://schemas.microsoft.com/office/drawing/2018/hyperlinkcolor" val="tx"/>
+                    </a:ext>
+                  </a:extLst>
+                </a:hlinkClick>
+              </a:rPr>
+              <a:t>goals</a:t>
+            </a:r>
+            <a:r>
+              <a:rPr lang="en-US" altLang="en-US">
+                <a:ea typeface="ＭＳ Ｐゴシック" charset="-128"/>
+              </a:rPr>
+              <a:t>, using a set of </a:t>
+            </a:r>
+            <a:r>
+              <a:rPr lang="en-US" altLang="en-US" u="sng">
+                <a:solidFill>
+                  <a:srgbClr val="00B0F0"/>
+                </a:solidFill>
+                <a:ea typeface="ＭＳ Ｐゴシック" charset="-128"/>
+              </a:rPr>
+              <a:t>primitive components</a:t>
+            </a:r>
+            <a:r>
+              <a:rPr lang="en-US" altLang="en-US">
+                <a:solidFill>
+                  <a:srgbClr val="00B0F0"/>
+                </a:solidFill>
+                <a:ea typeface="ＭＳ Ｐゴシック" charset="-128"/>
+              </a:rPr>
+              <a:t> </a:t>
+            </a:r>
+            <a:r>
+              <a:rPr lang="en-US" altLang="en-US">
+                <a:ea typeface="ＭＳ Ｐゴシック" charset="-128"/>
+              </a:rPr>
+              <a:t>..." [</a:t>
+            </a:r>
+            <a:r>
+              <a:rPr lang="en-US" altLang="en-US" err="1">
+                <a:ea typeface="ＭＳ Ｐゴシック" charset="-128"/>
+              </a:rPr>
+              <a:t>wikipedia</a:t>
+            </a:r>
+            <a:r>
+              <a:rPr lang="en-US" altLang="en-US">
+                <a:ea typeface="ＭＳ Ｐゴシック" charset="-128"/>
+              </a:rPr>
+              <a:t>]</a:t>
+            </a:r>
+            <a:endParaRPr lang="en-US" altLang="en-US" b="1">
+              <a:ea typeface="ＭＳ Ｐゴシック" charset="-128"/>
+            </a:endParaRPr>
+          </a:p>
+        </p:txBody>
+      </p:sp>
+      <p:sp>
+        <p:nvSpPr>
+          <p:cNvPr id="19457" name="Title 4"/>
+          <p:cNvSpPr>
+            <a:spLocks noGrp="1"/>
+          </p:cNvSpPr>
+          <p:nvPr>
+            <p:ph type="title"/>
+          </p:nvPr>
+        </p:nvSpPr>
+        <p:spPr bwMode="auto">
+          <a:xfrm>
+            <a:off x="447922" y="542260"/>
+            <a:ext cx="8197109" cy="477900"/>
+          </a:xfrm>
+          <a:noFill/>
+          <a:extLst>
+            <a:ext uri="{909E8E84-426E-40DD-AFC4-6F175D3DCCD1}">
+              <a14:hiddenFill xmlns:a14="http://schemas.microsoft.com/office/drawing/2010/main">
+                <a:solidFill>
+                  <a:srgbClr val="FFFFFF"/>
+                </a:solidFill>
+              </a14:hiddenFill>
+            </a:ext>
+            <a:ext uri="{91240B29-F687-4F45-9708-019B960494DF}">
+              <a14:hiddenLine xmlns:a14="http://schemas.microsoft.com/office/drawing/2010/main" w="9525">
+                <a:solidFill>
+                  <a:srgbClr val="000000"/>
+                </a:solidFill>
+                <a:miter lim="800000"/>
+                <a:headEnd/>
+                <a:tailEnd/>
+              </a14:hiddenLine>
+            </a:ext>
+          </a:extLst>
+        </p:spPr>
+        <p:txBody>
+          <a:bodyPr vert="horz" wrap="square" lIns="68580" tIns="34290" rIns="68580" bIns="34290" numCol="1" anchor="t" anchorCtr="0" compatLnSpc="1">
+            <a:prstTxWarp prst="textNoShape">
+              <a:avLst/>
+            </a:prstTxWarp>
+          </a:bodyPr>
+          <a:lstStyle/>
+          <a:p>
+            <a:r>
+              <a:rPr lang="en-US" altLang="en-US">
+                <a:ea typeface="ＭＳ Ｐゴシック" charset="-128"/>
+              </a:rPr>
+              <a:t>Software Design</a:t>
+            </a:r>
+          </a:p>
+        </p:txBody>
+      </p:sp>
+    </p:spTree>
+    <p:extLst>
+      <p:ext uri="{BB962C8B-B14F-4D97-AF65-F5344CB8AC3E}">
+        <p14:creationId xmlns:p14="http://schemas.microsoft.com/office/powerpoint/2010/main" val="2081938175"/>
+      </p:ext>
+    </p:extLst>
+  </p:cSld>
+  <p:clrMapOvr>
+    <a:masterClrMapping/>
+  </p:clrMapOvr>
+</p:sld>
+</file>
+
+<file path=ppt/slides/slide30.xml><?xml version="1.0" encoding="utf-8"?>
+<p:sld xmlns:a="http://schemas.openxmlformats.org/drawingml/2006/main" xmlns:r="http://schemas.openxmlformats.org/officeDocument/2006/relationships" xmlns:p="http://schemas.openxmlformats.org/presentationml/2006/main">
+  <p:cSld>
+    <p:spTree>
+      <p:nvGrpSpPr>
+        <p:cNvPr id="1" name=""/>
+        <p:cNvGrpSpPr/>
+        <p:nvPr/>
+      </p:nvGrpSpPr>
+      <p:grpSpPr>
+        <a:xfrm>
+          <a:off x="0" y="0"/>
+          <a:ext cx="0" cy="0"/>
+          <a:chOff x="0" y="0"/>
+          <a:chExt cx="0" cy="0"/>
+        </a:xfrm>
+      </p:grpSpPr>
+      <p:sp>
+        <p:nvSpPr>
+          <p:cNvPr id="24578" name="Content Placeholder 5"/>
+          <p:cNvSpPr>
+            <a:spLocks noGrp="1"/>
+          </p:cNvSpPr>
+          <p:nvPr>
+            <p:ph type="body" idx="1"/>
+          </p:nvPr>
+        </p:nvSpPr>
+        <p:spPr bwMode="auto">
+          <a:noFill/>
+          <a:extLst>
+            <a:ext uri="{909E8E84-426E-40DD-AFC4-6F175D3DCCD1}">
+              <a14:hiddenFill xmlns:a14="http://schemas.microsoft.com/office/drawing/2010/main">
+                <a:solidFill>
+                  <a:srgbClr val="FFFFFF"/>
+                </a:solidFill>
+              </a14:hiddenFill>
+            </a:ext>
+            <a:ext uri="{91240B29-F687-4F45-9708-019B960494DF}">
+              <a14:hiddenLine xmlns:a14="http://schemas.microsoft.com/office/drawing/2010/main" w="9525">
+                <a:solidFill>
+                  <a:srgbClr val="000000"/>
+                </a:solidFill>
+                <a:miter lim="800000"/>
+                <a:headEnd/>
+                <a:tailEnd/>
+              </a14:hiddenLine>
+            </a:ext>
+          </a:extLst>
+        </p:spPr>
+        <p:txBody>
+          <a:bodyPr vert="horz" wrap="square" lIns="68580" tIns="34290" rIns="68580" bIns="34290" numCol="1" anchor="t" anchorCtr="0" compatLnSpc="1">
+            <a:prstTxWarp prst="textNoShape">
+              <a:avLst/>
+            </a:prstTxWarp>
+          </a:bodyPr>
+          <a:lstStyle/>
+          <a:p>
+            <a:pPr marL="76200" indent="0">
+              <a:buNone/>
+            </a:pPr>
+            <a:r>
+              <a:rPr lang="en-US" altLang="en-US" b="0">
+                <a:ea typeface="ＭＳ Ｐゴシック" charset="-128"/>
+              </a:rPr>
+              <a:t>Valentina is an ATM technician.  She services ATMs as part of preventative maintenance, applies hardware and software updates and for performs emergency repairs. For maintenance and updates she will follow a standard protocol.  For repairs, she needs access to a diagnostic interface.  Valentina is highly technical and knows how to replace standardized parts.</a:t>
+            </a:r>
+          </a:p>
+          <a:p>
+            <a:endParaRPr lang="en-US" altLang="en-US">
+              <a:ea typeface="ＭＳ Ｐゴシック" charset="-128"/>
+            </a:endParaRPr>
+          </a:p>
+          <a:p>
+            <a:endParaRPr lang="en-US" altLang="en-US">
+              <a:ea typeface="ＭＳ Ｐゴシック" charset="-128"/>
+            </a:endParaRPr>
+          </a:p>
+        </p:txBody>
+      </p:sp>
+      <p:sp>
+        <p:nvSpPr>
+          <p:cNvPr id="24577" name="Title 4"/>
+          <p:cNvSpPr>
+            <a:spLocks noGrp="1"/>
+          </p:cNvSpPr>
+          <p:nvPr>
+            <p:ph type="title"/>
+          </p:nvPr>
+        </p:nvSpPr>
+        <p:spPr bwMode="auto">
+          <a:xfrm>
+            <a:off x="447922" y="530157"/>
+            <a:ext cx="8197109" cy="490003"/>
+          </a:xfrm>
+          <a:noFill/>
+          <a:extLst>
+            <a:ext uri="{909E8E84-426E-40DD-AFC4-6F175D3DCCD1}">
+              <a14:hiddenFill xmlns:a14="http://schemas.microsoft.com/office/drawing/2010/main">
+                <a:solidFill>
+                  <a:srgbClr val="FFFFFF"/>
+                </a:solidFill>
+              </a14:hiddenFill>
+            </a:ext>
+            <a:ext uri="{91240B29-F687-4F45-9708-019B960494DF}">
+              <a14:hiddenLine xmlns:a14="http://schemas.microsoft.com/office/drawing/2010/main" w="9525">
+                <a:solidFill>
+                  <a:srgbClr val="000000"/>
+                </a:solidFill>
+                <a:miter lim="800000"/>
+                <a:headEnd/>
+                <a:tailEnd/>
+              </a14:hiddenLine>
+            </a:ext>
+          </a:extLst>
+        </p:spPr>
+        <p:txBody>
+          <a:bodyPr vert="horz" wrap="square" lIns="68580" tIns="34290" rIns="68580" bIns="34290" numCol="1" anchor="t" anchorCtr="0" compatLnSpc="1">
+            <a:prstTxWarp prst="textNoShape">
+              <a:avLst/>
+            </a:prstTxWarp>
+          </a:bodyPr>
+          <a:lstStyle/>
+          <a:p>
+            <a:r>
+              <a:rPr lang="en-US" altLang="en-US">
+                <a:ea typeface="ＭＳ Ｐゴシック" charset="-128"/>
+              </a:rPr>
+              <a:t>Start by writing a user story</a:t>
+            </a:r>
+          </a:p>
+        </p:txBody>
+      </p:sp>
+    </p:spTree>
+    <p:extLst>
+      <p:ext uri="{BB962C8B-B14F-4D97-AF65-F5344CB8AC3E}">
+        <p14:creationId xmlns:p14="http://schemas.microsoft.com/office/powerpoint/2010/main" val="451881193"/>
+      </p:ext>
+    </p:extLst>
+  </p:cSld>
+  <p:clrMapOvr>
+    <a:masterClrMapping/>
+  </p:clrMapOvr>
+</p:sld>
+</file>
+
 <file path=ppt/slides/slide31.xml><?xml version="1.0" encoding="utf-8"?>
 <p:sld xmlns:a="http://schemas.openxmlformats.org/drawingml/2006/main" xmlns:r="http://schemas.openxmlformats.org/officeDocument/2006/relationships" xmlns:p="http://schemas.openxmlformats.org/presentationml/2006/main">
   <p:cSld>
@@ -10945,9 +11043,39 @@
             </a:pPr>
             <a:r>
               <a:rPr lang="en-US" altLang="en-US" b="0">
-                <a:ea typeface="ＭＳ Ｐゴシック" charset="-128"/>
-              </a:rPr>
-              <a:t>Valentina is an ATM technician.  She services ATMs as part of preventative maintenance, applies hardware and software updates and for performs emergency repairs. For maintenance and updates she will follow a standard protocol.  For repairs, she needs access to a diagnostic interface.  Valentina is highly technical and knows how to replace standardized parts.</a:t>
+                <a:highlight>
+                  <a:srgbClr val="FFFF00"/>
+                </a:highlight>
+                <a:ea typeface="ＭＳ Ｐゴシック" charset="-128"/>
+              </a:rPr>
+              <a:t>Valentina is an ATM technician.  </a:t>
+            </a:r>
+            <a:r>
+              <a:rPr lang="en-US" altLang="en-US" b="0">
+                <a:highlight>
+                  <a:srgbClr val="00FF00"/>
+                </a:highlight>
+                <a:ea typeface="ＭＳ Ｐゴシック" charset="-128"/>
+              </a:rPr>
+              <a:t>She services ATMs as part of preventative maintenance, applies hardware and software updates and for performs emergency repairs. </a:t>
+            </a:r>
+            <a:r>
+              <a:rPr lang="en-US" altLang="en-US" b="0">
+                <a:highlight>
+                  <a:srgbClr val="00FFFF"/>
+                </a:highlight>
+                <a:ea typeface="ＭＳ Ｐゴシック" charset="-128"/>
+              </a:rPr>
+              <a:t>For maintenance and updates she will follow a standard protocol.  For repairs, she needs access to a diagnostic interface. </a:t>
+            </a:r>
+            <a:r>
+              <a:rPr lang="en-US" altLang="en-US" b="0">
+                <a:highlight>
+                  <a:srgbClr val="FF00FF"/>
+                </a:highlight>
+                <a:ea typeface="ＭＳ Ｐゴシック" charset="-128"/>
+              </a:rPr>
+              <a:t> Valentina is highly technical and knows how to replace standardized parts.</a:t>
             </a:r>
           </a:p>
           <a:p>
@@ -11018,7 +11146,7 @@
     </p:spTree>
     <p:extLst>
       <p:ext uri="{BB962C8B-B14F-4D97-AF65-F5344CB8AC3E}">
-        <p14:creationId xmlns:p14="http://schemas.microsoft.com/office/powerpoint/2010/main" val="451881193"/>
+        <p14:creationId xmlns:p14="http://schemas.microsoft.com/office/powerpoint/2010/main" val="3010498902"/>
       </p:ext>
     </p:extLst>
   </p:cSld>
@@ -11029,181 +11157,6 @@
 </file>
 
 <file path=ppt/slides/slide32.xml><?xml version="1.0" encoding="utf-8"?>
-<p:sld xmlns:a="http://schemas.openxmlformats.org/drawingml/2006/main" xmlns:r="http://schemas.openxmlformats.org/officeDocument/2006/relationships" xmlns:p="http://schemas.openxmlformats.org/presentationml/2006/main">
-  <p:cSld>
-    <p:spTree>
-      <p:nvGrpSpPr>
-        <p:cNvPr id="1" name=""/>
-        <p:cNvGrpSpPr/>
-        <p:nvPr/>
-      </p:nvGrpSpPr>
-      <p:grpSpPr>
-        <a:xfrm>
-          <a:off x="0" y="0"/>
-          <a:ext cx="0" cy="0"/>
-          <a:chOff x="0" y="0"/>
-          <a:chExt cx="0" cy="0"/>
-        </a:xfrm>
-      </p:grpSpPr>
-      <p:sp>
-        <p:nvSpPr>
-          <p:cNvPr id="24578" name="Content Placeholder 5"/>
-          <p:cNvSpPr>
-            <a:spLocks noGrp="1"/>
-          </p:cNvSpPr>
-          <p:nvPr>
-            <p:ph type="body" idx="1"/>
-          </p:nvPr>
-        </p:nvSpPr>
-        <p:spPr bwMode="auto">
-          <a:noFill/>
-          <a:extLst>
-            <a:ext uri="{909E8E84-426E-40DD-AFC4-6F175D3DCCD1}">
-              <a14:hiddenFill xmlns:a14="http://schemas.microsoft.com/office/drawing/2010/main">
-                <a:solidFill>
-                  <a:srgbClr val="FFFFFF"/>
-                </a:solidFill>
-              </a14:hiddenFill>
-            </a:ext>
-            <a:ext uri="{91240B29-F687-4F45-9708-019B960494DF}">
-              <a14:hiddenLine xmlns:a14="http://schemas.microsoft.com/office/drawing/2010/main" w="9525">
-                <a:solidFill>
-                  <a:srgbClr val="000000"/>
-                </a:solidFill>
-                <a:miter lim="800000"/>
-                <a:headEnd/>
-                <a:tailEnd/>
-              </a14:hiddenLine>
-            </a:ext>
-          </a:extLst>
-        </p:spPr>
-        <p:txBody>
-          <a:bodyPr vert="horz" wrap="square" lIns="68580" tIns="34290" rIns="68580" bIns="34290" numCol="1" anchor="t" anchorCtr="0" compatLnSpc="1">
-            <a:prstTxWarp prst="textNoShape">
-              <a:avLst/>
-            </a:prstTxWarp>
-          </a:bodyPr>
-          <a:lstStyle/>
-          <a:p>
-            <a:pPr marL="76200" indent="0">
-              <a:buNone/>
-            </a:pPr>
-            <a:r>
-              <a:rPr lang="en-US" altLang="en-US" b="0">
-                <a:highlight>
-                  <a:srgbClr val="FFFF00"/>
-                </a:highlight>
-                <a:ea typeface="ＭＳ Ｐゴシック" charset="-128"/>
-              </a:rPr>
-              <a:t>Valentina is an ATM technician.  </a:t>
-            </a:r>
-            <a:r>
-              <a:rPr lang="en-US" altLang="en-US" b="0">
-                <a:highlight>
-                  <a:srgbClr val="00FF00"/>
-                </a:highlight>
-                <a:ea typeface="ＭＳ Ｐゴシック" charset="-128"/>
-              </a:rPr>
-              <a:t>She services ATMs as part of preventative maintenance, applies hardware and software updates and for performs emergency repairs. </a:t>
-            </a:r>
-            <a:r>
-              <a:rPr lang="en-US" altLang="en-US" b="0">
-                <a:highlight>
-                  <a:srgbClr val="00FFFF"/>
-                </a:highlight>
-                <a:ea typeface="ＭＳ Ｐゴシック" charset="-128"/>
-              </a:rPr>
-              <a:t>For maintenance and updates she will follow a standard protocol.  For repairs, she needs access to a diagnostic interface. </a:t>
-            </a:r>
-            <a:r>
-              <a:rPr lang="en-US" altLang="en-US" b="0">
-                <a:highlight>
-                  <a:srgbClr val="FF00FF"/>
-                </a:highlight>
-                <a:ea typeface="ＭＳ Ｐゴシック" charset="-128"/>
-              </a:rPr>
-              <a:t> Valentina is highly technical and knows how to replace standardized parts.</a:t>
-            </a:r>
-          </a:p>
-          <a:p>
-            <a:endParaRPr lang="en-US" altLang="en-US">
-              <a:ea typeface="ＭＳ Ｐゴシック" charset="-128"/>
-            </a:endParaRPr>
-          </a:p>
-          <a:p>
-            <a:endParaRPr lang="en-US" altLang="en-US">
-              <a:ea typeface="ＭＳ Ｐゴシック" charset="-128"/>
-            </a:endParaRPr>
-          </a:p>
-        </p:txBody>
-      </p:sp>
-      <p:sp>
-        <p:nvSpPr>
-          <p:cNvPr id="24577" name="Title 4"/>
-          <p:cNvSpPr>
-            <a:spLocks noGrp="1"/>
-          </p:cNvSpPr>
-          <p:nvPr>
-            <p:ph type="title"/>
-          </p:nvPr>
-        </p:nvSpPr>
-        <p:spPr bwMode="auto">
-          <a:xfrm>
-            <a:off x="447922" y="530157"/>
-            <a:ext cx="8197109" cy="490003"/>
-          </a:xfrm>
-          <a:noFill/>
-          <a:extLst>
-            <a:ext uri="{909E8E84-426E-40DD-AFC4-6F175D3DCCD1}">
-              <a14:hiddenFill xmlns:a14="http://schemas.microsoft.com/office/drawing/2010/main">
-                <a:solidFill>
-                  <a:srgbClr val="FFFFFF"/>
-                </a:solidFill>
-              </a14:hiddenFill>
-            </a:ext>
-            <a:ext uri="{91240B29-F687-4F45-9708-019B960494DF}">
-              <a14:hiddenLine xmlns:a14="http://schemas.microsoft.com/office/drawing/2010/main" w="9525">
-                <a:solidFill>
-                  <a:srgbClr val="000000"/>
-                </a:solidFill>
-                <a:miter lim="800000"/>
-                <a:headEnd/>
-                <a:tailEnd/>
-              </a14:hiddenLine>
-            </a:ext>
-          </a:extLst>
-        </p:spPr>
-        <p:txBody>
-          <a:bodyPr vert="horz" wrap="square" lIns="68580" tIns="34290" rIns="68580" bIns="34290" numCol="1" anchor="t" anchorCtr="0" compatLnSpc="1">
-            <a:prstTxWarp prst="textNoShape">
-              <a:avLst/>
-            </a:prstTxWarp>
-          </a:bodyPr>
-          <a:lstStyle/>
-          <a:p>
-            <a:r>
-              <a:rPr lang="en-US" altLang="en-US">
-                <a:ea typeface="ＭＳ Ｐゴシック" charset="-128"/>
-              </a:rPr>
-              <a:t>Start by writing a user story</a:t>
-            </a:r>
-          </a:p>
-        </p:txBody>
-      </p:sp>
-    </p:spTree>
-    <p:extLst>
-      <p:ext uri="{BB962C8B-B14F-4D97-AF65-F5344CB8AC3E}">
-        <p14:creationId xmlns:p14="http://schemas.microsoft.com/office/powerpoint/2010/main" val="3010498902"/>
-      </p:ext>
-    </p:extLst>
-  </p:cSld>
-  <p:clrMapOvr>
-    <a:masterClrMapping/>
-  </p:clrMapOvr>
-</p:sld>
-</file>
-
-<file path=ppt/slides/slide33.xml><?xml version="1.0" encoding="utf-8"?>
 <p:sld xmlns:a="http://schemas.openxmlformats.org/drawingml/2006/main" xmlns:r="http://schemas.openxmlformats.org/officeDocument/2006/relationships" xmlns:p="http://schemas.openxmlformats.org/presentationml/2006/main">
   <p:cSld>
     <p:spTree>
@@ -11509,7 +11462,7 @@
 </p:sld>
 </file>
 
-<file path=ppt/slides/slide34.xml><?xml version="1.0" encoding="utf-8"?>
+<file path=ppt/slides/slide33.xml><?xml version="1.0" encoding="utf-8"?>
 <p:sld xmlns:a="http://schemas.openxmlformats.org/drawingml/2006/main" xmlns:r="http://schemas.openxmlformats.org/officeDocument/2006/relationships" xmlns:p="http://schemas.openxmlformats.org/presentationml/2006/main">
   <p:cSld>
     <p:spTree>
@@ -11804,7 +11757,7 @@
 </p:sld>
 </file>
 
-<file path=ppt/slides/slide35.xml><?xml version="1.0" encoding="utf-8"?>
+<file path=ppt/slides/slide34.xml><?xml version="1.0" encoding="utf-8"?>
 <p:sld xmlns:a="http://schemas.openxmlformats.org/drawingml/2006/main" xmlns:r="http://schemas.openxmlformats.org/officeDocument/2006/relationships" xmlns:p="http://schemas.openxmlformats.org/presentationml/2006/main">
   <p:cSld>
     <p:spTree>
@@ -12169,7 +12122,7 @@
 </p:sld>
 </file>
 
-<file path=ppt/slides/slide36.xml><?xml version="1.0" encoding="utf-8"?>
+<file path=ppt/slides/slide35.xml><?xml version="1.0" encoding="utf-8"?>
 <p:sld xmlns:a="http://schemas.openxmlformats.org/drawingml/2006/main" xmlns:r="http://schemas.openxmlformats.org/officeDocument/2006/relationships" xmlns:p="http://schemas.openxmlformats.org/presentationml/2006/main">
   <p:cSld>
     <p:spTree>
@@ -12297,6 +12250,146 @@
     <p:extLst>
       <p:ext uri="{BB962C8B-B14F-4D97-AF65-F5344CB8AC3E}">
         <p14:creationId xmlns:p14="http://schemas.microsoft.com/office/powerpoint/2010/main" val="1768822777"/>
+      </p:ext>
+    </p:extLst>
+  </p:cSld>
+  <p:clrMapOvr>
+    <a:masterClrMapping/>
+  </p:clrMapOvr>
+</p:sld>
+</file>
+
+<file path=ppt/slides/slide36.xml><?xml version="1.0" encoding="utf-8"?>
+<p:sld xmlns:a="http://schemas.openxmlformats.org/drawingml/2006/main" xmlns:r="http://schemas.openxmlformats.org/officeDocument/2006/relationships" xmlns:p="http://schemas.openxmlformats.org/presentationml/2006/main">
+  <p:cSld>
+    <p:spTree>
+      <p:nvGrpSpPr>
+        <p:cNvPr id="1" name=""/>
+        <p:cNvGrpSpPr/>
+        <p:nvPr/>
+      </p:nvGrpSpPr>
+      <p:grpSpPr>
+        <a:xfrm>
+          <a:off x="0" y="0"/>
+          <a:ext cx="0" cy="0"/>
+          <a:chOff x="0" y="0"/>
+          <a:chExt cx="0" cy="0"/>
+        </a:xfrm>
+      </p:grpSpPr>
+      <p:sp>
+        <p:nvSpPr>
+          <p:cNvPr id="6" name="Content Placeholder 5"/>
+          <p:cNvSpPr>
+            <a:spLocks noGrp="1"/>
+          </p:cNvSpPr>
+          <p:nvPr>
+            <p:ph type="body" idx="1"/>
+          </p:nvPr>
+        </p:nvSpPr>
+        <p:spPr bwMode="auto">
+          <a:noFill/>
+          <a:extLst>
+            <a:ext uri="{909E8E84-426E-40DD-AFC4-6F175D3DCCD1}">
+              <a14:hiddenFill xmlns:a14="http://schemas.microsoft.com/office/drawing/2010/main">
+                <a:solidFill>
+                  <a:srgbClr val="FFFFFF"/>
+                </a:solidFill>
+              </a14:hiddenFill>
+            </a:ext>
+            <a:ext uri="{91240B29-F687-4F45-9708-019B960494DF}">
+              <a14:hiddenLine xmlns:a14="http://schemas.microsoft.com/office/drawing/2010/main" w="9525">
+                <a:solidFill>
+                  <a:srgbClr val="000000"/>
+                </a:solidFill>
+                <a:miter lim="800000"/>
+                <a:headEnd/>
+                <a:tailEnd/>
+              </a14:hiddenLine>
+            </a:ext>
+          </a:extLst>
+        </p:spPr>
+        <p:txBody>
+          <a:bodyPr vert="horz" wrap="square" lIns="68580" tIns="34290" rIns="68580" bIns="34290" numCol="1" anchor="t" anchorCtr="0" compatLnSpc="1">
+            <a:prstTxWarp prst="textNoShape">
+              <a:avLst/>
+            </a:prstTxWarp>
+          </a:bodyPr>
+          <a:lstStyle/>
+          <a:p>
+            <a:pPr marL="76200" indent="0">
+              <a:buNone/>
+            </a:pPr>
+            <a:r>
+              <a:rPr lang="en-US" altLang="en-US" b="0">
+                <a:ea typeface="ＭＳ Ｐゴシック" charset="-128"/>
+              </a:rPr>
+              <a:t>Ram is a bank customer.  Ram wants to check his balance, deposit money. He rarely uses cash.  Ram wants a safe and secure interface for interacting with the ATM.  Ram’s job does not involve technical skills and he values a simple user interface.</a:t>
+            </a:r>
+          </a:p>
+          <a:p>
+            <a:endParaRPr lang="en-US" altLang="en-US">
+              <a:ea typeface="ＭＳ Ｐゴシック" charset="-128"/>
+            </a:endParaRPr>
+          </a:p>
+        </p:txBody>
+      </p:sp>
+      <p:sp>
+        <p:nvSpPr>
+          <p:cNvPr id="28673" name="Title 4"/>
+          <p:cNvSpPr>
+            <a:spLocks noGrp="1"/>
+          </p:cNvSpPr>
+          <p:nvPr>
+            <p:ph type="title"/>
+          </p:nvPr>
+        </p:nvSpPr>
+        <p:spPr bwMode="auto">
+          <a:xfrm>
+            <a:off x="447922" y="535259"/>
+            <a:ext cx="8480488" cy="484901"/>
+          </a:xfrm>
+          <a:noFill/>
+          <a:extLst>
+            <a:ext uri="{909E8E84-426E-40DD-AFC4-6F175D3DCCD1}">
+              <a14:hiddenFill xmlns:a14="http://schemas.microsoft.com/office/drawing/2010/main">
+                <a:solidFill>
+                  <a:srgbClr val="FFFFFF"/>
+                </a:solidFill>
+              </a14:hiddenFill>
+            </a:ext>
+            <a:ext uri="{91240B29-F687-4F45-9708-019B960494DF}">
+              <a14:hiddenLine xmlns:a14="http://schemas.microsoft.com/office/drawing/2010/main" w="9525">
+                <a:solidFill>
+                  <a:srgbClr val="000000"/>
+                </a:solidFill>
+                <a:miter lim="800000"/>
+                <a:headEnd/>
+                <a:tailEnd/>
+              </a14:hiddenLine>
+            </a:ext>
+          </a:extLst>
+        </p:spPr>
+        <p:txBody>
+          <a:bodyPr vert="horz" wrap="square" lIns="68580" tIns="34290" rIns="68580" bIns="34290" numCol="1" anchor="t" anchorCtr="0" compatLnSpc="1">
+            <a:prstTxWarp prst="textNoShape">
+              <a:avLst/>
+            </a:prstTxWarp>
+          </a:bodyPr>
+          <a:lstStyle/>
+          <a:p>
+            <a:r>
+              <a:rPr lang="en-US" altLang="en-US">
+                <a:ea typeface="ＭＳ Ｐゴシック" charset="-128"/>
+              </a:rPr>
+              <a:t>How to find use cases?  In the user stories!</a:t>
+            </a:r>
+          </a:p>
+        </p:txBody>
+      </p:sp>
+    </p:spTree>
+    <p:extLst>
+      <p:ext uri="{BB962C8B-B14F-4D97-AF65-F5344CB8AC3E}">
+        <p14:creationId xmlns:p14="http://schemas.microsoft.com/office/powerpoint/2010/main" val="35705909"/>
       </p:ext>
     </p:extLst>
   </p:cSld>
@@ -12370,7 +12463,22 @@
               <a:rPr lang="en-US" altLang="en-US" b="0">
                 <a:ea typeface="ＭＳ Ｐゴシック" charset="-128"/>
               </a:rPr>
-              <a:t>Ram is a bank customer.  Ram wants to check his balance, deposit money. He rarely uses cash.  Ram wants a safe and secure interface for interacting with the ATM.  Ram’s job does not involve technical skills and he values a simple user interface.</a:t>
+              <a:t>Ram is a bank customer.  </a:t>
+            </a:r>
+            <a:r>
+              <a:rPr lang="en-US" altLang="en-US" b="0">
+                <a:highlight>
+                  <a:srgbClr val="00FF00"/>
+                </a:highlight>
+                <a:ea typeface="ＭＳ Ｐゴシック" charset="-128"/>
+              </a:rPr>
+              <a:t>Ram wants to check his balance, deposit money. </a:t>
+            </a:r>
+            <a:r>
+              <a:rPr lang="en-US" altLang="en-US" b="0">
+                <a:ea typeface="ＭＳ Ｐゴシック" charset="-128"/>
+              </a:rPr>
+              <a:t>He rarely uses cash.  Ram wants a safe and secure interface for interacting with the ATM.  Ram’s job does not involve technical skills and he values a simple user interface.</a:t>
             </a:r>
           </a:p>
           <a:p>
@@ -12436,7 +12544,7 @@
     </p:spTree>
     <p:extLst>
       <p:ext uri="{BB962C8B-B14F-4D97-AF65-F5344CB8AC3E}">
-        <p14:creationId xmlns:p14="http://schemas.microsoft.com/office/powerpoint/2010/main" val="35705909"/>
+        <p14:creationId xmlns:p14="http://schemas.microsoft.com/office/powerpoint/2010/main" val="2641606738"/>
       </p:ext>
     </p:extLst>
   </p:cSld>
@@ -12447,161 +12555,6 @@
 </file>
 
 <file path=ppt/slides/slide38.xml><?xml version="1.0" encoding="utf-8"?>
-<p:sld xmlns:a="http://schemas.openxmlformats.org/drawingml/2006/main" xmlns:r="http://schemas.openxmlformats.org/officeDocument/2006/relationships" xmlns:p="http://schemas.openxmlformats.org/presentationml/2006/main">
-  <p:cSld>
-    <p:spTree>
-      <p:nvGrpSpPr>
-        <p:cNvPr id="1" name=""/>
-        <p:cNvGrpSpPr/>
-        <p:nvPr/>
-      </p:nvGrpSpPr>
-      <p:grpSpPr>
-        <a:xfrm>
-          <a:off x="0" y="0"/>
-          <a:ext cx="0" cy="0"/>
-          <a:chOff x="0" y="0"/>
-          <a:chExt cx="0" cy="0"/>
-        </a:xfrm>
-      </p:grpSpPr>
-      <p:sp>
-        <p:nvSpPr>
-          <p:cNvPr id="6" name="Content Placeholder 5"/>
-          <p:cNvSpPr>
-            <a:spLocks noGrp="1"/>
-          </p:cNvSpPr>
-          <p:nvPr>
-            <p:ph type="body" idx="1"/>
-          </p:nvPr>
-        </p:nvSpPr>
-        <p:spPr bwMode="auto">
-          <a:noFill/>
-          <a:extLst>
-            <a:ext uri="{909E8E84-426E-40DD-AFC4-6F175D3DCCD1}">
-              <a14:hiddenFill xmlns:a14="http://schemas.microsoft.com/office/drawing/2010/main">
-                <a:solidFill>
-                  <a:srgbClr val="FFFFFF"/>
-                </a:solidFill>
-              </a14:hiddenFill>
-            </a:ext>
-            <a:ext uri="{91240B29-F687-4F45-9708-019B960494DF}">
-              <a14:hiddenLine xmlns:a14="http://schemas.microsoft.com/office/drawing/2010/main" w="9525">
-                <a:solidFill>
-                  <a:srgbClr val="000000"/>
-                </a:solidFill>
-                <a:miter lim="800000"/>
-                <a:headEnd/>
-                <a:tailEnd/>
-              </a14:hiddenLine>
-            </a:ext>
-          </a:extLst>
-        </p:spPr>
-        <p:txBody>
-          <a:bodyPr vert="horz" wrap="square" lIns="68580" tIns="34290" rIns="68580" bIns="34290" numCol="1" anchor="t" anchorCtr="0" compatLnSpc="1">
-            <a:prstTxWarp prst="textNoShape">
-              <a:avLst/>
-            </a:prstTxWarp>
-          </a:bodyPr>
-          <a:lstStyle/>
-          <a:p>
-            <a:pPr marL="76200" indent="0">
-              <a:buNone/>
-            </a:pPr>
-            <a:r>
-              <a:rPr lang="en-US" altLang="en-US" b="0">
-                <a:ea typeface="ＭＳ Ｐゴシック" charset="-128"/>
-              </a:rPr>
-              <a:t>Ram is a bank customer.  </a:t>
-            </a:r>
-            <a:r>
-              <a:rPr lang="en-US" altLang="en-US" b="0">
-                <a:highlight>
-                  <a:srgbClr val="00FF00"/>
-                </a:highlight>
-                <a:ea typeface="ＭＳ Ｐゴシック" charset="-128"/>
-              </a:rPr>
-              <a:t>Ram wants to check his balance, deposit money. </a:t>
-            </a:r>
-            <a:r>
-              <a:rPr lang="en-US" altLang="en-US" b="0">
-                <a:ea typeface="ＭＳ Ｐゴシック" charset="-128"/>
-              </a:rPr>
-              <a:t>He rarely uses cash.  Ram wants a safe and secure interface for interacting with the ATM.  Ram’s job does not involve technical skills and he values a simple user interface.</a:t>
-            </a:r>
-          </a:p>
-          <a:p>
-            <a:endParaRPr lang="en-US" altLang="en-US">
-              <a:ea typeface="ＭＳ Ｐゴシック" charset="-128"/>
-            </a:endParaRPr>
-          </a:p>
-        </p:txBody>
-      </p:sp>
-      <p:sp>
-        <p:nvSpPr>
-          <p:cNvPr id="28673" name="Title 4"/>
-          <p:cNvSpPr>
-            <a:spLocks noGrp="1"/>
-          </p:cNvSpPr>
-          <p:nvPr>
-            <p:ph type="title"/>
-          </p:nvPr>
-        </p:nvSpPr>
-        <p:spPr bwMode="auto">
-          <a:xfrm>
-            <a:off x="447922" y="535259"/>
-            <a:ext cx="8480488" cy="484901"/>
-          </a:xfrm>
-          <a:noFill/>
-          <a:extLst>
-            <a:ext uri="{909E8E84-426E-40DD-AFC4-6F175D3DCCD1}">
-              <a14:hiddenFill xmlns:a14="http://schemas.microsoft.com/office/drawing/2010/main">
-                <a:solidFill>
-                  <a:srgbClr val="FFFFFF"/>
-                </a:solidFill>
-              </a14:hiddenFill>
-            </a:ext>
-            <a:ext uri="{91240B29-F687-4F45-9708-019B960494DF}">
-              <a14:hiddenLine xmlns:a14="http://schemas.microsoft.com/office/drawing/2010/main" w="9525">
-                <a:solidFill>
-                  <a:srgbClr val="000000"/>
-                </a:solidFill>
-                <a:miter lim="800000"/>
-                <a:headEnd/>
-                <a:tailEnd/>
-              </a14:hiddenLine>
-            </a:ext>
-          </a:extLst>
-        </p:spPr>
-        <p:txBody>
-          <a:bodyPr vert="horz" wrap="square" lIns="68580" tIns="34290" rIns="68580" bIns="34290" numCol="1" anchor="t" anchorCtr="0" compatLnSpc="1">
-            <a:prstTxWarp prst="textNoShape">
-              <a:avLst/>
-            </a:prstTxWarp>
-          </a:bodyPr>
-          <a:lstStyle/>
-          <a:p>
-            <a:r>
-              <a:rPr lang="en-US" altLang="en-US">
-                <a:ea typeface="ＭＳ Ｐゴシック" charset="-128"/>
-              </a:rPr>
-              <a:t>How to find use cases?  In the user stories!</a:t>
-            </a:r>
-          </a:p>
-        </p:txBody>
-      </p:sp>
-    </p:spTree>
-    <p:extLst>
-      <p:ext uri="{BB962C8B-B14F-4D97-AF65-F5344CB8AC3E}">
-        <p14:creationId xmlns:p14="http://schemas.microsoft.com/office/powerpoint/2010/main" val="2641606738"/>
-      </p:ext>
-    </p:extLst>
-  </p:cSld>
-  <p:clrMapOvr>
-    <a:masterClrMapping/>
-  </p:clrMapOvr>
-</p:sld>
-</file>
-
-<file path=ppt/slides/slide39.xml><?xml version="1.0" encoding="utf-8"?>
 <p:sld xmlns:a="http://schemas.openxmlformats.org/drawingml/2006/main" xmlns:r="http://schemas.openxmlformats.org/officeDocument/2006/relationships" xmlns:p="http://schemas.openxmlformats.org/presentationml/2006/main">
   <p:cSld>
     <p:spTree>
@@ -12946,245 +12899,7 @@
 </p:sld>
 </file>
 
-<file path=ppt/slides/slide4.xml><?xml version="1.0" encoding="utf-8"?>
-<p:sld xmlns:a="http://schemas.openxmlformats.org/drawingml/2006/main" xmlns:r="http://schemas.openxmlformats.org/officeDocument/2006/relationships" xmlns:p="http://schemas.openxmlformats.org/presentationml/2006/main">
-  <p:cSld>
-    <p:spTree>
-      <p:nvGrpSpPr>
-        <p:cNvPr id="1" name=""/>
-        <p:cNvGrpSpPr/>
-        <p:nvPr/>
-      </p:nvGrpSpPr>
-      <p:grpSpPr>
-        <a:xfrm>
-          <a:off x="0" y="0"/>
-          <a:ext cx="0" cy="0"/>
-          <a:chOff x="0" y="0"/>
-          <a:chExt cx="0" cy="0"/>
-        </a:xfrm>
-      </p:grpSpPr>
-      <p:sp>
-        <p:nvSpPr>
-          <p:cNvPr id="19458" name="Content Placeholder 5"/>
-          <p:cNvSpPr>
-            <a:spLocks noGrp="1"/>
-          </p:cNvSpPr>
-          <p:nvPr>
-            <p:ph type="body" idx="1"/>
-          </p:nvPr>
-        </p:nvSpPr>
-        <p:spPr bwMode="auto">
-          <a:xfrm>
-            <a:off x="447923" y="1305217"/>
-            <a:ext cx="8197114" cy="2942489"/>
-          </a:xfrm>
-          <a:noFill/>
-          <a:extLst>
-            <a:ext uri="{909E8E84-426E-40DD-AFC4-6F175D3DCCD1}">
-              <a14:hiddenFill xmlns:a14="http://schemas.microsoft.com/office/drawing/2010/main">
-                <a:solidFill>
-                  <a:srgbClr val="FFFFFF"/>
-                </a:solidFill>
-              </a14:hiddenFill>
-            </a:ext>
-            <a:ext uri="{91240B29-F687-4F45-9708-019B960494DF}">
-              <a14:hiddenLine xmlns:a14="http://schemas.microsoft.com/office/drawing/2010/main" w="9525">
-                <a:solidFill>
-                  <a:srgbClr val="000000"/>
-                </a:solidFill>
-                <a:miter lim="800000"/>
-                <a:headEnd/>
-                <a:tailEnd/>
-              </a14:hiddenLine>
-            </a:ext>
-          </a:extLst>
-        </p:spPr>
-        <p:txBody>
-          <a:bodyPr vert="horz" wrap="square" lIns="68580" tIns="34290" rIns="68580" bIns="34290" numCol="1" anchor="t" anchorCtr="0" compatLnSpc="1">
-            <a:prstTxWarp prst="textNoShape">
-              <a:avLst/>
-            </a:prstTxWarp>
-          </a:bodyPr>
-          <a:lstStyle/>
-          <a:p>
-            <a:pPr marL="76200" indent="0">
-              <a:buNone/>
-            </a:pPr>
-            <a:endParaRPr lang="en-US" altLang="en-US">
-              <a:ea typeface="ＭＳ Ｐゴシック" charset="-128"/>
-            </a:endParaRPr>
-          </a:p>
-          <a:p>
-            <a:pPr marL="76200" indent="0">
-              <a:buNone/>
-            </a:pPr>
-            <a:endParaRPr lang="en-US" altLang="en-US">
-              <a:ea typeface="ＭＳ Ｐゴシック" charset="-128"/>
-            </a:endParaRPr>
-          </a:p>
-          <a:p>
-            <a:pPr marL="76200" indent="0">
-              <a:buNone/>
-            </a:pPr>
-            <a:r>
-              <a:rPr lang="en-US" altLang="en-US">
-                <a:ea typeface="ＭＳ Ｐゴシック" charset="-128"/>
-              </a:rPr>
-              <a:t>"...specification of a </a:t>
-            </a:r>
-            <a:r>
-              <a:rPr lang="en-US" altLang="en-US">
-                <a:solidFill>
-                  <a:srgbClr val="00B0F0"/>
-                </a:solidFill>
-                <a:ea typeface="ＭＳ Ｐゴシック" charset="-128"/>
-                <a:hlinkClick r:id="rId3" tooltip="Artifact (software development)">
-                  <a:extLst>
-                    <a:ext uri="{A12FA001-AC4F-418D-AE19-62706E023703}">
-                      <ahyp:hlinkClr xmlns:ahyp="http://schemas.microsoft.com/office/drawing/2018/hyperlinkcolor" val="tx"/>
-                    </a:ext>
-                  </a:extLst>
-                </a:hlinkClick>
-              </a:rPr>
-              <a:t>software artifact</a:t>
-            </a:r>
-            <a:r>
-              <a:rPr lang="en-US" altLang="en-US">
-                <a:ea typeface="ＭＳ Ｐゴシック" charset="-128"/>
-              </a:rPr>
-              <a:t>, intended to accomplish </a:t>
-            </a:r>
-            <a:r>
-              <a:rPr lang="en-US" altLang="en-US">
-                <a:solidFill>
-                  <a:srgbClr val="00B0F0"/>
-                </a:solidFill>
-                <a:ea typeface="ＭＳ Ｐゴシック" charset="-128"/>
-                <a:hlinkClick r:id="rId4" tooltip="Goal">
-                  <a:extLst>
-                    <a:ext uri="{A12FA001-AC4F-418D-AE19-62706E023703}">
-                      <ahyp:hlinkClr xmlns:ahyp="http://schemas.microsoft.com/office/drawing/2018/hyperlinkcolor" val="tx"/>
-                    </a:ext>
-                  </a:extLst>
-                </a:hlinkClick>
-              </a:rPr>
-              <a:t>goals</a:t>
-            </a:r>
-            <a:r>
-              <a:rPr lang="en-US" altLang="en-US">
-                <a:ea typeface="ＭＳ Ｐゴシック" charset="-128"/>
-              </a:rPr>
-              <a:t>, using a set of </a:t>
-            </a:r>
-            <a:r>
-              <a:rPr lang="en-US" altLang="en-US" u="sng">
-                <a:solidFill>
-                  <a:srgbClr val="00B0F0"/>
-                </a:solidFill>
-                <a:ea typeface="ＭＳ Ｐゴシック" charset="-128"/>
-              </a:rPr>
-              <a:t>primitive components</a:t>
-            </a:r>
-            <a:r>
-              <a:rPr lang="en-US" altLang="en-US">
-                <a:solidFill>
-                  <a:srgbClr val="00B0F0"/>
-                </a:solidFill>
-                <a:ea typeface="ＭＳ Ｐゴシック" charset="-128"/>
-              </a:rPr>
-              <a:t> </a:t>
-            </a:r>
-            <a:r>
-              <a:rPr lang="en-US" altLang="en-US">
-                <a:ea typeface="ＭＳ Ｐゴシック" charset="-128"/>
-              </a:rPr>
-              <a:t>..." [</a:t>
-            </a:r>
-            <a:r>
-              <a:rPr lang="en-US" altLang="en-US" err="1">
-                <a:ea typeface="ＭＳ Ｐゴシック" charset="-128"/>
-              </a:rPr>
-              <a:t>wikipedia</a:t>
-            </a:r>
-            <a:r>
-              <a:rPr lang="en-US" altLang="en-US">
-                <a:ea typeface="ＭＳ Ｐゴシック" charset="-128"/>
-              </a:rPr>
-              <a:t>]</a:t>
-            </a:r>
-            <a:endParaRPr lang="en-US" altLang="en-US" b="1">
-              <a:ea typeface="ＭＳ Ｐゴシック" charset="-128"/>
-            </a:endParaRPr>
-          </a:p>
-        </p:txBody>
-      </p:sp>
-      <p:sp>
-        <p:nvSpPr>
-          <p:cNvPr id="19457" name="Title 4"/>
-          <p:cNvSpPr>
-            <a:spLocks noGrp="1"/>
-          </p:cNvSpPr>
-          <p:nvPr>
-            <p:ph type="title"/>
-          </p:nvPr>
-        </p:nvSpPr>
-        <p:spPr bwMode="auto">
-          <a:xfrm>
-            <a:off x="447922" y="542260"/>
-            <a:ext cx="8197109" cy="477900"/>
-          </a:xfrm>
-          <a:noFill/>
-          <a:extLst>
-            <a:ext uri="{909E8E84-426E-40DD-AFC4-6F175D3DCCD1}">
-              <a14:hiddenFill xmlns:a14="http://schemas.microsoft.com/office/drawing/2010/main">
-                <a:solidFill>
-                  <a:srgbClr val="FFFFFF"/>
-                </a:solidFill>
-              </a14:hiddenFill>
-            </a:ext>
-            <a:ext uri="{91240B29-F687-4F45-9708-019B960494DF}">
-              <a14:hiddenLine xmlns:a14="http://schemas.microsoft.com/office/drawing/2010/main" w="9525">
-                <a:solidFill>
-                  <a:srgbClr val="000000"/>
-                </a:solidFill>
-                <a:miter lim="800000"/>
-                <a:headEnd/>
-                <a:tailEnd/>
-              </a14:hiddenLine>
-            </a:ext>
-          </a:extLst>
-        </p:spPr>
-        <p:txBody>
-          <a:bodyPr vert="horz" wrap="square" lIns="68580" tIns="34290" rIns="68580" bIns="34290" numCol="1" anchor="t" anchorCtr="0" compatLnSpc="1">
-            <a:prstTxWarp prst="textNoShape">
-              <a:avLst/>
-            </a:prstTxWarp>
-          </a:bodyPr>
-          <a:lstStyle/>
-          <a:p>
-            <a:r>
-              <a:rPr lang="en-US" altLang="en-US">
-                <a:ea typeface="ＭＳ Ｐゴシック" charset="-128"/>
-              </a:rPr>
-              <a:t>Software Design</a:t>
-            </a:r>
-          </a:p>
-        </p:txBody>
-      </p:sp>
-    </p:spTree>
-    <p:extLst>
-      <p:ext uri="{BB962C8B-B14F-4D97-AF65-F5344CB8AC3E}">
-        <p14:creationId xmlns:p14="http://schemas.microsoft.com/office/powerpoint/2010/main" val="2081938175"/>
-      </p:ext>
-    </p:extLst>
-  </p:cSld>
-  <p:clrMapOvr>
-    <a:masterClrMapping/>
-  </p:clrMapOvr>
-</p:sld>
-</file>
-
-<file path=ppt/slides/slide40.xml><?xml version="1.0" encoding="utf-8"?>
+<file path=ppt/slides/slide39.xml><?xml version="1.0" encoding="utf-8"?>
 <p:sld xmlns:a="http://schemas.openxmlformats.org/drawingml/2006/main" xmlns:r="http://schemas.openxmlformats.org/officeDocument/2006/relationships" xmlns:p="http://schemas.openxmlformats.org/presentationml/2006/main">
   <p:cSld>
     <p:spTree>
@@ -13416,7 +13131,259 @@
 </p:sld>
 </file>
 
-<file path=ppt/slides/slide41.xml><?xml version="1.0" encoding="utf-8"?>
+<file path=ppt/slides/slide4.xml><?xml version="1.0" encoding="utf-8"?>
+<p:sld xmlns:a="http://schemas.openxmlformats.org/drawingml/2006/main" xmlns:r="http://schemas.openxmlformats.org/officeDocument/2006/relationships" xmlns:p="http://schemas.openxmlformats.org/presentationml/2006/main">
+  <p:cSld>
+    <p:spTree>
+      <p:nvGrpSpPr>
+        <p:cNvPr id="1" name=""/>
+        <p:cNvGrpSpPr/>
+        <p:nvPr/>
+      </p:nvGrpSpPr>
+      <p:grpSpPr>
+        <a:xfrm>
+          <a:off x="0" y="0"/>
+          <a:ext cx="0" cy="0"/>
+          <a:chOff x="0" y="0"/>
+          <a:chExt cx="0" cy="0"/>
+        </a:xfrm>
+      </p:grpSpPr>
+      <p:sp>
+        <p:nvSpPr>
+          <p:cNvPr id="22529" name="Title 4"/>
+          <p:cNvSpPr>
+            <a:spLocks noGrp="1"/>
+          </p:cNvSpPr>
+          <p:nvPr>
+            <p:ph type="title"/>
+          </p:nvPr>
+        </p:nvSpPr>
+        <p:spPr bwMode="auto">
+          <a:xfrm>
+            <a:off x="1314450" y="1543050"/>
+            <a:ext cx="6172200" cy="800100"/>
+          </a:xfrm>
+          <a:noFill/>
+          <a:extLst>
+            <a:ext uri="{909E8E84-426E-40DD-AFC4-6F175D3DCCD1}">
+              <a14:hiddenFill xmlns:a14="http://schemas.microsoft.com/office/drawing/2010/main">
+                <a:solidFill>
+                  <a:srgbClr val="FFFFFF"/>
+                </a:solidFill>
+              </a14:hiddenFill>
+            </a:ext>
+            <a:ext uri="{91240B29-F687-4F45-9708-019B960494DF}">
+              <a14:hiddenLine xmlns:a14="http://schemas.microsoft.com/office/drawing/2010/main" w="9525">
+                <a:solidFill>
+                  <a:srgbClr val="000000"/>
+                </a:solidFill>
+                <a:miter lim="800000"/>
+                <a:headEnd/>
+                <a:tailEnd/>
+              </a14:hiddenLine>
+            </a:ext>
+          </a:extLst>
+        </p:spPr>
+        <p:txBody>
+          <a:bodyPr vert="horz" wrap="square" lIns="68580" tIns="34290" rIns="68580" bIns="34290" numCol="1" anchor="t" anchorCtr="0" compatLnSpc="1">
+            <a:prstTxWarp prst="textNoShape">
+              <a:avLst/>
+            </a:prstTxWarp>
+          </a:bodyPr>
+          <a:lstStyle/>
+          <a:p>
+            <a:pPr algn="ctr"/>
+            <a:r>
+              <a:rPr lang="en-US" altLang="en-US" sz="7200">
+                <a:latin typeface="Encode Sans Black" panose="020B0604020202020204" charset="0"/>
+                <a:ea typeface="ＭＳ Ｐゴシック" charset="-128"/>
+              </a:rPr>
+              <a:t>Why design?</a:t>
+            </a:r>
+            <a:br>
+              <a:rPr lang="en-US" altLang="en-US" sz="7200">
+                <a:ea typeface="ＭＳ Ｐゴシック" charset="-128"/>
+              </a:rPr>
+            </a:br>
+            <a:br>
+              <a:rPr lang="en-US" altLang="en-US" sz="1800">
+                <a:ea typeface="ＭＳ Ｐゴシック" charset="-128"/>
+              </a:rPr>
+            </a:br>
+            <a:r>
+              <a:rPr lang="en-US" altLang="en-US" sz="1800" b="0">
+                <a:ea typeface="ＭＳ Ｐゴシック" charset="-128"/>
+              </a:rPr>
+              <a:t>“I have an idea and I’m ready to code now!”</a:t>
+            </a:r>
+          </a:p>
+        </p:txBody>
+      </p:sp>
+      <p:sp>
+        <p:nvSpPr>
+          <p:cNvPr id="22530" name="Footer Placeholder 3"/>
+          <p:cNvSpPr>
+            <a:spLocks noGrp="1"/>
+          </p:cNvSpPr>
+          <p:nvPr>
+            <p:ph type="ftr" sz="quarter" idx="10"/>
+          </p:nvPr>
+        </p:nvSpPr>
+        <p:spPr bwMode="auto">
+          <a:noFill/>
+          <a:extLst>
+            <a:ext uri="{909E8E84-426E-40DD-AFC4-6F175D3DCCD1}">
+              <a14:hiddenFill xmlns:a14="http://schemas.microsoft.com/office/drawing/2010/main">
+                <a:solidFill>
+                  <a:srgbClr val="FFFFFF"/>
+                </a:solidFill>
+              </a14:hiddenFill>
+            </a:ext>
+            <a:ext uri="{91240B29-F687-4F45-9708-019B960494DF}">
+              <a14:hiddenLine xmlns:a14="http://schemas.microsoft.com/office/drawing/2010/main" w="9525">
+                <a:solidFill>
+                  <a:srgbClr val="000000"/>
+                </a:solidFill>
+                <a:miter lim="800000"/>
+                <a:headEnd/>
+                <a:tailEnd/>
+              </a14:hiddenLine>
+            </a:ext>
+          </a:extLst>
+        </p:spPr>
+        <p:txBody>
+          <a:bodyPr/>
+          <a:lstStyle>
+            <a:lvl1pPr>
+              <a:defRPr>
+                <a:solidFill>
+                  <a:schemeClr val="tx1"/>
+                </a:solidFill>
+                <a:latin typeface="Arial" charset="0"/>
+                <a:ea typeface="ＭＳ Ｐゴシック" charset="-128"/>
+              </a:defRPr>
+            </a:lvl1pPr>
+            <a:lvl2pPr marL="557213" indent="-214313">
+              <a:defRPr>
+                <a:solidFill>
+                  <a:schemeClr val="tx1"/>
+                </a:solidFill>
+                <a:latin typeface="Arial" charset="0"/>
+                <a:ea typeface="ＭＳ Ｐゴシック" charset="-128"/>
+              </a:defRPr>
+            </a:lvl2pPr>
+            <a:lvl3pPr marL="857250" indent="-171450">
+              <a:defRPr>
+                <a:solidFill>
+                  <a:schemeClr val="tx1"/>
+                </a:solidFill>
+                <a:latin typeface="Arial" charset="0"/>
+                <a:ea typeface="ＭＳ Ｐゴシック" charset="-128"/>
+              </a:defRPr>
+            </a:lvl3pPr>
+            <a:lvl4pPr marL="1200150" indent="-171450">
+              <a:defRPr>
+                <a:solidFill>
+                  <a:schemeClr val="tx1"/>
+                </a:solidFill>
+                <a:latin typeface="Arial" charset="0"/>
+                <a:ea typeface="ＭＳ Ｐゴシック" charset="-128"/>
+              </a:defRPr>
+            </a:lvl4pPr>
+            <a:lvl5pPr marL="1543050" indent="-171450">
+              <a:defRPr>
+                <a:solidFill>
+                  <a:schemeClr val="tx1"/>
+                </a:solidFill>
+                <a:latin typeface="Arial" charset="0"/>
+                <a:ea typeface="ＭＳ Ｐゴシック" charset="-128"/>
+              </a:defRPr>
+            </a:lvl5pPr>
+            <a:lvl6pPr marL="1885950" indent="-171450" defTabSz="342900" eaLnBrk="0" fontAlgn="base" hangingPunct="0">
+              <a:spcBef>
+                <a:spcPct val="0"/>
+              </a:spcBef>
+              <a:spcAft>
+                <a:spcPct val="0"/>
+              </a:spcAft>
+              <a:defRPr>
+                <a:solidFill>
+                  <a:schemeClr val="tx1"/>
+                </a:solidFill>
+                <a:latin typeface="Arial" charset="0"/>
+                <a:ea typeface="ＭＳ Ｐゴシック" charset="-128"/>
+              </a:defRPr>
+            </a:lvl6pPr>
+            <a:lvl7pPr marL="2228850" indent="-171450" defTabSz="342900" eaLnBrk="0" fontAlgn="base" hangingPunct="0">
+              <a:spcBef>
+                <a:spcPct val="0"/>
+              </a:spcBef>
+              <a:spcAft>
+                <a:spcPct val="0"/>
+              </a:spcAft>
+              <a:defRPr>
+                <a:solidFill>
+                  <a:schemeClr val="tx1"/>
+                </a:solidFill>
+                <a:latin typeface="Arial" charset="0"/>
+                <a:ea typeface="ＭＳ Ｐゴシック" charset="-128"/>
+              </a:defRPr>
+            </a:lvl7pPr>
+            <a:lvl8pPr marL="2571750" indent="-171450" defTabSz="342900" eaLnBrk="0" fontAlgn="base" hangingPunct="0">
+              <a:spcBef>
+                <a:spcPct val="0"/>
+              </a:spcBef>
+              <a:spcAft>
+                <a:spcPct val="0"/>
+              </a:spcAft>
+              <a:defRPr>
+                <a:solidFill>
+                  <a:schemeClr val="tx1"/>
+                </a:solidFill>
+                <a:latin typeface="Arial" charset="0"/>
+                <a:ea typeface="ＭＳ Ｐゴシック" charset="-128"/>
+              </a:defRPr>
+            </a:lvl8pPr>
+            <a:lvl9pPr marL="2914650" indent="-171450" defTabSz="342900" eaLnBrk="0" fontAlgn="base" hangingPunct="0">
+              <a:spcBef>
+                <a:spcPct val="0"/>
+              </a:spcBef>
+              <a:spcAft>
+                <a:spcPct val="0"/>
+              </a:spcAft>
+              <a:defRPr>
+                <a:solidFill>
+                  <a:schemeClr val="tx1"/>
+                </a:solidFill>
+                <a:latin typeface="Arial" charset="0"/>
+                <a:ea typeface="ＭＳ Ｐゴシック" charset="-128"/>
+              </a:defRPr>
+            </a:lvl9pPr>
+          </a:lstStyle>
+          <a:p>
+            <a:endParaRPr lang="en-US" altLang="en-US">
+              <a:solidFill>
+                <a:srgbClr val="898989"/>
+              </a:solidFill>
+              <a:latin typeface="Calibri" charset="0"/>
+            </a:endParaRPr>
+          </a:p>
+        </p:txBody>
+      </p:sp>
+    </p:spTree>
+    <p:extLst>
+      <p:ext uri="{BB962C8B-B14F-4D97-AF65-F5344CB8AC3E}">
+        <p14:creationId xmlns:p14="http://schemas.microsoft.com/office/powerpoint/2010/main" val="3933808330"/>
+      </p:ext>
+    </p:extLst>
+  </p:cSld>
+  <p:clrMapOvr>
+    <a:masterClrMapping/>
+  </p:clrMapOvr>
+</p:sld>
+</file>
+
+<file path=ppt/slides/slide40.xml><?xml version="1.0" encoding="utf-8"?>
 <p:sld xmlns:a="http://schemas.openxmlformats.org/drawingml/2006/main" xmlns:r="http://schemas.openxmlformats.org/officeDocument/2006/relationships" xmlns:p="http://schemas.openxmlformats.org/presentationml/2006/main">
   <p:cSld>
     <p:spTree>
@@ -14171,7 +14138,7 @@
 </p:sld>
 </file>
 
-<file path=ppt/slides/slide42.xml><?xml version="1.0" encoding="utf-8"?>
+<file path=ppt/slides/slide41.xml><?xml version="1.0" encoding="utf-8"?>
 <p:sld xmlns:a="http://schemas.openxmlformats.org/drawingml/2006/main" xmlns:r="http://schemas.openxmlformats.org/officeDocument/2006/relationships" xmlns:p="http://schemas.openxmlformats.org/presentationml/2006/main">
   <p:cSld>
     <p:spTree>
@@ -14357,7 +14324,7 @@
 </p:sld>
 </file>
 
-<file path=ppt/slides/slide43.xml><?xml version="1.0" encoding="utf-8"?>
+<file path=ppt/slides/slide42.xml><?xml version="1.0" encoding="utf-8"?>
 <p:sld xmlns:a="http://schemas.openxmlformats.org/drawingml/2006/main" xmlns:r="http://schemas.openxmlformats.org/officeDocument/2006/relationships" xmlns:p="http://schemas.openxmlformats.org/presentationml/2006/main">
   <p:cSld>
     <p:spTree>
@@ -14724,6 +14691,192 @@
 </p:sld>
 </file>
 
+<file path=ppt/slides/slide43.xml><?xml version="1.0" encoding="utf-8"?>
+<p:sld xmlns:a="http://schemas.openxmlformats.org/drawingml/2006/main" xmlns:r="http://schemas.openxmlformats.org/officeDocument/2006/relationships" xmlns:p="http://schemas.openxmlformats.org/presentationml/2006/main">
+  <p:cSld>
+    <p:spTree>
+      <p:nvGrpSpPr>
+        <p:cNvPr id="1" name=""/>
+        <p:cNvGrpSpPr/>
+        <p:nvPr/>
+      </p:nvGrpSpPr>
+      <p:grpSpPr>
+        <a:xfrm>
+          <a:off x="0" y="0"/>
+          <a:ext cx="0" cy="0"/>
+          <a:chOff x="0" y="0"/>
+          <a:chExt cx="0" cy="0"/>
+        </a:xfrm>
+      </p:grpSpPr>
+      <p:sp>
+        <p:nvSpPr>
+          <p:cNvPr id="29698" name="Content Placeholder 4"/>
+          <p:cNvSpPr>
+            <a:spLocks noGrp="1"/>
+          </p:cNvSpPr>
+          <p:nvPr>
+            <p:ph type="body" idx="1"/>
+          </p:nvPr>
+        </p:nvSpPr>
+        <p:spPr bwMode="auto">
+          <a:noFill/>
+          <a:extLst>
+            <a:ext uri="{909E8E84-426E-40DD-AFC4-6F175D3DCCD1}">
+              <a14:hiddenFill xmlns:a14="http://schemas.microsoft.com/office/drawing/2010/main">
+                <a:solidFill>
+                  <a:srgbClr val="FFFFFF"/>
+                </a:solidFill>
+              </a14:hiddenFill>
+            </a:ext>
+            <a:ext uri="{91240B29-F687-4F45-9708-019B960494DF}">
+              <a14:hiddenLine xmlns:a14="http://schemas.microsoft.com/office/drawing/2010/main" w="9525">
+                <a:solidFill>
+                  <a:srgbClr val="000000"/>
+                </a:solidFill>
+                <a:miter lim="800000"/>
+                <a:headEnd/>
+                <a:tailEnd/>
+              </a14:hiddenLine>
+            </a:ext>
+          </a:extLst>
+        </p:spPr>
+        <p:txBody>
+          <a:bodyPr vert="horz" wrap="square" lIns="68580" tIns="34290" rIns="68580" bIns="34290" numCol="1" anchor="t" anchorCtr="0" compatLnSpc="1">
+            <a:prstTxWarp prst="textNoShape">
+              <a:avLst/>
+            </a:prstTxWarp>
+          </a:bodyPr>
+          <a:lstStyle/>
+          <a:p>
+            <a:r>
+              <a:rPr lang="en-US" altLang="en-US" b="0">
+                <a:ea typeface="ＭＳ Ｐゴシック" charset="-128"/>
+              </a:rPr>
+              <a:t>What are the inputs and what are the outputs?</a:t>
+            </a:r>
+          </a:p>
+          <a:p>
+            <a:endParaRPr lang="en-US" altLang="en-US" b="0">
+              <a:ea typeface="ＭＳ Ｐゴシック" charset="-128"/>
+            </a:endParaRPr>
+          </a:p>
+          <a:p>
+            <a:r>
+              <a:rPr lang="en-US" altLang="en-US">
+                <a:ea typeface="ＭＳ Ｐゴシック" charset="-128"/>
+              </a:rPr>
+              <a:t>Check balance</a:t>
+            </a:r>
+          </a:p>
+          <a:p>
+            <a:pPr lvl="1"/>
+            <a:r>
+              <a:rPr lang="en-US" altLang="en-US">
+                <a:ea typeface="ＭＳ Ｐゴシック" charset="-128"/>
+              </a:rPr>
+              <a:t>Take a minute to think about this use case</a:t>
+            </a:r>
+          </a:p>
+          <a:p>
+            <a:pPr lvl="1"/>
+            <a:r>
+              <a:rPr lang="en-US" altLang="en-US" b="0">
+                <a:ea typeface="ＭＳ Ｐゴシック" charset="-128"/>
+              </a:rPr>
+              <a:t>What are the input(s)?</a:t>
+            </a:r>
+          </a:p>
+          <a:p>
+            <a:pPr lvl="1"/>
+            <a:r>
+              <a:rPr lang="en-US" altLang="en-US" b="0">
+                <a:ea typeface="ＭＳ Ｐゴシック" charset="-128"/>
+              </a:rPr>
+              <a:t>What are the output(s)?</a:t>
+            </a:r>
+          </a:p>
+          <a:p>
+            <a:pPr lvl="1"/>
+            <a:r>
+              <a:rPr lang="en-US" altLang="en-US" b="0">
+                <a:solidFill>
+                  <a:schemeClr val="tx2">
+                    <a:lumMod val="50000"/>
+                  </a:schemeClr>
+                </a:solidFill>
+                <a:ea typeface="ＭＳ Ｐゴシック" charset="-128"/>
+              </a:rPr>
+              <a:t>How does the use case transform input to output?</a:t>
+            </a:r>
+          </a:p>
+        </p:txBody>
+      </p:sp>
+      <p:sp>
+        <p:nvSpPr>
+          <p:cNvPr id="29697" name="Title 1"/>
+          <p:cNvSpPr>
+            <a:spLocks noGrp="1"/>
+          </p:cNvSpPr>
+          <p:nvPr>
+            <p:ph type="title"/>
+          </p:nvPr>
+        </p:nvSpPr>
+        <p:spPr bwMode="auto">
+          <a:xfrm>
+            <a:off x="447922" y="542693"/>
+            <a:ext cx="8197109" cy="477467"/>
+          </a:xfrm>
+          <a:noFill/>
+          <a:extLst>
+            <a:ext uri="{909E8E84-426E-40DD-AFC4-6F175D3DCCD1}">
+              <a14:hiddenFill xmlns:a14="http://schemas.microsoft.com/office/drawing/2010/main">
+                <a:solidFill>
+                  <a:srgbClr val="FFFFFF"/>
+                </a:solidFill>
+              </a14:hiddenFill>
+            </a:ext>
+            <a:ext uri="{91240B29-F687-4F45-9708-019B960494DF}">
+              <a14:hiddenLine xmlns:a14="http://schemas.microsoft.com/office/drawing/2010/main" w="9525">
+                <a:solidFill>
+                  <a:srgbClr val="000000"/>
+                </a:solidFill>
+                <a:miter lim="800000"/>
+                <a:headEnd/>
+                <a:tailEnd/>
+              </a14:hiddenLine>
+            </a:ext>
+          </a:extLst>
+        </p:spPr>
+        <p:txBody>
+          <a:bodyPr vert="horz" wrap="square" lIns="68580" tIns="34290" rIns="68580" bIns="34290" numCol="1" anchor="t" anchorCtr="0" compatLnSpc="1">
+            <a:prstTxWarp prst="textNoShape">
+              <a:avLst/>
+            </a:prstTxWarp>
+          </a:bodyPr>
+          <a:lstStyle/>
+          <a:p>
+            <a:r>
+              <a:rPr lang="en-US" altLang="en-US">
+                <a:ea typeface="ＭＳ Ｐゴシック" charset="-128"/>
+              </a:rPr>
+              <a:t>Describing a Use Case (Check Balance)</a:t>
+            </a:r>
+          </a:p>
+        </p:txBody>
+      </p:sp>
+    </p:spTree>
+    <p:extLst>
+      <p:ext uri="{BB962C8B-B14F-4D97-AF65-F5344CB8AC3E}">
+        <p14:creationId xmlns:p14="http://schemas.microsoft.com/office/powerpoint/2010/main" val="4127500379"/>
+      </p:ext>
+    </p:extLst>
+  </p:cSld>
+  <p:clrMapOvr>
+    <a:masterClrMapping/>
+  </p:clrMapOvr>
+</p:sld>
+</file>
+
 <file path=ppt/slides/slide44.xml><?xml version="1.0" encoding="utf-8"?>
 <p:sld xmlns:a="http://schemas.openxmlformats.org/drawingml/2006/main" xmlns:r="http://schemas.openxmlformats.org/officeDocument/2006/relationships" xmlns:p="http://schemas.openxmlformats.org/presentationml/2006/main">
   <p:cSld>
@@ -14807,25 +14960,28 @@
               <a:rPr lang="en-US" altLang="en-US">
                 <a:ea typeface="ＭＳ Ｐゴシック" charset="-128"/>
               </a:rPr>
-              <a:t>Take a minute to think about this use case</a:t>
+              <a:t>Input: </a:t>
+            </a:r>
+            <a:r>
+              <a:rPr lang="en-US" altLang="en-US" b="0">
+                <a:ea typeface="ＭＳ Ｐゴシック" charset="-128"/>
+              </a:rPr>
+              <a:t>User selects an account</a:t>
             </a:r>
           </a:p>
           <a:p>
             <a:pPr lvl="1"/>
             <a:r>
+              <a:rPr lang="en-US" altLang="en-US">
+                <a:ea typeface="ＭＳ Ｐゴシック" charset="-128"/>
+              </a:rPr>
+              <a:t>Output: </a:t>
+            </a:r>
+            <a:r>
               <a:rPr lang="en-US" altLang="en-US" b="0">
                 <a:ea typeface="ＭＳ Ｐゴシック" charset="-128"/>
               </a:rPr>
-              <a:t>What are the input(s)?</a:t>
-            </a:r>
-          </a:p>
-          <a:p>
-            <a:pPr lvl="1"/>
-            <a:r>
-              <a:rPr lang="en-US" altLang="en-US" b="0">
-                <a:ea typeface="ＭＳ Ｐゴシック" charset="-128"/>
-              </a:rPr>
-              <a:t>What are the output(s)?</a:t>
+              <a:t>ATM displays the current account balance</a:t>
             </a:r>
           </a:p>
           <a:p>
@@ -14839,8 +14995,14 @@
                 </a:solidFill>
                 <a:ea typeface="ＭＳ Ｐゴシック" charset="-128"/>
               </a:rPr>
-              <a:t>How does the use case transform input to output?</a:t>
-            </a:r>
+              <a:t>The account information is looked up in the account database and the current balance is retrieved.</a:t>
+            </a:r>
+          </a:p>
+          <a:p>
+            <a:pPr lvl="1"/>
+            <a:endParaRPr lang="en-US" altLang="en-US" b="0">
+              <a:ea typeface="ＭＳ Ｐゴシック" charset="-128"/>
+            </a:endParaRPr>
           </a:p>
         </p:txBody>
       </p:sp>
@@ -14900,7 +15062,7 @@
     </p:spTree>
     <p:extLst>
       <p:ext uri="{BB962C8B-B14F-4D97-AF65-F5344CB8AC3E}">
-        <p14:creationId xmlns:p14="http://schemas.microsoft.com/office/powerpoint/2010/main" val="4127500379"/>
+        <p14:creationId xmlns:p14="http://schemas.microsoft.com/office/powerpoint/2010/main" val="4115381371"/>
       </p:ext>
     </p:extLst>
   </p:cSld>
@@ -14911,201 +15073,6 @@
 </file>
 
 <file path=ppt/slides/slide45.xml><?xml version="1.0" encoding="utf-8"?>
-<p:sld xmlns:a="http://schemas.openxmlformats.org/drawingml/2006/main" xmlns:r="http://schemas.openxmlformats.org/officeDocument/2006/relationships" xmlns:p="http://schemas.openxmlformats.org/presentationml/2006/main">
-  <p:cSld>
-    <p:spTree>
-      <p:nvGrpSpPr>
-        <p:cNvPr id="1" name=""/>
-        <p:cNvGrpSpPr/>
-        <p:nvPr/>
-      </p:nvGrpSpPr>
-      <p:grpSpPr>
-        <a:xfrm>
-          <a:off x="0" y="0"/>
-          <a:ext cx="0" cy="0"/>
-          <a:chOff x="0" y="0"/>
-          <a:chExt cx="0" cy="0"/>
-        </a:xfrm>
-      </p:grpSpPr>
-      <p:sp>
-        <p:nvSpPr>
-          <p:cNvPr id="29698" name="Content Placeholder 4"/>
-          <p:cNvSpPr>
-            <a:spLocks noGrp="1"/>
-          </p:cNvSpPr>
-          <p:nvPr>
-            <p:ph type="body" idx="1"/>
-          </p:nvPr>
-        </p:nvSpPr>
-        <p:spPr bwMode="auto">
-          <a:noFill/>
-          <a:extLst>
-            <a:ext uri="{909E8E84-426E-40DD-AFC4-6F175D3DCCD1}">
-              <a14:hiddenFill xmlns:a14="http://schemas.microsoft.com/office/drawing/2010/main">
-                <a:solidFill>
-                  <a:srgbClr val="FFFFFF"/>
-                </a:solidFill>
-              </a14:hiddenFill>
-            </a:ext>
-            <a:ext uri="{91240B29-F687-4F45-9708-019B960494DF}">
-              <a14:hiddenLine xmlns:a14="http://schemas.microsoft.com/office/drawing/2010/main" w="9525">
-                <a:solidFill>
-                  <a:srgbClr val="000000"/>
-                </a:solidFill>
-                <a:miter lim="800000"/>
-                <a:headEnd/>
-                <a:tailEnd/>
-              </a14:hiddenLine>
-            </a:ext>
-          </a:extLst>
-        </p:spPr>
-        <p:txBody>
-          <a:bodyPr vert="horz" wrap="square" lIns="68580" tIns="34290" rIns="68580" bIns="34290" numCol="1" anchor="t" anchorCtr="0" compatLnSpc="1">
-            <a:prstTxWarp prst="textNoShape">
-              <a:avLst/>
-            </a:prstTxWarp>
-          </a:bodyPr>
-          <a:lstStyle/>
-          <a:p>
-            <a:r>
-              <a:rPr lang="en-US" altLang="en-US" b="0">
-                <a:ea typeface="ＭＳ Ｐゴシック" charset="-128"/>
-              </a:rPr>
-              <a:t>What are the inputs and what are the outputs?</a:t>
-            </a:r>
-          </a:p>
-          <a:p>
-            <a:endParaRPr lang="en-US" altLang="en-US" b="0">
-              <a:ea typeface="ＭＳ Ｐゴシック" charset="-128"/>
-            </a:endParaRPr>
-          </a:p>
-          <a:p>
-            <a:r>
-              <a:rPr lang="en-US" altLang="en-US">
-                <a:ea typeface="ＭＳ Ｐゴシック" charset="-128"/>
-              </a:rPr>
-              <a:t>Check balance</a:t>
-            </a:r>
-          </a:p>
-          <a:p>
-            <a:pPr lvl="1"/>
-            <a:r>
-              <a:rPr lang="en-US" altLang="en-US">
-                <a:ea typeface="ＭＳ Ｐゴシック" charset="-128"/>
-              </a:rPr>
-              <a:t>Input: </a:t>
-            </a:r>
-            <a:r>
-              <a:rPr lang="en-US" altLang="en-US" b="0">
-                <a:ea typeface="ＭＳ Ｐゴシック" charset="-128"/>
-              </a:rPr>
-              <a:t>User selects an account</a:t>
-            </a:r>
-          </a:p>
-          <a:p>
-            <a:pPr lvl="1"/>
-            <a:r>
-              <a:rPr lang="en-US" altLang="en-US">
-                <a:ea typeface="ＭＳ Ｐゴシック" charset="-128"/>
-              </a:rPr>
-              <a:t>Output: </a:t>
-            </a:r>
-            <a:r>
-              <a:rPr lang="en-US" altLang="en-US" b="0">
-                <a:ea typeface="ＭＳ Ｐゴシック" charset="-128"/>
-              </a:rPr>
-              <a:t>ATM displays the current account balance</a:t>
-            </a:r>
-          </a:p>
-          <a:p>
-            <a:pPr lvl="1"/>
-            <a:r>
-              <a:rPr lang="en-US" altLang="en-US" b="0">
-                <a:solidFill>
-                  <a:schemeClr val="tx2">
-                    <a:lumMod val="50000"/>
-                  </a:schemeClr>
-                </a:solidFill>
-                <a:ea typeface="ＭＳ Ｐゴシック" charset="-128"/>
-              </a:rPr>
-              <a:t>The account information is looked up in the account database and the current balance is retrieved.</a:t>
-            </a:r>
-          </a:p>
-          <a:p>
-            <a:pPr lvl="1"/>
-            <a:endParaRPr lang="en-US" altLang="en-US" b="0">
-              <a:ea typeface="ＭＳ Ｐゴシック" charset="-128"/>
-            </a:endParaRPr>
-          </a:p>
-        </p:txBody>
-      </p:sp>
-      <p:sp>
-        <p:nvSpPr>
-          <p:cNvPr id="29697" name="Title 1"/>
-          <p:cNvSpPr>
-            <a:spLocks noGrp="1"/>
-          </p:cNvSpPr>
-          <p:nvPr>
-            <p:ph type="title"/>
-          </p:nvPr>
-        </p:nvSpPr>
-        <p:spPr bwMode="auto">
-          <a:xfrm>
-            <a:off x="447922" y="542693"/>
-            <a:ext cx="8197109" cy="477467"/>
-          </a:xfrm>
-          <a:noFill/>
-          <a:extLst>
-            <a:ext uri="{909E8E84-426E-40DD-AFC4-6F175D3DCCD1}">
-              <a14:hiddenFill xmlns:a14="http://schemas.microsoft.com/office/drawing/2010/main">
-                <a:solidFill>
-                  <a:srgbClr val="FFFFFF"/>
-                </a:solidFill>
-              </a14:hiddenFill>
-            </a:ext>
-            <a:ext uri="{91240B29-F687-4F45-9708-019B960494DF}">
-              <a14:hiddenLine xmlns:a14="http://schemas.microsoft.com/office/drawing/2010/main" w="9525">
-                <a:solidFill>
-                  <a:srgbClr val="000000"/>
-                </a:solidFill>
-                <a:miter lim="800000"/>
-                <a:headEnd/>
-                <a:tailEnd/>
-              </a14:hiddenLine>
-            </a:ext>
-          </a:extLst>
-        </p:spPr>
-        <p:txBody>
-          <a:bodyPr vert="horz" wrap="square" lIns="68580" tIns="34290" rIns="68580" bIns="34290" numCol="1" anchor="t" anchorCtr="0" compatLnSpc="1">
-            <a:prstTxWarp prst="textNoShape">
-              <a:avLst/>
-            </a:prstTxWarp>
-          </a:bodyPr>
-          <a:lstStyle/>
-          <a:p>
-            <a:r>
-              <a:rPr lang="en-US" altLang="en-US">
-                <a:ea typeface="ＭＳ Ｐゴシック" charset="-128"/>
-              </a:rPr>
-              <a:t>Describing a Use Case (Check Balance)</a:t>
-            </a:r>
-          </a:p>
-        </p:txBody>
-      </p:sp>
-    </p:spTree>
-    <p:extLst>
-      <p:ext uri="{BB962C8B-B14F-4D97-AF65-F5344CB8AC3E}">
-        <p14:creationId xmlns:p14="http://schemas.microsoft.com/office/powerpoint/2010/main" val="4115381371"/>
-      </p:ext>
-    </p:extLst>
-  </p:cSld>
-  <p:clrMapOvr>
-    <a:masterClrMapping/>
-  </p:clrMapOvr>
-</p:sld>
-</file>
-
-<file path=ppt/slides/slide46.xml><?xml version="1.0" encoding="utf-8"?>
 <p:sld xmlns:a="http://schemas.openxmlformats.org/drawingml/2006/main" xmlns:r="http://schemas.openxmlformats.org/officeDocument/2006/relationships" xmlns:p="http://schemas.openxmlformats.org/presentationml/2006/main">
   <p:cSld>
     <p:spTree>
@@ -15426,7 +15393,7 @@
 </p:sld>
 </file>
 
-<file path=ppt/slides/slide47.xml><?xml version="1.0" encoding="utf-8"?>
+<file path=ppt/slides/slide46.xml><?xml version="1.0" encoding="utf-8"?>
 <p:sld xmlns:a="http://schemas.openxmlformats.org/drawingml/2006/main" xmlns:r="http://schemas.openxmlformats.org/officeDocument/2006/relationships" xmlns:p="http://schemas.openxmlformats.org/presentationml/2006/main">
   <p:cSld>
     <p:spTree>
@@ -15773,7 +15740,7 @@
 </p:sld>
 </file>
 
-<file path=ppt/slides/slide48.xml><?xml version="1.0" encoding="utf-8"?>
+<file path=ppt/slides/slide47.xml><?xml version="1.0" encoding="utf-8"?>
 <p:sld xmlns:a="http://schemas.openxmlformats.org/drawingml/2006/main" xmlns:r="http://schemas.openxmlformats.org/officeDocument/2006/relationships" xmlns:p="http://schemas.openxmlformats.org/presentationml/2006/main">
   <p:cSld>
     <p:spTree>
@@ -16509,7 +16476,7 @@
 </p:sld>
 </file>
 
-<file path=ppt/slides/slide49.xml><?xml version="1.0" encoding="utf-8"?>
+<file path=ppt/slides/slide48.xml><?xml version="1.0" encoding="utf-8"?>
 <p:sld xmlns:a="http://schemas.openxmlformats.org/drawingml/2006/main" xmlns:r="http://schemas.openxmlformats.org/officeDocument/2006/relationships" xmlns:p="http://schemas.openxmlformats.org/presentationml/2006/main">
   <p:cSld>
     <p:spTree>
@@ -16739,259 +16706,7 @@
 </p:sld>
 </file>
 
-<file path=ppt/slides/slide5.xml><?xml version="1.0" encoding="utf-8"?>
-<p:sld xmlns:a="http://schemas.openxmlformats.org/drawingml/2006/main" xmlns:r="http://schemas.openxmlformats.org/officeDocument/2006/relationships" xmlns:p="http://schemas.openxmlformats.org/presentationml/2006/main">
-  <p:cSld>
-    <p:spTree>
-      <p:nvGrpSpPr>
-        <p:cNvPr id="1" name=""/>
-        <p:cNvGrpSpPr/>
-        <p:nvPr/>
-      </p:nvGrpSpPr>
-      <p:grpSpPr>
-        <a:xfrm>
-          <a:off x="0" y="0"/>
-          <a:ext cx="0" cy="0"/>
-          <a:chOff x="0" y="0"/>
-          <a:chExt cx="0" cy="0"/>
-        </a:xfrm>
-      </p:grpSpPr>
-      <p:sp>
-        <p:nvSpPr>
-          <p:cNvPr id="22529" name="Title 4"/>
-          <p:cNvSpPr>
-            <a:spLocks noGrp="1"/>
-          </p:cNvSpPr>
-          <p:nvPr>
-            <p:ph type="title"/>
-          </p:nvPr>
-        </p:nvSpPr>
-        <p:spPr bwMode="auto">
-          <a:xfrm>
-            <a:off x="1314450" y="1543050"/>
-            <a:ext cx="6172200" cy="800100"/>
-          </a:xfrm>
-          <a:noFill/>
-          <a:extLst>
-            <a:ext uri="{909E8E84-426E-40DD-AFC4-6F175D3DCCD1}">
-              <a14:hiddenFill xmlns:a14="http://schemas.microsoft.com/office/drawing/2010/main">
-                <a:solidFill>
-                  <a:srgbClr val="FFFFFF"/>
-                </a:solidFill>
-              </a14:hiddenFill>
-            </a:ext>
-            <a:ext uri="{91240B29-F687-4F45-9708-019B960494DF}">
-              <a14:hiddenLine xmlns:a14="http://schemas.microsoft.com/office/drawing/2010/main" w="9525">
-                <a:solidFill>
-                  <a:srgbClr val="000000"/>
-                </a:solidFill>
-                <a:miter lim="800000"/>
-                <a:headEnd/>
-                <a:tailEnd/>
-              </a14:hiddenLine>
-            </a:ext>
-          </a:extLst>
-        </p:spPr>
-        <p:txBody>
-          <a:bodyPr vert="horz" wrap="square" lIns="68580" tIns="34290" rIns="68580" bIns="34290" numCol="1" anchor="t" anchorCtr="0" compatLnSpc="1">
-            <a:prstTxWarp prst="textNoShape">
-              <a:avLst/>
-            </a:prstTxWarp>
-          </a:bodyPr>
-          <a:lstStyle/>
-          <a:p>
-            <a:pPr algn="ctr"/>
-            <a:r>
-              <a:rPr lang="en-US" altLang="en-US" sz="7200">
-                <a:latin typeface="Encode Sans Black" panose="020B0604020202020204" charset="0"/>
-                <a:ea typeface="ＭＳ Ｐゴシック" charset="-128"/>
-              </a:rPr>
-              <a:t>Why design?</a:t>
-            </a:r>
-            <a:br>
-              <a:rPr lang="en-US" altLang="en-US" sz="7200">
-                <a:ea typeface="ＭＳ Ｐゴシック" charset="-128"/>
-              </a:rPr>
-            </a:br>
-            <a:br>
-              <a:rPr lang="en-US" altLang="en-US" sz="1800">
-                <a:ea typeface="ＭＳ Ｐゴシック" charset="-128"/>
-              </a:rPr>
-            </a:br>
-            <a:r>
-              <a:rPr lang="en-US" altLang="en-US" sz="1800" b="0">
-                <a:ea typeface="ＭＳ Ｐゴシック" charset="-128"/>
-              </a:rPr>
-              <a:t>“I have an idea and I’m ready to code now!”</a:t>
-            </a:r>
-          </a:p>
-        </p:txBody>
-      </p:sp>
-      <p:sp>
-        <p:nvSpPr>
-          <p:cNvPr id="22530" name="Footer Placeholder 3"/>
-          <p:cNvSpPr>
-            <a:spLocks noGrp="1"/>
-          </p:cNvSpPr>
-          <p:nvPr>
-            <p:ph type="ftr" sz="quarter" idx="10"/>
-          </p:nvPr>
-        </p:nvSpPr>
-        <p:spPr bwMode="auto">
-          <a:noFill/>
-          <a:extLst>
-            <a:ext uri="{909E8E84-426E-40DD-AFC4-6F175D3DCCD1}">
-              <a14:hiddenFill xmlns:a14="http://schemas.microsoft.com/office/drawing/2010/main">
-                <a:solidFill>
-                  <a:srgbClr val="FFFFFF"/>
-                </a:solidFill>
-              </a14:hiddenFill>
-            </a:ext>
-            <a:ext uri="{91240B29-F687-4F45-9708-019B960494DF}">
-              <a14:hiddenLine xmlns:a14="http://schemas.microsoft.com/office/drawing/2010/main" w="9525">
-                <a:solidFill>
-                  <a:srgbClr val="000000"/>
-                </a:solidFill>
-                <a:miter lim="800000"/>
-                <a:headEnd/>
-                <a:tailEnd/>
-              </a14:hiddenLine>
-            </a:ext>
-          </a:extLst>
-        </p:spPr>
-        <p:txBody>
-          <a:bodyPr/>
-          <a:lstStyle>
-            <a:lvl1pPr>
-              <a:defRPr>
-                <a:solidFill>
-                  <a:schemeClr val="tx1"/>
-                </a:solidFill>
-                <a:latin typeface="Arial" charset="0"/>
-                <a:ea typeface="ＭＳ Ｐゴシック" charset="-128"/>
-              </a:defRPr>
-            </a:lvl1pPr>
-            <a:lvl2pPr marL="557213" indent="-214313">
-              <a:defRPr>
-                <a:solidFill>
-                  <a:schemeClr val="tx1"/>
-                </a:solidFill>
-                <a:latin typeface="Arial" charset="0"/>
-                <a:ea typeface="ＭＳ Ｐゴシック" charset="-128"/>
-              </a:defRPr>
-            </a:lvl2pPr>
-            <a:lvl3pPr marL="857250" indent="-171450">
-              <a:defRPr>
-                <a:solidFill>
-                  <a:schemeClr val="tx1"/>
-                </a:solidFill>
-                <a:latin typeface="Arial" charset="0"/>
-                <a:ea typeface="ＭＳ Ｐゴシック" charset="-128"/>
-              </a:defRPr>
-            </a:lvl3pPr>
-            <a:lvl4pPr marL="1200150" indent="-171450">
-              <a:defRPr>
-                <a:solidFill>
-                  <a:schemeClr val="tx1"/>
-                </a:solidFill>
-                <a:latin typeface="Arial" charset="0"/>
-                <a:ea typeface="ＭＳ Ｐゴシック" charset="-128"/>
-              </a:defRPr>
-            </a:lvl4pPr>
-            <a:lvl5pPr marL="1543050" indent="-171450">
-              <a:defRPr>
-                <a:solidFill>
-                  <a:schemeClr val="tx1"/>
-                </a:solidFill>
-                <a:latin typeface="Arial" charset="0"/>
-                <a:ea typeface="ＭＳ Ｐゴシック" charset="-128"/>
-              </a:defRPr>
-            </a:lvl5pPr>
-            <a:lvl6pPr marL="1885950" indent="-171450" defTabSz="342900" eaLnBrk="0" fontAlgn="base" hangingPunct="0">
-              <a:spcBef>
-                <a:spcPct val="0"/>
-              </a:spcBef>
-              <a:spcAft>
-                <a:spcPct val="0"/>
-              </a:spcAft>
-              <a:defRPr>
-                <a:solidFill>
-                  <a:schemeClr val="tx1"/>
-                </a:solidFill>
-                <a:latin typeface="Arial" charset="0"/>
-                <a:ea typeface="ＭＳ Ｐゴシック" charset="-128"/>
-              </a:defRPr>
-            </a:lvl6pPr>
-            <a:lvl7pPr marL="2228850" indent="-171450" defTabSz="342900" eaLnBrk="0" fontAlgn="base" hangingPunct="0">
-              <a:spcBef>
-                <a:spcPct val="0"/>
-              </a:spcBef>
-              <a:spcAft>
-                <a:spcPct val="0"/>
-              </a:spcAft>
-              <a:defRPr>
-                <a:solidFill>
-                  <a:schemeClr val="tx1"/>
-                </a:solidFill>
-                <a:latin typeface="Arial" charset="0"/>
-                <a:ea typeface="ＭＳ Ｐゴシック" charset="-128"/>
-              </a:defRPr>
-            </a:lvl7pPr>
-            <a:lvl8pPr marL="2571750" indent="-171450" defTabSz="342900" eaLnBrk="0" fontAlgn="base" hangingPunct="0">
-              <a:spcBef>
-                <a:spcPct val="0"/>
-              </a:spcBef>
-              <a:spcAft>
-                <a:spcPct val="0"/>
-              </a:spcAft>
-              <a:defRPr>
-                <a:solidFill>
-                  <a:schemeClr val="tx1"/>
-                </a:solidFill>
-                <a:latin typeface="Arial" charset="0"/>
-                <a:ea typeface="ＭＳ Ｐゴシック" charset="-128"/>
-              </a:defRPr>
-            </a:lvl8pPr>
-            <a:lvl9pPr marL="2914650" indent="-171450" defTabSz="342900" eaLnBrk="0" fontAlgn="base" hangingPunct="0">
-              <a:spcBef>
-                <a:spcPct val="0"/>
-              </a:spcBef>
-              <a:spcAft>
-                <a:spcPct val="0"/>
-              </a:spcAft>
-              <a:defRPr>
-                <a:solidFill>
-                  <a:schemeClr val="tx1"/>
-                </a:solidFill>
-                <a:latin typeface="Arial" charset="0"/>
-                <a:ea typeface="ＭＳ Ｐゴシック" charset="-128"/>
-              </a:defRPr>
-            </a:lvl9pPr>
-          </a:lstStyle>
-          <a:p>
-            <a:endParaRPr lang="en-US" altLang="en-US">
-              <a:solidFill>
-                <a:srgbClr val="898989"/>
-              </a:solidFill>
-              <a:latin typeface="Calibri" charset="0"/>
-            </a:endParaRPr>
-          </a:p>
-        </p:txBody>
-      </p:sp>
-    </p:spTree>
-    <p:extLst>
-      <p:ext uri="{BB962C8B-B14F-4D97-AF65-F5344CB8AC3E}">
-        <p14:creationId xmlns:p14="http://schemas.microsoft.com/office/powerpoint/2010/main" val="3933808330"/>
-      </p:ext>
-    </p:extLst>
-  </p:cSld>
-  <p:clrMapOvr>
-    <a:masterClrMapping/>
-  </p:clrMapOvr>
-</p:sld>
-</file>
-
-<file path=ppt/slides/slide50.xml><?xml version="1.0" encoding="utf-8"?>
+<file path=ppt/slides/slide49.xml><?xml version="1.0" encoding="utf-8"?>
 <p:sld xmlns:a="http://schemas.openxmlformats.org/drawingml/2006/main" xmlns:r="http://schemas.openxmlformats.org/officeDocument/2006/relationships" xmlns:p="http://schemas.openxmlformats.org/presentationml/2006/main">
   <p:cSld>
     <p:spTree>
@@ -17162,7 +16877,562 @@
 </p:sld>
 </file>
 
-<file path=ppt/slides/slide51.xml><?xml version="1.0" encoding="utf-8"?>
+<file path=ppt/slides/slide5.xml><?xml version="1.0" encoding="utf-8"?>
+<p:sld xmlns:a="http://schemas.openxmlformats.org/drawingml/2006/main" xmlns:r="http://schemas.openxmlformats.org/officeDocument/2006/relationships" xmlns:p="http://schemas.openxmlformats.org/presentationml/2006/main">
+  <p:cSld>
+    <p:spTree>
+      <p:nvGrpSpPr>
+        <p:cNvPr id="1" name=""/>
+        <p:cNvGrpSpPr/>
+        <p:nvPr/>
+      </p:nvGrpSpPr>
+      <p:grpSpPr>
+        <a:xfrm>
+          <a:off x="0" y="0"/>
+          <a:ext cx="0" cy="0"/>
+          <a:chOff x="0" y="0"/>
+          <a:chExt cx="0" cy="0"/>
+        </a:xfrm>
+      </p:grpSpPr>
+      <p:sp>
+        <p:nvSpPr>
+          <p:cNvPr id="24578" name="Content Placeholder 5"/>
+          <p:cNvSpPr>
+            <a:spLocks noGrp="1"/>
+          </p:cNvSpPr>
+          <p:nvPr>
+            <p:ph type="body" idx="1"/>
+          </p:nvPr>
+        </p:nvSpPr>
+        <p:spPr bwMode="auto">
+          <a:xfrm>
+            <a:off x="447923" y="1305217"/>
+            <a:ext cx="8565448" cy="2856880"/>
+          </a:xfrm>
+          <a:noFill/>
+          <a:extLst>
+            <a:ext uri="{909E8E84-426E-40DD-AFC4-6F175D3DCCD1}">
+              <a14:hiddenFill xmlns:a14="http://schemas.microsoft.com/office/drawing/2010/main">
+                <a:solidFill>
+                  <a:srgbClr val="FFFFFF"/>
+                </a:solidFill>
+              </a14:hiddenFill>
+            </a:ext>
+            <a:ext uri="{91240B29-F687-4F45-9708-019B960494DF}">
+              <a14:hiddenLine xmlns:a14="http://schemas.microsoft.com/office/drawing/2010/main" w="9525">
+                <a:solidFill>
+                  <a:srgbClr val="000000"/>
+                </a:solidFill>
+                <a:miter lim="800000"/>
+                <a:headEnd/>
+                <a:tailEnd/>
+              </a14:hiddenLine>
+            </a:ext>
+          </a:extLst>
+        </p:spPr>
+        <p:txBody>
+          <a:bodyPr vert="horz" wrap="square" lIns="68580" tIns="34290" rIns="68580" bIns="34290" numCol="1" anchor="t" anchorCtr="0" compatLnSpc="1">
+            <a:prstTxWarp prst="textNoShape">
+              <a:avLst/>
+            </a:prstTxWarp>
+          </a:bodyPr>
+          <a:lstStyle/>
+          <a:p>
+            <a:r>
+              <a:rPr lang="en-US" altLang="en-US" b="0">
+                <a:ea typeface="ＭＳ Ｐゴシック" charset="-128"/>
+              </a:rPr>
+              <a:t>Provides a systematic approach to a complex problem</a:t>
+            </a:r>
+          </a:p>
+          <a:p>
+            <a:r>
+              <a:rPr lang="en-US" altLang="en-US" b="0">
+                <a:ea typeface="ＭＳ Ｐゴシック" charset="-128"/>
+              </a:rPr>
+              <a:t>Find bugs before you code</a:t>
+            </a:r>
+          </a:p>
+          <a:p>
+            <a:r>
+              <a:rPr lang="en-US" altLang="en-US" b="0">
+                <a:ea typeface="ＭＳ Ｐゴシック" charset="-128"/>
+              </a:rPr>
+              <a:t>Enables many people to work in parallel</a:t>
+            </a:r>
+          </a:p>
+          <a:p>
+            <a:r>
+              <a:rPr lang="en-US" altLang="en-US" b="0">
+                <a:ea typeface="ＭＳ Ｐゴシック" charset="-128"/>
+              </a:rPr>
+              <a:t>Promotes testability</a:t>
+            </a:r>
+          </a:p>
+          <a:p>
+            <a:r>
+              <a:rPr lang="en-US" altLang="en-US" b="0">
+                <a:ea typeface="ＭＳ Ｐゴシック" charset="-128"/>
+              </a:rPr>
+              <a:t>Promotes usability</a:t>
+            </a:r>
+          </a:p>
+          <a:p>
+            <a:endParaRPr lang="en-US" altLang="en-US">
+              <a:ea typeface="ＭＳ Ｐゴシック" charset="-128"/>
+            </a:endParaRPr>
+          </a:p>
+          <a:p>
+            <a:endParaRPr lang="en-US" altLang="en-US">
+              <a:ea typeface="ＭＳ Ｐゴシック" charset="-128"/>
+            </a:endParaRPr>
+          </a:p>
+          <a:p>
+            <a:endParaRPr lang="en-US" altLang="en-US">
+              <a:ea typeface="ＭＳ Ｐゴシック" charset="-128"/>
+            </a:endParaRPr>
+          </a:p>
+        </p:txBody>
+      </p:sp>
+      <p:sp>
+        <p:nvSpPr>
+          <p:cNvPr id="24577" name="Title 4"/>
+          <p:cNvSpPr>
+            <a:spLocks noGrp="1"/>
+          </p:cNvSpPr>
+          <p:nvPr>
+            <p:ph type="title"/>
+          </p:nvPr>
+        </p:nvSpPr>
+        <p:spPr bwMode="auto">
+          <a:xfrm>
+            <a:off x="447922" y="463731"/>
+            <a:ext cx="8197109" cy="556429"/>
+          </a:xfrm>
+          <a:noFill/>
+          <a:extLst>
+            <a:ext uri="{909E8E84-426E-40DD-AFC4-6F175D3DCCD1}">
+              <a14:hiddenFill xmlns:a14="http://schemas.microsoft.com/office/drawing/2010/main">
+                <a:solidFill>
+                  <a:srgbClr val="FFFFFF"/>
+                </a:solidFill>
+              </a14:hiddenFill>
+            </a:ext>
+            <a:ext uri="{91240B29-F687-4F45-9708-019B960494DF}">
+              <a14:hiddenLine xmlns:a14="http://schemas.microsoft.com/office/drawing/2010/main" w="9525">
+                <a:solidFill>
+                  <a:srgbClr val="000000"/>
+                </a:solidFill>
+                <a:miter lim="800000"/>
+                <a:headEnd/>
+                <a:tailEnd/>
+              </a14:hiddenLine>
+            </a:ext>
+          </a:extLst>
+        </p:spPr>
+        <p:txBody>
+          <a:bodyPr vert="horz" wrap="square" lIns="68580" tIns="34290" rIns="68580" bIns="34290" numCol="1" anchor="t" anchorCtr="0" compatLnSpc="1">
+            <a:prstTxWarp prst="textNoShape">
+              <a:avLst/>
+            </a:prstTxWarp>
+          </a:bodyPr>
+          <a:lstStyle/>
+          <a:p>
+            <a:r>
+              <a:rPr lang="en-US" altLang="en-US">
+                <a:ea typeface="ＭＳ Ｐゴシック" charset="-128"/>
+              </a:rPr>
+              <a:t>Benefits of a Software Design</a:t>
+            </a:r>
+          </a:p>
+        </p:txBody>
+      </p:sp>
+      <p:sp>
+        <p:nvSpPr>
+          <p:cNvPr id="2" name="TextBox 1">
+            <a:extLst>
+              <a:ext uri="{FF2B5EF4-FFF2-40B4-BE49-F238E27FC236}">
+                <a16:creationId xmlns:a16="http://schemas.microsoft.com/office/drawing/2014/main" id="{18AFD1C7-CDF5-3E16-FFC6-E14FDA85088B}"/>
+              </a:ext>
+            </a:extLst>
+          </p:cNvPr>
+          <p:cNvSpPr txBox="1"/>
+          <p:nvPr/>
+        </p:nvSpPr>
+        <p:spPr>
+          <a:xfrm>
+            <a:off x="669569" y="3616157"/>
+            <a:ext cx="7753814" cy="830997"/>
+          </a:xfrm>
+          <a:prstGeom prst="rect">
+            <a:avLst/>
+          </a:prstGeom>
+          <a:noFill/>
+        </p:spPr>
+        <p:txBody>
+          <a:bodyPr wrap="square" rtlCol="0">
+            <a:spAutoFit/>
+          </a:bodyPr>
+          <a:lstStyle/>
+          <a:p>
+            <a:pPr algn="ctr"/>
+            <a:r>
+              <a:rPr lang="en-US" sz="2400" b="1"/>
+              <a:t>Demonstrably “true” software with features users want is going to be used.</a:t>
+            </a:r>
+          </a:p>
+        </p:txBody>
+      </p:sp>
+    </p:spTree>
+    <p:extLst>
+      <p:ext uri="{BB962C8B-B14F-4D97-AF65-F5344CB8AC3E}">
+        <p14:creationId xmlns:p14="http://schemas.microsoft.com/office/powerpoint/2010/main" val="776713141"/>
+      </p:ext>
+    </p:extLst>
+  </p:cSld>
+  <p:clrMapOvr>
+    <a:masterClrMapping/>
+  </p:clrMapOvr>
+  <p:timing>
+    <p:tnLst>
+      <p:par>
+        <p:cTn id="1" dur="indefinite" restart="never" nodeType="tmRoot">
+          <p:childTnLst>
+            <p:seq concurrent="1" nextAc="seek">
+              <p:cTn id="2" dur="indefinite" nodeType="mainSeq">
+                <p:childTnLst>
+                  <p:par>
+                    <p:cTn id="3" fill="hold">
+                      <p:stCondLst>
+                        <p:cond delay="indefinite"/>
+                      </p:stCondLst>
+                      <p:childTnLst>
+                        <p:par>
+                          <p:cTn id="4" fill="hold">
+                            <p:stCondLst>
+                              <p:cond delay="0"/>
+                            </p:stCondLst>
+                            <p:childTnLst>
+                              <p:par>
+                                <p:cTn id="5" presetID="10" presetClass="entr" presetSubtype="0" fill="hold" nodeType="clickEffect">
+                                  <p:stCondLst>
+                                    <p:cond delay="0"/>
+                                  </p:stCondLst>
+                                  <p:childTnLst>
+                                    <p:set>
+                                      <p:cBhvr>
+                                        <p:cTn id="6" dur="1" fill="hold">
+                                          <p:stCondLst>
+                                            <p:cond delay="0"/>
+                                          </p:stCondLst>
+                                        </p:cTn>
+                                        <p:tgtEl>
+                                          <p:spTgt spid="24578">
+                                            <p:txEl>
+                                              <p:pRg st="0" end="0"/>
+                                            </p:txEl>
+                                          </p:spTgt>
+                                        </p:tgtEl>
+                                        <p:attrNameLst>
+                                          <p:attrName>style.visibility</p:attrName>
+                                        </p:attrNameLst>
+                                      </p:cBhvr>
+                                      <p:to>
+                                        <p:strVal val="visible"/>
+                                      </p:to>
+                                    </p:set>
+                                    <p:animEffect transition="in" filter="fade">
+                                      <p:cBhvr>
+                                        <p:cTn id="7" dur="500"/>
+                                        <p:tgtEl>
+                                          <p:spTgt spid="24578">
+                                            <p:txEl>
+                                              <p:pRg st="0" end="0"/>
+                                            </p:txEl>
+                                          </p:spTgt>
+                                        </p:tgtEl>
+                                      </p:cBhvr>
+                                    </p:animEffect>
+                                  </p:childTnLst>
+                                </p:cTn>
+                              </p:par>
+                            </p:childTnLst>
+                          </p:cTn>
+                        </p:par>
+                      </p:childTnLst>
+                    </p:cTn>
+                  </p:par>
+                  <p:par>
+                    <p:cTn id="8" fill="hold">
+                      <p:stCondLst>
+                        <p:cond delay="indefinite"/>
+                      </p:stCondLst>
+                      <p:childTnLst>
+                        <p:par>
+                          <p:cTn id="9" fill="hold">
+                            <p:stCondLst>
+                              <p:cond delay="0"/>
+                            </p:stCondLst>
+                            <p:childTnLst>
+                              <p:par>
+                                <p:cTn id="10" presetID="1" presetClass="entr" presetSubtype="0" fill="hold" nodeType="clickEffect">
+                                  <p:stCondLst>
+                                    <p:cond delay="0"/>
+                                  </p:stCondLst>
+                                  <p:childTnLst>
+                                    <p:set>
+                                      <p:cBhvr>
+                                        <p:cTn id="11" dur="1" fill="hold">
+                                          <p:stCondLst>
+                                            <p:cond delay="0"/>
+                                          </p:stCondLst>
+                                        </p:cTn>
+                                        <p:tgtEl>
+                                          <p:spTgt spid="24578">
+                                            <p:txEl>
+                                              <p:pRg st="1" end="1"/>
+                                            </p:txEl>
+                                          </p:spTgt>
+                                        </p:tgtEl>
+                                        <p:attrNameLst>
+                                          <p:attrName>style.visibility</p:attrName>
+                                        </p:attrNameLst>
+                                      </p:cBhvr>
+                                      <p:to>
+                                        <p:strVal val="visible"/>
+                                      </p:to>
+                                    </p:set>
+                                  </p:childTnLst>
+                                </p:cTn>
+                              </p:par>
+                            </p:childTnLst>
+                          </p:cTn>
+                        </p:par>
+                      </p:childTnLst>
+                    </p:cTn>
+                  </p:par>
+                  <p:par>
+                    <p:cTn id="12" fill="hold">
+                      <p:stCondLst>
+                        <p:cond delay="indefinite"/>
+                      </p:stCondLst>
+                      <p:childTnLst>
+                        <p:par>
+                          <p:cTn id="13" fill="hold">
+                            <p:stCondLst>
+                              <p:cond delay="0"/>
+                            </p:stCondLst>
+                            <p:childTnLst>
+                              <p:par>
+                                <p:cTn id="14" presetID="1" presetClass="entr" presetSubtype="0" fill="hold" nodeType="clickEffect">
+                                  <p:stCondLst>
+                                    <p:cond delay="0"/>
+                                  </p:stCondLst>
+                                  <p:childTnLst>
+                                    <p:set>
+                                      <p:cBhvr>
+                                        <p:cTn id="15" dur="1" fill="hold">
+                                          <p:stCondLst>
+                                            <p:cond delay="0"/>
+                                          </p:stCondLst>
+                                        </p:cTn>
+                                        <p:tgtEl>
+                                          <p:spTgt spid="24578">
+                                            <p:txEl>
+                                              <p:pRg st="2" end="2"/>
+                                            </p:txEl>
+                                          </p:spTgt>
+                                        </p:tgtEl>
+                                        <p:attrNameLst>
+                                          <p:attrName>style.visibility</p:attrName>
+                                        </p:attrNameLst>
+                                      </p:cBhvr>
+                                      <p:to>
+                                        <p:strVal val="visible"/>
+                                      </p:to>
+                                    </p:set>
+                                  </p:childTnLst>
+                                </p:cTn>
+                              </p:par>
+                            </p:childTnLst>
+                          </p:cTn>
+                        </p:par>
+                      </p:childTnLst>
+                    </p:cTn>
+                  </p:par>
+                  <p:par>
+                    <p:cTn id="16" fill="hold">
+                      <p:stCondLst>
+                        <p:cond delay="indefinite"/>
+                      </p:stCondLst>
+                      <p:childTnLst>
+                        <p:par>
+                          <p:cTn id="17" fill="hold">
+                            <p:stCondLst>
+                              <p:cond delay="0"/>
+                            </p:stCondLst>
+                            <p:childTnLst>
+                              <p:par>
+                                <p:cTn id="18" presetID="1" presetClass="entr" presetSubtype="0" fill="hold" nodeType="clickEffect">
+                                  <p:stCondLst>
+                                    <p:cond delay="0"/>
+                                  </p:stCondLst>
+                                  <p:childTnLst>
+                                    <p:set>
+                                      <p:cBhvr>
+                                        <p:cTn id="19" dur="1" fill="hold">
+                                          <p:stCondLst>
+                                            <p:cond delay="0"/>
+                                          </p:stCondLst>
+                                        </p:cTn>
+                                        <p:tgtEl>
+                                          <p:spTgt spid="24578">
+                                            <p:txEl>
+                                              <p:pRg st="3" end="3"/>
+                                            </p:txEl>
+                                          </p:spTgt>
+                                        </p:tgtEl>
+                                        <p:attrNameLst>
+                                          <p:attrName>style.visibility</p:attrName>
+                                        </p:attrNameLst>
+                                      </p:cBhvr>
+                                      <p:to>
+                                        <p:strVal val="visible"/>
+                                      </p:to>
+                                    </p:set>
+                                  </p:childTnLst>
+                                </p:cTn>
+                              </p:par>
+                            </p:childTnLst>
+                          </p:cTn>
+                        </p:par>
+                      </p:childTnLst>
+                    </p:cTn>
+                  </p:par>
+                  <p:par>
+                    <p:cTn id="20" fill="hold">
+                      <p:stCondLst>
+                        <p:cond delay="indefinite"/>
+                      </p:stCondLst>
+                      <p:childTnLst>
+                        <p:par>
+                          <p:cTn id="21" fill="hold">
+                            <p:stCondLst>
+                              <p:cond delay="0"/>
+                            </p:stCondLst>
+                            <p:childTnLst>
+                              <p:par>
+                                <p:cTn id="22" presetID="1" presetClass="entr" presetSubtype="0" fill="hold" nodeType="clickEffect">
+                                  <p:stCondLst>
+                                    <p:cond delay="0"/>
+                                  </p:stCondLst>
+                                  <p:childTnLst>
+                                    <p:set>
+                                      <p:cBhvr>
+                                        <p:cTn id="23" dur="1" fill="hold">
+                                          <p:stCondLst>
+                                            <p:cond delay="0"/>
+                                          </p:stCondLst>
+                                        </p:cTn>
+                                        <p:tgtEl>
+                                          <p:spTgt spid="24578">
+                                            <p:txEl>
+                                              <p:pRg st="4" end="4"/>
+                                            </p:txEl>
+                                          </p:spTgt>
+                                        </p:tgtEl>
+                                        <p:attrNameLst>
+                                          <p:attrName>style.visibility</p:attrName>
+                                        </p:attrNameLst>
+                                      </p:cBhvr>
+                                      <p:to>
+                                        <p:strVal val="visible"/>
+                                      </p:to>
+                                    </p:set>
+                                  </p:childTnLst>
+                                </p:cTn>
+                              </p:par>
+                            </p:childTnLst>
+                          </p:cTn>
+                        </p:par>
+                      </p:childTnLst>
+                    </p:cTn>
+                  </p:par>
+                  <p:par>
+                    <p:cTn id="24" fill="hold">
+                      <p:stCondLst>
+                        <p:cond delay="indefinite"/>
+                      </p:stCondLst>
+                      <p:childTnLst>
+                        <p:par>
+                          <p:cTn id="25" fill="hold">
+                            <p:stCondLst>
+                              <p:cond delay="0"/>
+                            </p:stCondLst>
+                            <p:childTnLst>
+                              <p:par>
+                                <p:cTn id="26" presetID="1" presetClass="entr" presetSubtype="0" fill="hold" nodeType="clickEffect">
+                                  <p:stCondLst>
+                                    <p:cond delay="0"/>
+                                  </p:stCondLst>
+                                  <p:childTnLst>
+                                    <p:set>
+                                      <p:cBhvr>
+                                        <p:cTn id="27" dur="1" fill="hold">
+                                          <p:stCondLst>
+                                            <p:cond delay="0"/>
+                                          </p:stCondLst>
+                                        </p:cTn>
+                                        <p:tgtEl>
+                                          <p:spTgt spid="2">
+                                            <p:txEl>
+                                              <p:pRg st="0" end="0"/>
+                                            </p:txEl>
+                                          </p:spTgt>
+                                        </p:tgtEl>
+                                        <p:attrNameLst>
+                                          <p:attrName>style.visibility</p:attrName>
+                                        </p:attrNameLst>
+                                      </p:cBhvr>
+                                      <p:to>
+                                        <p:strVal val="visible"/>
+                                      </p:to>
+                                    </p:set>
+                                  </p:childTnLst>
+                                </p:cTn>
+                              </p:par>
+                            </p:childTnLst>
+                          </p:cTn>
+                        </p:par>
+                      </p:childTnLst>
+                    </p:cTn>
+                  </p:par>
+                </p:childTnLst>
+              </p:cTn>
+              <p:prevCondLst>
+                <p:cond evt="onPrev" delay="0">
+                  <p:tgtEl>
+                    <p:sldTgt/>
+                  </p:tgtEl>
+                </p:cond>
+              </p:prevCondLst>
+              <p:nextCondLst>
+                <p:cond evt="onNext" delay="0">
+                  <p:tgtEl>
+                    <p:sldTgt/>
+                  </p:tgtEl>
+                </p:cond>
+              </p:nextCondLst>
+            </p:seq>
+          </p:childTnLst>
+        </p:cTn>
+      </p:par>
+    </p:tnLst>
+  </p:timing>
+</p:sld>
+</file>
+
+<file path=ppt/slides/slide50.xml><?xml version="1.0" encoding="utf-8"?>
 <p:sld xmlns:a="http://schemas.openxmlformats.org/drawingml/2006/main" xmlns:r="http://schemas.openxmlformats.org/officeDocument/2006/relationships" xmlns:p="http://schemas.openxmlformats.org/presentationml/2006/main">
   <p:cSld>
     <p:spTree>
@@ -17585,7 +17855,7 @@
 </p:sld>
 </file>
 
-<file path=ppt/slides/slide52.xml><?xml version="1.0" encoding="utf-8"?>
+<file path=ppt/slides/slide51.xml><?xml version="1.0" encoding="utf-8"?>
 <p:sld xmlns:a="http://schemas.openxmlformats.org/drawingml/2006/main" xmlns:r="http://schemas.openxmlformats.org/officeDocument/2006/relationships" xmlns:p="http://schemas.openxmlformats.org/presentationml/2006/main">
   <p:cSld>
     <p:spTree>
@@ -17897,7 +18167,7 @@
 </p:sld>
 </file>
 
-<file path=ppt/slides/slide53.xml><?xml version="1.0" encoding="utf-8"?>
+<file path=ppt/slides/slide52.xml><?xml version="1.0" encoding="utf-8"?>
 <p:sld xmlns:a="http://schemas.openxmlformats.org/drawingml/2006/main" xmlns:r="http://schemas.openxmlformats.org/officeDocument/2006/relationships" xmlns:p="http://schemas.openxmlformats.org/presentationml/2006/main">
   <p:cSld>
     <p:spTree>
@@ -18436,7 +18706,7 @@
 </p:sld>
 </file>
 
-<file path=ppt/slides/slide54.xml><?xml version="1.0" encoding="utf-8"?>
+<file path=ppt/slides/slide53.xml><?xml version="1.0" encoding="utf-8"?>
 <p:sld xmlns:a="http://schemas.openxmlformats.org/drawingml/2006/main" xmlns:r="http://schemas.openxmlformats.org/officeDocument/2006/relationships" xmlns:p="http://schemas.openxmlformats.org/presentationml/2006/main">
   <p:cSld>
     <p:spTree>
@@ -18850,7 +19120,7 @@
 </p:sld>
 </file>
 
-<file path=ppt/slides/slide55.xml><?xml version="1.0" encoding="utf-8"?>
+<file path=ppt/slides/slide54.xml><?xml version="1.0" encoding="utf-8"?>
 <p:sld xmlns:a="http://schemas.openxmlformats.org/drawingml/2006/main" xmlns:r="http://schemas.openxmlformats.org/officeDocument/2006/relationships" xmlns:p="http://schemas.openxmlformats.org/presentationml/2006/main">
   <p:cSld>
     <p:spTree>
@@ -19552,7 +19822,7 @@
 </p:sld>
 </file>
 
-<file path=ppt/slides/slide56.xml><?xml version="1.0" encoding="utf-8"?>
+<file path=ppt/slides/slide55.xml><?xml version="1.0" encoding="utf-8"?>
 <p:sld xmlns:a="http://schemas.openxmlformats.org/drawingml/2006/main" xmlns:r="http://schemas.openxmlformats.org/officeDocument/2006/relationships" xmlns:p="http://schemas.openxmlformats.org/presentationml/2006/main">
   <p:cSld>
     <p:spTree>
@@ -20053,7 +20323,7 @@
 </p:sld>
 </file>
 
-<file path=ppt/slides/slide57.xml><?xml version="1.0" encoding="utf-8"?>
+<file path=ppt/slides/slide56.xml><?xml version="1.0" encoding="utf-8"?>
 <p:sld xmlns:a="http://schemas.openxmlformats.org/drawingml/2006/main" xmlns:r="http://schemas.openxmlformats.org/officeDocument/2006/relationships" xmlns:p="http://schemas.openxmlformats.org/presentationml/2006/main">
   <p:cSld>
     <p:spTree>
@@ -20841,7 +21111,7 @@
 </p:sld>
 </file>
 
-<file path=ppt/slides/slide58.xml><?xml version="1.0" encoding="utf-8"?>
+<file path=ppt/slides/slide57.xml><?xml version="1.0" encoding="utf-8"?>
 <p:sld xmlns:a="http://schemas.openxmlformats.org/drawingml/2006/main" xmlns:r="http://schemas.openxmlformats.org/officeDocument/2006/relationships" xmlns:p="http://schemas.openxmlformats.org/presentationml/2006/main">
   <p:cSld>
     <p:spTree>
@@ -21559,7 +21829,7 @@
 </p:sld>
 </file>
 
-<file path=ppt/slides/slide59.xml><?xml version="1.0" encoding="utf-8"?>
+<file path=ppt/slides/slide58.xml><?xml version="1.0" encoding="utf-8"?>
 <p:sld xmlns:a="http://schemas.openxmlformats.org/drawingml/2006/main" xmlns:r="http://schemas.openxmlformats.org/officeDocument/2006/relationships" xmlns:p="http://schemas.openxmlformats.org/presentationml/2006/main">
   <p:cSld>
     <p:spTree>
@@ -21734,562 +22004,7 @@
 </p:sld>
 </file>
 
-<file path=ppt/slides/slide6.xml><?xml version="1.0" encoding="utf-8"?>
-<p:sld xmlns:a="http://schemas.openxmlformats.org/drawingml/2006/main" xmlns:r="http://schemas.openxmlformats.org/officeDocument/2006/relationships" xmlns:p="http://schemas.openxmlformats.org/presentationml/2006/main">
-  <p:cSld>
-    <p:spTree>
-      <p:nvGrpSpPr>
-        <p:cNvPr id="1" name=""/>
-        <p:cNvGrpSpPr/>
-        <p:nvPr/>
-      </p:nvGrpSpPr>
-      <p:grpSpPr>
-        <a:xfrm>
-          <a:off x="0" y="0"/>
-          <a:ext cx="0" cy="0"/>
-          <a:chOff x="0" y="0"/>
-          <a:chExt cx="0" cy="0"/>
-        </a:xfrm>
-      </p:grpSpPr>
-      <p:sp>
-        <p:nvSpPr>
-          <p:cNvPr id="24578" name="Content Placeholder 5"/>
-          <p:cNvSpPr>
-            <a:spLocks noGrp="1"/>
-          </p:cNvSpPr>
-          <p:nvPr>
-            <p:ph type="body" idx="1"/>
-          </p:nvPr>
-        </p:nvSpPr>
-        <p:spPr bwMode="auto">
-          <a:xfrm>
-            <a:off x="447923" y="1305217"/>
-            <a:ext cx="8565448" cy="2856880"/>
-          </a:xfrm>
-          <a:noFill/>
-          <a:extLst>
-            <a:ext uri="{909E8E84-426E-40DD-AFC4-6F175D3DCCD1}">
-              <a14:hiddenFill xmlns:a14="http://schemas.microsoft.com/office/drawing/2010/main">
-                <a:solidFill>
-                  <a:srgbClr val="FFFFFF"/>
-                </a:solidFill>
-              </a14:hiddenFill>
-            </a:ext>
-            <a:ext uri="{91240B29-F687-4F45-9708-019B960494DF}">
-              <a14:hiddenLine xmlns:a14="http://schemas.microsoft.com/office/drawing/2010/main" w="9525">
-                <a:solidFill>
-                  <a:srgbClr val="000000"/>
-                </a:solidFill>
-                <a:miter lim="800000"/>
-                <a:headEnd/>
-                <a:tailEnd/>
-              </a14:hiddenLine>
-            </a:ext>
-          </a:extLst>
-        </p:spPr>
-        <p:txBody>
-          <a:bodyPr vert="horz" wrap="square" lIns="68580" tIns="34290" rIns="68580" bIns="34290" numCol="1" anchor="t" anchorCtr="0" compatLnSpc="1">
-            <a:prstTxWarp prst="textNoShape">
-              <a:avLst/>
-            </a:prstTxWarp>
-          </a:bodyPr>
-          <a:lstStyle/>
-          <a:p>
-            <a:r>
-              <a:rPr lang="en-US" altLang="en-US" b="0">
-                <a:ea typeface="ＭＳ Ｐゴシック" charset="-128"/>
-              </a:rPr>
-              <a:t>Provides a systematic approach to a complex problem</a:t>
-            </a:r>
-          </a:p>
-          <a:p>
-            <a:r>
-              <a:rPr lang="en-US" altLang="en-US" b="0">
-                <a:ea typeface="ＭＳ Ｐゴシック" charset="-128"/>
-              </a:rPr>
-              <a:t>Find bugs before you code</a:t>
-            </a:r>
-          </a:p>
-          <a:p>
-            <a:r>
-              <a:rPr lang="en-US" altLang="en-US" b="0">
-                <a:ea typeface="ＭＳ Ｐゴシック" charset="-128"/>
-              </a:rPr>
-              <a:t>Enables many people to work in parallel</a:t>
-            </a:r>
-          </a:p>
-          <a:p>
-            <a:r>
-              <a:rPr lang="en-US" altLang="en-US" b="0">
-                <a:ea typeface="ＭＳ Ｐゴシック" charset="-128"/>
-              </a:rPr>
-              <a:t>Promotes testability</a:t>
-            </a:r>
-          </a:p>
-          <a:p>
-            <a:r>
-              <a:rPr lang="en-US" altLang="en-US" b="0">
-                <a:ea typeface="ＭＳ Ｐゴシック" charset="-128"/>
-              </a:rPr>
-              <a:t>Promotes usability</a:t>
-            </a:r>
-          </a:p>
-          <a:p>
-            <a:endParaRPr lang="en-US" altLang="en-US">
-              <a:ea typeface="ＭＳ Ｐゴシック" charset="-128"/>
-            </a:endParaRPr>
-          </a:p>
-          <a:p>
-            <a:endParaRPr lang="en-US" altLang="en-US">
-              <a:ea typeface="ＭＳ Ｐゴシック" charset="-128"/>
-            </a:endParaRPr>
-          </a:p>
-          <a:p>
-            <a:endParaRPr lang="en-US" altLang="en-US">
-              <a:ea typeface="ＭＳ Ｐゴシック" charset="-128"/>
-            </a:endParaRPr>
-          </a:p>
-        </p:txBody>
-      </p:sp>
-      <p:sp>
-        <p:nvSpPr>
-          <p:cNvPr id="24577" name="Title 4"/>
-          <p:cNvSpPr>
-            <a:spLocks noGrp="1"/>
-          </p:cNvSpPr>
-          <p:nvPr>
-            <p:ph type="title"/>
-          </p:nvPr>
-        </p:nvSpPr>
-        <p:spPr bwMode="auto">
-          <a:xfrm>
-            <a:off x="447922" y="463731"/>
-            <a:ext cx="8197109" cy="556429"/>
-          </a:xfrm>
-          <a:noFill/>
-          <a:extLst>
-            <a:ext uri="{909E8E84-426E-40DD-AFC4-6F175D3DCCD1}">
-              <a14:hiddenFill xmlns:a14="http://schemas.microsoft.com/office/drawing/2010/main">
-                <a:solidFill>
-                  <a:srgbClr val="FFFFFF"/>
-                </a:solidFill>
-              </a14:hiddenFill>
-            </a:ext>
-            <a:ext uri="{91240B29-F687-4F45-9708-019B960494DF}">
-              <a14:hiddenLine xmlns:a14="http://schemas.microsoft.com/office/drawing/2010/main" w="9525">
-                <a:solidFill>
-                  <a:srgbClr val="000000"/>
-                </a:solidFill>
-                <a:miter lim="800000"/>
-                <a:headEnd/>
-                <a:tailEnd/>
-              </a14:hiddenLine>
-            </a:ext>
-          </a:extLst>
-        </p:spPr>
-        <p:txBody>
-          <a:bodyPr vert="horz" wrap="square" lIns="68580" tIns="34290" rIns="68580" bIns="34290" numCol="1" anchor="t" anchorCtr="0" compatLnSpc="1">
-            <a:prstTxWarp prst="textNoShape">
-              <a:avLst/>
-            </a:prstTxWarp>
-          </a:bodyPr>
-          <a:lstStyle/>
-          <a:p>
-            <a:r>
-              <a:rPr lang="en-US" altLang="en-US">
-                <a:ea typeface="ＭＳ Ｐゴシック" charset="-128"/>
-              </a:rPr>
-              <a:t>Benefits of a Software Design</a:t>
-            </a:r>
-          </a:p>
-        </p:txBody>
-      </p:sp>
-      <p:sp>
-        <p:nvSpPr>
-          <p:cNvPr id="2" name="TextBox 1">
-            <a:extLst>
-              <a:ext uri="{FF2B5EF4-FFF2-40B4-BE49-F238E27FC236}">
-                <a16:creationId xmlns:a16="http://schemas.microsoft.com/office/drawing/2014/main" id="{18AFD1C7-CDF5-3E16-FFC6-E14FDA85088B}"/>
-              </a:ext>
-            </a:extLst>
-          </p:cNvPr>
-          <p:cNvSpPr txBox="1"/>
-          <p:nvPr/>
-        </p:nvSpPr>
-        <p:spPr>
-          <a:xfrm>
-            <a:off x="669569" y="3616157"/>
-            <a:ext cx="7753814" cy="830997"/>
-          </a:xfrm>
-          <a:prstGeom prst="rect">
-            <a:avLst/>
-          </a:prstGeom>
-          <a:noFill/>
-        </p:spPr>
-        <p:txBody>
-          <a:bodyPr wrap="square" rtlCol="0">
-            <a:spAutoFit/>
-          </a:bodyPr>
-          <a:lstStyle/>
-          <a:p>
-            <a:pPr algn="ctr"/>
-            <a:r>
-              <a:rPr lang="en-US" sz="2400" b="1"/>
-              <a:t>Demonstrably “true” software with features users want is going to be used.</a:t>
-            </a:r>
-          </a:p>
-        </p:txBody>
-      </p:sp>
-    </p:spTree>
-    <p:extLst>
-      <p:ext uri="{BB962C8B-B14F-4D97-AF65-F5344CB8AC3E}">
-        <p14:creationId xmlns:p14="http://schemas.microsoft.com/office/powerpoint/2010/main" val="776713141"/>
-      </p:ext>
-    </p:extLst>
-  </p:cSld>
-  <p:clrMapOvr>
-    <a:masterClrMapping/>
-  </p:clrMapOvr>
-  <p:timing>
-    <p:tnLst>
-      <p:par>
-        <p:cTn id="1" dur="indefinite" restart="never" nodeType="tmRoot">
-          <p:childTnLst>
-            <p:seq concurrent="1" nextAc="seek">
-              <p:cTn id="2" dur="indefinite" nodeType="mainSeq">
-                <p:childTnLst>
-                  <p:par>
-                    <p:cTn id="3" fill="hold">
-                      <p:stCondLst>
-                        <p:cond delay="indefinite"/>
-                      </p:stCondLst>
-                      <p:childTnLst>
-                        <p:par>
-                          <p:cTn id="4" fill="hold">
-                            <p:stCondLst>
-                              <p:cond delay="0"/>
-                            </p:stCondLst>
-                            <p:childTnLst>
-                              <p:par>
-                                <p:cTn id="5" presetID="10" presetClass="entr" presetSubtype="0" fill="hold" nodeType="clickEffect">
-                                  <p:stCondLst>
-                                    <p:cond delay="0"/>
-                                  </p:stCondLst>
-                                  <p:childTnLst>
-                                    <p:set>
-                                      <p:cBhvr>
-                                        <p:cTn id="6" dur="1" fill="hold">
-                                          <p:stCondLst>
-                                            <p:cond delay="0"/>
-                                          </p:stCondLst>
-                                        </p:cTn>
-                                        <p:tgtEl>
-                                          <p:spTgt spid="24578">
-                                            <p:txEl>
-                                              <p:pRg st="0" end="0"/>
-                                            </p:txEl>
-                                          </p:spTgt>
-                                        </p:tgtEl>
-                                        <p:attrNameLst>
-                                          <p:attrName>style.visibility</p:attrName>
-                                        </p:attrNameLst>
-                                      </p:cBhvr>
-                                      <p:to>
-                                        <p:strVal val="visible"/>
-                                      </p:to>
-                                    </p:set>
-                                    <p:animEffect transition="in" filter="fade">
-                                      <p:cBhvr>
-                                        <p:cTn id="7" dur="500"/>
-                                        <p:tgtEl>
-                                          <p:spTgt spid="24578">
-                                            <p:txEl>
-                                              <p:pRg st="0" end="0"/>
-                                            </p:txEl>
-                                          </p:spTgt>
-                                        </p:tgtEl>
-                                      </p:cBhvr>
-                                    </p:animEffect>
-                                  </p:childTnLst>
-                                </p:cTn>
-                              </p:par>
-                            </p:childTnLst>
-                          </p:cTn>
-                        </p:par>
-                      </p:childTnLst>
-                    </p:cTn>
-                  </p:par>
-                  <p:par>
-                    <p:cTn id="8" fill="hold">
-                      <p:stCondLst>
-                        <p:cond delay="indefinite"/>
-                      </p:stCondLst>
-                      <p:childTnLst>
-                        <p:par>
-                          <p:cTn id="9" fill="hold">
-                            <p:stCondLst>
-                              <p:cond delay="0"/>
-                            </p:stCondLst>
-                            <p:childTnLst>
-                              <p:par>
-                                <p:cTn id="10" presetID="1" presetClass="entr" presetSubtype="0" fill="hold" nodeType="clickEffect">
-                                  <p:stCondLst>
-                                    <p:cond delay="0"/>
-                                  </p:stCondLst>
-                                  <p:childTnLst>
-                                    <p:set>
-                                      <p:cBhvr>
-                                        <p:cTn id="11" dur="1" fill="hold">
-                                          <p:stCondLst>
-                                            <p:cond delay="0"/>
-                                          </p:stCondLst>
-                                        </p:cTn>
-                                        <p:tgtEl>
-                                          <p:spTgt spid="24578">
-                                            <p:txEl>
-                                              <p:pRg st="1" end="1"/>
-                                            </p:txEl>
-                                          </p:spTgt>
-                                        </p:tgtEl>
-                                        <p:attrNameLst>
-                                          <p:attrName>style.visibility</p:attrName>
-                                        </p:attrNameLst>
-                                      </p:cBhvr>
-                                      <p:to>
-                                        <p:strVal val="visible"/>
-                                      </p:to>
-                                    </p:set>
-                                  </p:childTnLst>
-                                </p:cTn>
-                              </p:par>
-                            </p:childTnLst>
-                          </p:cTn>
-                        </p:par>
-                      </p:childTnLst>
-                    </p:cTn>
-                  </p:par>
-                  <p:par>
-                    <p:cTn id="12" fill="hold">
-                      <p:stCondLst>
-                        <p:cond delay="indefinite"/>
-                      </p:stCondLst>
-                      <p:childTnLst>
-                        <p:par>
-                          <p:cTn id="13" fill="hold">
-                            <p:stCondLst>
-                              <p:cond delay="0"/>
-                            </p:stCondLst>
-                            <p:childTnLst>
-                              <p:par>
-                                <p:cTn id="14" presetID="1" presetClass="entr" presetSubtype="0" fill="hold" nodeType="clickEffect">
-                                  <p:stCondLst>
-                                    <p:cond delay="0"/>
-                                  </p:stCondLst>
-                                  <p:childTnLst>
-                                    <p:set>
-                                      <p:cBhvr>
-                                        <p:cTn id="15" dur="1" fill="hold">
-                                          <p:stCondLst>
-                                            <p:cond delay="0"/>
-                                          </p:stCondLst>
-                                        </p:cTn>
-                                        <p:tgtEl>
-                                          <p:spTgt spid="24578">
-                                            <p:txEl>
-                                              <p:pRg st="2" end="2"/>
-                                            </p:txEl>
-                                          </p:spTgt>
-                                        </p:tgtEl>
-                                        <p:attrNameLst>
-                                          <p:attrName>style.visibility</p:attrName>
-                                        </p:attrNameLst>
-                                      </p:cBhvr>
-                                      <p:to>
-                                        <p:strVal val="visible"/>
-                                      </p:to>
-                                    </p:set>
-                                  </p:childTnLst>
-                                </p:cTn>
-                              </p:par>
-                            </p:childTnLst>
-                          </p:cTn>
-                        </p:par>
-                      </p:childTnLst>
-                    </p:cTn>
-                  </p:par>
-                  <p:par>
-                    <p:cTn id="16" fill="hold">
-                      <p:stCondLst>
-                        <p:cond delay="indefinite"/>
-                      </p:stCondLst>
-                      <p:childTnLst>
-                        <p:par>
-                          <p:cTn id="17" fill="hold">
-                            <p:stCondLst>
-                              <p:cond delay="0"/>
-                            </p:stCondLst>
-                            <p:childTnLst>
-                              <p:par>
-                                <p:cTn id="18" presetID="1" presetClass="entr" presetSubtype="0" fill="hold" nodeType="clickEffect">
-                                  <p:stCondLst>
-                                    <p:cond delay="0"/>
-                                  </p:stCondLst>
-                                  <p:childTnLst>
-                                    <p:set>
-                                      <p:cBhvr>
-                                        <p:cTn id="19" dur="1" fill="hold">
-                                          <p:stCondLst>
-                                            <p:cond delay="0"/>
-                                          </p:stCondLst>
-                                        </p:cTn>
-                                        <p:tgtEl>
-                                          <p:spTgt spid="24578">
-                                            <p:txEl>
-                                              <p:pRg st="3" end="3"/>
-                                            </p:txEl>
-                                          </p:spTgt>
-                                        </p:tgtEl>
-                                        <p:attrNameLst>
-                                          <p:attrName>style.visibility</p:attrName>
-                                        </p:attrNameLst>
-                                      </p:cBhvr>
-                                      <p:to>
-                                        <p:strVal val="visible"/>
-                                      </p:to>
-                                    </p:set>
-                                  </p:childTnLst>
-                                </p:cTn>
-                              </p:par>
-                            </p:childTnLst>
-                          </p:cTn>
-                        </p:par>
-                      </p:childTnLst>
-                    </p:cTn>
-                  </p:par>
-                  <p:par>
-                    <p:cTn id="20" fill="hold">
-                      <p:stCondLst>
-                        <p:cond delay="indefinite"/>
-                      </p:stCondLst>
-                      <p:childTnLst>
-                        <p:par>
-                          <p:cTn id="21" fill="hold">
-                            <p:stCondLst>
-                              <p:cond delay="0"/>
-                            </p:stCondLst>
-                            <p:childTnLst>
-                              <p:par>
-                                <p:cTn id="22" presetID="1" presetClass="entr" presetSubtype="0" fill="hold" nodeType="clickEffect">
-                                  <p:stCondLst>
-                                    <p:cond delay="0"/>
-                                  </p:stCondLst>
-                                  <p:childTnLst>
-                                    <p:set>
-                                      <p:cBhvr>
-                                        <p:cTn id="23" dur="1" fill="hold">
-                                          <p:stCondLst>
-                                            <p:cond delay="0"/>
-                                          </p:stCondLst>
-                                        </p:cTn>
-                                        <p:tgtEl>
-                                          <p:spTgt spid="24578">
-                                            <p:txEl>
-                                              <p:pRg st="4" end="4"/>
-                                            </p:txEl>
-                                          </p:spTgt>
-                                        </p:tgtEl>
-                                        <p:attrNameLst>
-                                          <p:attrName>style.visibility</p:attrName>
-                                        </p:attrNameLst>
-                                      </p:cBhvr>
-                                      <p:to>
-                                        <p:strVal val="visible"/>
-                                      </p:to>
-                                    </p:set>
-                                  </p:childTnLst>
-                                </p:cTn>
-                              </p:par>
-                            </p:childTnLst>
-                          </p:cTn>
-                        </p:par>
-                      </p:childTnLst>
-                    </p:cTn>
-                  </p:par>
-                  <p:par>
-                    <p:cTn id="24" fill="hold">
-                      <p:stCondLst>
-                        <p:cond delay="indefinite"/>
-                      </p:stCondLst>
-                      <p:childTnLst>
-                        <p:par>
-                          <p:cTn id="25" fill="hold">
-                            <p:stCondLst>
-                              <p:cond delay="0"/>
-                            </p:stCondLst>
-                            <p:childTnLst>
-                              <p:par>
-                                <p:cTn id="26" presetID="1" presetClass="entr" presetSubtype="0" fill="hold" nodeType="clickEffect">
-                                  <p:stCondLst>
-                                    <p:cond delay="0"/>
-                                  </p:stCondLst>
-                                  <p:childTnLst>
-                                    <p:set>
-                                      <p:cBhvr>
-                                        <p:cTn id="27" dur="1" fill="hold">
-                                          <p:stCondLst>
-                                            <p:cond delay="0"/>
-                                          </p:stCondLst>
-                                        </p:cTn>
-                                        <p:tgtEl>
-                                          <p:spTgt spid="2">
-                                            <p:txEl>
-                                              <p:pRg st="0" end="0"/>
-                                            </p:txEl>
-                                          </p:spTgt>
-                                        </p:tgtEl>
-                                        <p:attrNameLst>
-                                          <p:attrName>style.visibility</p:attrName>
-                                        </p:attrNameLst>
-                                      </p:cBhvr>
-                                      <p:to>
-                                        <p:strVal val="visible"/>
-                                      </p:to>
-                                    </p:set>
-                                  </p:childTnLst>
-                                </p:cTn>
-                              </p:par>
-                            </p:childTnLst>
-                          </p:cTn>
-                        </p:par>
-                      </p:childTnLst>
-                    </p:cTn>
-                  </p:par>
-                </p:childTnLst>
-              </p:cTn>
-              <p:prevCondLst>
-                <p:cond evt="onPrev" delay="0">
-                  <p:tgtEl>
-                    <p:sldTgt/>
-                  </p:tgtEl>
-                </p:cond>
-              </p:prevCondLst>
-              <p:nextCondLst>
-                <p:cond evt="onNext" delay="0">
-                  <p:tgtEl>
-                    <p:sldTgt/>
-                  </p:tgtEl>
-                </p:cond>
-              </p:nextCondLst>
-            </p:seq>
-          </p:childTnLst>
-        </p:cTn>
-      </p:par>
-    </p:tnLst>
-  </p:timing>
-</p:sld>
-</file>
-
-<file path=ppt/slides/slide60.xml><?xml version="1.0" encoding="utf-8"?>
+<file path=ppt/slides/slide59.xml><?xml version="1.0" encoding="utf-8"?>
 <p:sld xmlns:a="http://schemas.openxmlformats.org/drawingml/2006/main" xmlns:r="http://schemas.openxmlformats.org/officeDocument/2006/relationships" xmlns:p="http://schemas.openxmlformats.org/presentationml/2006/main">
   <p:cSld>
     <p:spTree>
@@ -22686,7 +22401,361 @@
 </p:sld>
 </file>
 
-<file path=ppt/slides/slide61.xml><?xml version="1.0" encoding="utf-8"?>
+<file path=ppt/slides/slide6.xml><?xml version="1.0" encoding="utf-8"?>
+<p:sld xmlns:a="http://schemas.openxmlformats.org/drawingml/2006/main" xmlns:r="http://schemas.openxmlformats.org/officeDocument/2006/relationships" xmlns:p="http://schemas.openxmlformats.org/presentationml/2006/main">
+  <p:cSld>
+    <p:spTree>
+      <p:nvGrpSpPr>
+        <p:cNvPr id="1" name=""/>
+        <p:cNvGrpSpPr/>
+        <p:nvPr/>
+      </p:nvGrpSpPr>
+      <p:grpSpPr>
+        <a:xfrm>
+          <a:off x="0" y="0"/>
+          <a:ext cx="0" cy="0"/>
+          <a:chOff x="0" y="0"/>
+          <a:chExt cx="0" cy="0"/>
+        </a:xfrm>
+      </p:grpSpPr>
+      <p:sp>
+        <p:nvSpPr>
+          <p:cNvPr id="24578" name="Content Placeholder 5"/>
+          <p:cNvSpPr>
+            <a:spLocks noGrp="1"/>
+          </p:cNvSpPr>
+          <p:nvPr>
+            <p:ph type="body" idx="1"/>
+          </p:nvPr>
+        </p:nvSpPr>
+        <p:spPr bwMode="auto">
+          <a:xfrm>
+            <a:off x="447923" y="1305217"/>
+            <a:ext cx="8565448" cy="2856880"/>
+          </a:xfrm>
+          <a:noFill/>
+          <a:extLst>
+            <a:ext uri="{909E8E84-426E-40DD-AFC4-6F175D3DCCD1}">
+              <a14:hiddenFill xmlns:a14="http://schemas.microsoft.com/office/drawing/2010/main">
+                <a:solidFill>
+                  <a:srgbClr val="FFFFFF"/>
+                </a:solidFill>
+              </a14:hiddenFill>
+            </a:ext>
+            <a:ext uri="{91240B29-F687-4F45-9708-019B960494DF}">
+              <a14:hiddenLine xmlns:a14="http://schemas.microsoft.com/office/drawing/2010/main" w="9525">
+                <a:solidFill>
+                  <a:srgbClr val="000000"/>
+                </a:solidFill>
+                <a:miter lim="800000"/>
+                <a:headEnd/>
+                <a:tailEnd/>
+              </a14:hiddenLine>
+            </a:ext>
+          </a:extLst>
+        </p:spPr>
+        <p:txBody>
+          <a:bodyPr vert="horz" wrap="square" lIns="68580" tIns="34290" rIns="68580" bIns="34290" numCol="1" anchor="t" anchorCtr="0" compatLnSpc="1">
+            <a:prstTxWarp prst="textNoShape">
+              <a:avLst/>
+            </a:prstTxWarp>
+          </a:bodyPr>
+          <a:lstStyle/>
+          <a:p>
+            <a:r>
+              <a:rPr lang="en-US" altLang="en-US" b="0">
+                <a:ea typeface="ＭＳ Ｐゴシック" charset="-128"/>
+              </a:rPr>
+              <a:t>Heavy lift for small tasks</a:t>
+            </a:r>
+          </a:p>
+          <a:p>
+            <a:r>
+              <a:rPr lang="en-US" altLang="en-US" b="0">
+                <a:ea typeface="ＭＳ Ｐゴシック" charset="-128"/>
+              </a:rPr>
+              <a:t>It can be impossible to know when a design is complete</a:t>
+            </a:r>
+          </a:p>
+          <a:p>
+            <a:r>
+              <a:rPr lang="en-US" altLang="en-US" b="0">
+                <a:ea typeface="ＭＳ Ｐゴシック" charset="-128"/>
+              </a:rPr>
+              <a:t>Others?</a:t>
+            </a:r>
+          </a:p>
+          <a:p>
+            <a:endParaRPr lang="en-US" altLang="en-US" b="0">
+              <a:ea typeface="ＭＳ Ｐゴシック" charset="-128"/>
+            </a:endParaRPr>
+          </a:p>
+          <a:p>
+            <a:endParaRPr lang="en-US" altLang="en-US" b="0">
+              <a:ea typeface="ＭＳ Ｐゴシック" charset="-128"/>
+            </a:endParaRPr>
+          </a:p>
+          <a:p>
+            <a:endParaRPr lang="en-US" altLang="en-US">
+              <a:ea typeface="ＭＳ Ｐゴシック" charset="-128"/>
+            </a:endParaRPr>
+          </a:p>
+          <a:p>
+            <a:endParaRPr lang="en-US" altLang="en-US">
+              <a:ea typeface="ＭＳ Ｐゴシック" charset="-128"/>
+            </a:endParaRPr>
+          </a:p>
+          <a:p>
+            <a:endParaRPr lang="en-US" altLang="en-US">
+              <a:ea typeface="ＭＳ Ｐゴシック" charset="-128"/>
+            </a:endParaRPr>
+          </a:p>
+        </p:txBody>
+      </p:sp>
+      <p:sp>
+        <p:nvSpPr>
+          <p:cNvPr id="24577" name="Title 4"/>
+          <p:cNvSpPr>
+            <a:spLocks noGrp="1"/>
+          </p:cNvSpPr>
+          <p:nvPr>
+            <p:ph type="title"/>
+          </p:nvPr>
+        </p:nvSpPr>
+        <p:spPr bwMode="auto">
+          <a:xfrm>
+            <a:off x="447922" y="463731"/>
+            <a:ext cx="8197109" cy="556429"/>
+          </a:xfrm>
+          <a:noFill/>
+          <a:extLst>
+            <a:ext uri="{909E8E84-426E-40DD-AFC4-6F175D3DCCD1}">
+              <a14:hiddenFill xmlns:a14="http://schemas.microsoft.com/office/drawing/2010/main">
+                <a:solidFill>
+                  <a:srgbClr val="FFFFFF"/>
+                </a:solidFill>
+              </a14:hiddenFill>
+            </a:ext>
+            <a:ext uri="{91240B29-F687-4F45-9708-019B960494DF}">
+              <a14:hiddenLine xmlns:a14="http://schemas.microsoft.com/office/drawing/2010/main" w="9525">
+                <a:solidFill>
+                  <a:srgbClr val="000000"/>
+                </a:solidFill>
+                <a:miter lim="800000"/>
+                <a:headEnd/>
+                <a:tailEnd/>
+              </a14:hiddenLine>
+            </a:ext>
+          </a:extLst>
+        </p:spPr>
+        <p:txBody>
+          <a:bodyPr vert="horz" wrap="square" lIns="68580" tIns="34290" rIns="68580" bIns="34290" numCol="1" anchor="t" anchorCtr="0" compatLnSpc="1">
+            <a:prstTxWarp prst="textNoShape">
+              <a:avLst/>
+            </a:prstTxWarp>
+          </a:bodyPr>
+          <a:lstStyle/>
+          <a:p>
+            <a:r>
+              <a:rPr lang="en-US" altLang="en-US">
+                <a:ea typeface="ＭＳ Ｐゴシック" charset="-128"/>
+              </a:rPr>
+              <a:t>Drawbacks of a Software Design</a:t>
+            </a:r>
+          </a:p>
+        </p:txBody>
+      </p:sp>
+    </p:spTree>
+    <p:extLst>
+      <p:ext uri="{BB962C8B-B14F-4D97-AF65-F5344CB8AC3E}">
+        <p14:creationId xmlns:p14="http://schemas.microsoft.com/office/powerpoint/2010/main" val="654272207"/>
+      </p:ext>
+    </p:extLst>
+  </p:cSld>
+  <p:clrMapOvr>
+    <a:masterClrMapping/>
+  </p:clrMapOvr>
+  <p:timing>
+    <p:tnLst>
+      <p:par>
+        <p:cTn id="1" dur="indefinite" restart="never" nodeType="tmRoot">
+          <p:childTnLst>
+            <p:seq concurrent="1" nextAc="seek">
+              <p:cTn id="2" dur="indefinite" nodeType="mainSeq">
+                <p:childTnLst>
+                  <p:par>
+                    <p:cTn id="3" fill="hold">
+                      <p:stCondLst>
+                        <p:cond delay="indefinite"/>
+                      </p:stCondLst>
+                      <p:childTnLst>
+                        <p:par>
+                          <p:cTn id="4" fill="hold">
+                            <p:stCondLst>
+                              <p:cond delay="0"/>
+                            </p:stCondLst>
+                            <p:childTnLst>
+                              <p:par>
+                                <p:cTn id="5" presetID="1" presetClass="entr" presetSubtype="0" fill="hold" nodeType="clickEffect">
+                                  <p:stCondLst>
+                                    <p:cond delay="0"/>
+                                  </p:stCondLst>
+                                  <p:childTnLst>
+                                    <p:set>
+                                      <p:cBhvr>
+                                        <p:cTn id="6" dur="1" fill="hold">
+                                          <p:stCondLst>
+                                            <p:cond delay="0"/>
+                                          </p:stCondLst>
+                                        </p:cTn>
+                                        <p:tgtEl>
+                                          <p:spTgt spid="24578">
+                                            <p:txEl>
+                                              <p:pRg st="0" end="0"/>
+                                            </p:txEl>
+                                          </p:spTgt>
+                                        </p:tgtEl>
+                                        <p:attrNameLst>
+                                          <p:attrName>style.visibility</p:attrName>
+                                        </p:attrNameLst>
+                                      </p:cBhvr>
+                                      <p:to>
+                                        <p:strVal val="visible"/>
+                                      </p:to>
+                                    </p:set>
+                                  </p:childTnLst>
+                                </p:cTn>
+                              </p:par>
+                            </p:childTnLst>
+                          </p:cTn>
+                        </p:par>
+                      </p:childTnLst>
+                    </p:cTn>
+                  </p:par>
+                  <p:par>
+                    <p:cTn id="7" fill="hold">
+                      <p:stCondLst>
+                        <p:cond delay="indefinite"/>
+                      </p:stCondLst>
+                      <p:childTnLst>
+                        <p:par>
+                          <p:cTn id="8" fill="hold">
+                            <p:stCondLst>
+                              <p:cond delay="0"/>
+                            </p:stCondLst>
+                            <p:childTnLst>
+                              <p:par>
+                                <p:cTn id="9" presetID="1" presetClass="entr" presetSubtype="0" fill="hold" nodeType="clickEffect">
+                                  <p:stCondLst>
+                                    <p:cond delay="0"/>
+                                  </p:stCondLst>
+                                  <p:childTnLst>
+                                    <p:set>
+                                      <p:cBhvr>
+                                        <p:cTn id="10" dur="1" fill="hold">
+                                          <p:stCondLst>
+                                            <p:cond delay="0"/>
+                                          </p:stCondLst>
+                                        </p:cTn>
+                                        <p:tgtEl>
+                                          <p:spTgt spid="24578">
+                                            <p:txEl>
+                                              <p:pRg st="1" end="1"/>
+                                            </p:txEl>
+                                          </p:spTgt>
+                                        </p:tgtEl>
+                                        <p:attrNameLst>
+                                          <p:attrName>style.visibility</p:attrName>
+                                        </p:attrNameLst>
+                                      </p:cBhvr>
+                                      <p:to>
+                                        <p:strVal val="visible"/>
+                                      </p:to>
+                                    </p:set>
+                                  </p:childTnLst>
+                                </p:cTn>
+                              </p:par>
+                            </p:childTnLst>
+                          </p:cTn>
+                        </p:par>
+                      </p:childTnLst>
+                    </p:cTn>
+                  </p:par>
+                  <p:par>
+                    <p:cTn id="11" fill="hold">
+                      <p:stCondLst>
+                        <p:cond delay="indefinite"/>
+                      </p:stCondLst>
+                      <p:childTnLst>
+                        <p:par>
+                          <p:cTn id="12" fill="hold">
+                            <p:stCondLst>
+                              <p:cond delay="0"/>
+                            </p:stCondLst>
+                            <p:childTnLst>
+                              <p:par>
+                                <p:cTn id="13" presetID="1" presetClass="entr" presetSubtype="0" fill="hold" nodeType="clickEffect">
+                                  <p:stCondLst>
+                                    <p:cond delay="0"/>
+                                  </p:stCondLst>
+                                  <p:childTnLst>
+                                    <p:set>
+                                      <p:cBhvr>
+                                        <p:cTn id="14" dur="1" fill="hold">
+                                          <p:stCondLst>
+                                            <p:cond delay="0"/>
+                                          </p:stCondLst>
+                                        </p:cTn>
+                                        <p:tgtEl>
+                                          <p:spTgt spid="24578">
+                                            <p:txEl>
+                                              <p:pRg st="2" end="2"/>
+                                            </p:txEl>
+                                          </p:spTgt>
+                                        </p:tgtEl>
+                                        <p:attrNameLst>
+                                          <p:attrName>style.visibility</p:attrName>
+                                        </p:attrNameLst>
+                                      </p:cBhvr>
+                                      <p:to>
+                                        <p:strVal val="visible"/>
+                                      </p:to>
+                                    </p:set>
+                                  </p:childTnLst>
+                                </p:cTn>
+                              </p:par>
+                            </p:childTnLst>
+                          </p:cTn>
+                        </p:par>
+                      </p:childTnLst>
+                    </p:cTn>
+                  </p:par>
+                </p:childTnLst>
+              </p:cTn>
+              <p:prevCondLst>
+                <p:cond evt="onPrev" delay="0">
+                  <p:tgtEl>
+                    <p:sldTgt/>
+                  </p:tgtEl>
+                </p:cond>
+              </p:prevCondLst>
+              <p:nextCondLst>
+                <p:cond evt="onNext" delay="0">
+                  <p:tgtEl>
+                    <p:sldTgt/>
+                  </p:tgtEl>
+                </p:cond>
+              </p:nextCondLst>
+            </p:seq>
+          </p:childTnLst>
+        </p:cTn>
+      </p:par>
+    </p:tnLst>
+  </p:timing>
+</p:sld>
+</file>
+
+<file path=ppt/slides/slide60.xml><?xml version="1.0" encoding="utf-8"?>
 <p:sld xmlns:a="http://schemas.openxmlformats.org/drawingml/2006/main" xmlns:r="http://schemas.openxmlformats.org/officeDocument/2006/relationships" xmlns:p="http://schemas.openxmlformats.org/presentationml/2006/main">
   <p:cSld>
     <p:spTree>
@@ -23125,7 +23194,7 @@
 </p:sld>
 </file>
 
-<file path=ppt/slides/slide62.xml><?xml version="1.0" encoding="utf-8"?>
+<file path=ppt/slides/slide61.xml><?xml version="1.0" encoding="utf-8"?>
 <p:sld xmlns:a="http://schemas.openxmlformats.org/drawingml/2006/main" xmlns:r="http://schemas.openxmlformats.org/officeDocument/2006/relationships" xmlns:p="http://schemas.openxmlformats.org/presentationml/2006/main">
   <p:cSld>
     <p:spTree>
@@ -23328,7 +23397,7 @@
 </p:sld>
 </file>
 
-<file path=ppt/slides/slide63.xml><?xml version="1.0" encoding="utf-8"?>
+<file path=ppt/slides/slide62.xml><?xml version="1.0" encoding="utf-8"?>
 <p:sld xmlns:a="http://schemas.openxmlformats.org/drawingml/2006/main" xmlns:r="http://schemas.openxmlformats.org/officeDocument/2006/relationships" xmlns:p="http://schemas.openxmlformats.org/presentationml/2006/main">
   <p:cSld>
     <p:spTree>
@@ -23508,7 +23577,7 @@
 </p:sld>
 </file>
 
-<file path=ppt/slides/slide64.xml><?xml version="1.0" encoding="utf-8"?>
+<file path=ppt/slides/slide63.xml><?xml version="1.0" encoding="utf-8"?>
 <p:sld xmlns:a="http://schemas.openxmlformats.org/drawingml/2006/main" xmlns:r="http://schemas.openxmlformats.org/officeDocument/2006/relationships" xmlns:p="http://schemas.openxmlformats.org/presentationml/2006/main">
   <p:cSld>
     <p:spTree>
@@ -24092,7 +24161,7 @@
 </p:sld>
 </file>
 
-<file path=ppt/slides/slide65.xml><?xml version="1.0" encoding="utf-8"?>
+<file path=ppt/slides/slide64.xml><?xml version="1.0" encoding="utf-8"?>
 <p:sld xmlns:a="http://schemas.openxmlformats.org/drawingml/2006/main" xmlns:r="http://schemas.openxmlformats.org/officeDocument/2006/relationships" xmlns:p="http://schemas.openxmlformats.org/presentationml/2006/main">
   <p:cSld>
     <p:spTree>
@@ -24290,7 +24359,7 @@
 </p:sld>
 </file>
 
-<file path=ppt/slides/slide66.xml><?xml version="1.0" encoding="utf-8"?>
+<file path=ppt/slides/slide65.xml><?xml version="1.0" encoding="utf-8"?>
 <p:sld xmlns:a="http://schemas.openxmlformats.org/drawingml/2006/main" xmlns:r="http://schemas.openxmlformats.org/officeDocument/2006/relationships" xmlns:p="http://schemas.openxmlformats.org/presentationml/2006/main">
   <p:cSld>
     <p:spTree>
@@ -24869,7 +24938,7 @@
 </p:sld>
 </file>
 
-<file path=ppt/slides/slide67.xml><?xml version="1.0" encoding="utf-8"?>
+<file path=ppt/slides/slide66.xml><?xml version="1.0" encoding="utf-8"?>
 <p:sld xmlns:a="http://schemas.openxmlformats.org/drawingml/2006/main" xmlns:r="http://schemas.openxmlformats.org/officeDocument/2006/relationships" xmlns:p="http://schemas.openxmlformats.org/presentationml/2006/main">
   <p:cSld>
     <p:spTree>
@@ -25089,7 +25158,7 @@
 </p:sld>
 </file>
 
-<file path=ppt/slides/slide68.xml><?xml version="1.0" encoding="utf-8"?>
+<file path=ppt/slides/slide67.xml><?xml version="1.0" encoding="utf-8"?>
 <p:sld xmlns:a="http://schemas.openxmlformats.org/drawingml/2006/main" xmlns:r="http://schemas.openxmlformats.org/officeDocument/2006/relationships" xmlns:p="http://schemas.openxmlformats.org/presentationml/2006/main">
   <p:cSld>
     <p:spTree>
@@ -25642,7 +25711,7 @@
 </p:sld>
 </file>
 
-<file path=ppt/slides/slide69.xml><?xml version="1.0" encoding="utf-8"?>
+<file path=ppt/slides/slide68.xml><?xml version="1.0" encoding="utf-8"?>
 <p:sld xmlns:a="http://schemas.openxmlformats.org/drawingml/2006/main" xmlns:r="http://schemas.openxmlformats.org/officeDocument/2006/relationships" xmlns:p="http://schemas.openxmlformats.org/presentationml/2006/main">
   <p:cSld>
     <p:spTree>
@@ -26056,361 +26125,7 @@
 </p:sld>
 </file>
 
-<file path=ppt/slides/slide7.xml><?xml version="1.0" encoding="utf-8"?>
-<p:sld xmlns:a="http://schemas.openxmlformats.org/drawingml/2006/main" xmlns:r="http://schemas.openxmlformats.org/officeDocument/2006/relationships" xmlns:p="http://schemas.openxmlformats.org/presentationml/2006/main">
-  <p:cSld>
-    <p:spTree>
-      <p:nvGrpSpPr>
-        <p:cNvPr id="1" name=""/>
-        <p:cNvGrpSpPr/>
-        <p:nvPr/>
-      </p:nvGrpSpPr>
-      <p:grpSpPr>
-        <a:xfrm>
-          <a:off x="0" y="0"/>
-          <a:ext cx="0" cy="0"/>
-          <a:chOff x="0" y="0"/>
-          <a:chExt cx="0" cy="0"/>
-        </a:xfrm>
-      </p:grpSpPr>
-      <p:sp>
-        <p:nvSpPr>
-          <p:cNvPr id="24578" name="Content Placeholder 5"/>
-          <p:cNvSpPr>
-            <a:spLocks noGrp="1"/>
-          </p:cNvSpPr>
-          <p:nvPr>
-            <p:ph type="body" idx="1"/>
-          </p:nvPr>
-        </p:nvSpPr>
-        <p:spPr bwMode="auto">
-          <a:xfrm>
-            <a:off x="447923" y="1305217"/>
-            <a:ext cx="8565448" cy="2856880"/>
-          </a:xfrm>
-          <a:noFill/>
-          <a:extLst>
-            <a:ext uri="{909E8E84-426E-40DD-AFC4-6F175D3DCCD1}">
-              <a14:hiddenFill xmlns:a14="http://schemas.microsoft.com/office/drawing/2010/main">
-                <a:solidFill>
-                  <a:srgbClr val="FFFFFF"/>
-                </a:solidFill>
-              </a14:hiddenFill>
-            </a:ext>
-            <a:ext uri="{91240B29-F687-4F45-9708-019B960494DF}">
-              <a14:hiddenLine xmlns:a14="http://schemas.microsoft.com/office/drawing/2010/main" w="9525">
-                <a:solidFill>
-                  <a:srgbClr val="000000"/>
-                </a:solidFill>
-                <a:miter lim="800000"/>
-                <a:headEnd/>
-                <a:tailEnd/>
-              </a14:hiddenLine>
-            </a:ext>
-          </a:extLst>
-        </p:spPr>
-        <p:txBody>
-          <a:bodyPr vert="horz" wrap="square" lIns="68580" tIns="34290" rIns="68580" bIns="34290" numCol="1" anchor="t" anchorCtr="0" compatLnSpc="1">
-            <a:prstTxWarp prst="textNoShape">
-              <a:avLst/>
-            </a:prstTxWarp>
-          </a:bodyPr>
-          <a:lstStyle/>
-          <a:p>
-            <a:r>
-              <a:rPr lang="en-US" altLang="en-US" b="0">
-                <a:ea typeface="ＭＳ Ｐゴシック" charset="-128"/>
-              </a:rPr>
-              <a:t>Heavy lift for small tasks</a:t>
-            </a:r>
-          </a:p>
-          <a:p>
-            <a:r>
-              <a:rPr lang="en-US" altLang="en-US" b="0">
-                <a:ea typeface="ＭＳ Ｐゴシック" charset="-128"/>
-              </a:rPr>
-              <a:t>It can be impossible to know when a design is complete</a:t>
-            </a:r>
-          </a:p>
-          <a:p>
-            <a:r>
-              <a:rPr lang="en-US" altLang="en-US" b="0">
-                <a:ea typeface="ＭＳ Ｐゴシック" charset="-128"/>
-              </a:rPr>
-              <a:t>Others?</a:t>
-            </a:r>
-          </a:p>
-          <a:p>
-            <a:endParaRPr lang="en-US" altLang="en-US" b="0">
-              <a:ea typeface="ＭＳ Ｐゴシック" charset="-128"/>
-            </a:endParaRPr>
-          </a:p>
-          <a:p>
-            <a:endParaRPr lang="en-US" altLang="en-US" b="0">
-              <a:ea typeface="ＭＳ Ｐゴシック" charset="-128"/>
-            </a:endParaRPr>
-          </a:p>
-          <a:p>
-            <a:endParaRPr lang="en-US" altLang="en-US">
-              <a:ea typeface="ＭＳ Ｐゴシック" charset="-128"/>
-            </a:endParaRPr>
-          </a:p>
-          <a:p>
-            <a:endParaRPr lang="en-US" altLang="en-US">
-              <a:ea typeface="ＭＳ Ｐゴシック" charset="-128"/>
-            </a:endParaRPr>
-          </a:p>
-          <a:p>
-            <a:endParaRPr lang="en-US" altLang="en-US">
-              <a:ea typeface="ＭＳ Ｐゴシック" charset="-128"/>
-            </a:endParaRPr>
-          </a:p>
-        </p:txBody>
-      </p:sp>
-      <p:sp>
-        <p:nvSpPr>
-          <p:cNvPr id="24577" name="Title 4"/>
-          <p:cNvSpPr>
-            <a:spLocks noGrp="1"/>
-          </p:cNvSpPr>
-          <p:nvPr>
-            <p:ph type="title"/>
-          </p:nvPr>
-        </p:nvSpPr>
-        <p:spPr bwMode="auto">
-          <a:xfrm>
-            <a:off x="447922" y="463731"/>
-            <a:ext cx="8197109" cy="556429"/>
-          </a:xfrm>
-          <a:noFill/>
-          <a:extLst>
-            <a:ext uri="{909E8E84-426E-40DD-AFC4-6F175D3DCCD1}">
-              <a14:hiddenFill xmlns:a14="http://schemas.microsoft.com/office/drawing/2010/main">
-                <a:solidFill>
-                  <a:srgbClr val="FFFFFF"/>
-                </a:solidFill>
-              </a14:hiddenFill>
-            </a:ext>
-            <a:ext uri="{91240B29-F687-4F45-9708-019B960494DF}">
-              <a14:hiddenLine xmlns:a14="http://schemas.microsoft.com/office/drawing/2010/main" w="9525">
-                <a:solidFill>
-                  <a:srgbClr val="000000"/>
-                </a:solidFill>
-                <a:miter lim="800000"/>
-                <a:headEnd/>
-                <a:tailEnd/>
-              </a14:hiddenLine>
-            </a:ext>
-          </a:extLst>
-        </p:spPr>
-        <p:txBody>
-          <a:bodyPr vert="horz" wrap="square" lIns="68580" tIns="34290" rIns="68580" bIns="34290" numCol="1" anchor="t" anchorCtr="0" compatLnSpc="1">
-            <a:prstTxWarp prst="textNoShape">
-              <a:avLst/>
-            </a:prstTxWarp>
-          </a:bodyPr>
-          <a:lstStyle/>
-          <a:p>
-            <a:r>
-              <a:rPr lang="en-US" altLang="en-US">
-                <a:ea typeface="ＭＳ Ｐゴシック" charset="-128"/>
-              </a:rPr>
-              <a:t>Drawbacks of a Software Design</a:t>
-            </a:r>
-          </a:p>
-        </p:txBody>
-      </p:sp>
-    </p:spTree>
-    <p:extLst>
-      <p:ext uri="{BB962C8B-B14F-4D97-AF65-F5344CB8AC3E}">
-        <p14:creationId xmlns:p14="http://schemas.microsoft.com/office/powerpoint/2010/main" val="654272207"/>
-      </p:ext>
-    </p:extLst>
-  </p:cSld>
-  <p:clrMapOvr>
-    <a:masterClrMapping/>
-  </p:clrMapOvr>
-  <p:timing>
-    <p:tnLst>
-      <p:par>
-        <p:cTn id="1" dur="indefinite" restart="never" nodeType="tmRoot">
-          <p:childTnLst>
-            <p:seq concurrent="1" nextAc="seek">
-              <p:cTn id="2" dur="indefinite" nodeType="mainSeq">
-                <p:childTnLst>
-                  <p:par>
-                    <p:cTn id="3" fill="hold">
-                      <p:stCondLst>
-                        <p:cond delay="indefinite"/>
-                      </p:stCondLst>
-                      <p:childTnLst>
-                        <p:par>
-                          <p:cTn id="4" fill="hold">
-                            <p:stCondLst>
-                              <p:cond delay="0"/>
-                            </p:stCondLst>
-                            <p:childTnLst>
-                              <p:par>
-                                <p:cTn id="5" presetID="1" presetClass="entr" presetSubtype="0" fill="hold" nodeType="clickEffect">
-                                  <p:stCondLst>
-                                    <p:cond delay="0"/>
-                                  </p:stCondLst>
-                                  <p:childTnLst>
-                                    <p:set>
-                                      <p:cBhvr>
-                                        <p:cTn id="6" dur="1" fill="hold">
-                                          <p:stCondLst>
-                                            <p:cond delay="0"/>
-                                          </p:stCondLst>
-                                        </p:cTn>
-                                        <p:tgtEl>
-                                          <p:spTgt spid="24578">
-                                            <p:txEl>
-                                              <p:pRg st="0" end="0"/>
-                                            </p:txEl>
-                                          </p:spTgt>
-                                        </p:tgtEl>
-                                        <p:attrNameLst>
-                                          <p:attrName>style.visibility</p:attrName>
-                                        </p:attrNameLst>
-                                      </p:cBhvr>
-                                      <p:to>
-                                        <p:strVal val="visible"/>
-                                      </p:to>
-                                    </p:set>
-                                  </p:childTnLst>
-                                </p:cTn>
-                              </p:par>
-                            </p:childTnLst>
-                          </p:cTn>
-                        </p:par>
-                      </p:childTnLst>
-                    </p:cTn>
-                  </p:par>
-                  <p:par>
-                    <p:cTn id="7" fill="hold">
-                      <p:stCondLst>
-                        <p:cond delay="indefinite"/>
-                      </p:stCondLst>
-                      <p:childTnLst>
-                        <p:par>
-                          <p:cTn id="8" fill="hold">
-                            <p:stCondLst>
-                              <p:cond delay="0"/>
-                            </p:stCondLst>
-                            <p:childTnLst>
-                              <p:par>
-                                <p:cTn id="9" presetID="1" presetClass="entr" presetSubtype="0" fill="hold" nodeType="clickEffect">
-                                  <p:stCondLst>
-                                    <p:cond delay="0"/>
-                                  </p:stCondLst>
-                                  <p:childTnLst>
-                                    <p:set>
-                                      <p:cBhvr>
-                                        <p:cTn id="10" dur="1" fill="hold">
-                                          <p:stCondLst>
-                                            <p:cond delay="0"/>
-                                          </p:stCondLst>
-                                        </p:cTn>
-                                        <p:tgtEl>
-                                          <p:spTgt spid="24578">
-                                            <p:txEl>
-                                              <p:pRg st="1" end="1"/>
-                                            </p:txEl>
-                                          </p:spTgt>
-                                        </p:tgtEl>
-                                        <p:attrNameLst>
-                                          <p:attrName>style.visibility</p:attrName>
-                                        </p:attrNameLst>
-                                      </p:cBhvr>
-                                      <p:to>
-                                        <p:strVal val="visible"/>
-                                      </p:to>
-                                    </p:set>
-                                  </p:childTnLst>
-                                </p:cTn>
-                              </p:par>
-                            </p:childTnLst>
-                          </p:cTn>
-                        </p:par>
-                      </p:childTnLst>
-                    </p:cTn>
-                  </p:par>
-                  <p:par>
-                    <p:cTn id="11" fill="hold">
-                      <p:stCondLst>
-                        <p:cond delay="indefinite"/>
-                      </p:stCondLst>
-                      <p:childTnLst>
-                        <p:par>
-                          <p:cTn id="12" fill="hold">
-                            <p:stCondLst>
-                              <p:cond delay="0"/>
-                            </p:stCondLst>
-                            <p:childTnLst>
-                              <p:par>
-                                <p:cTn id="13" presetID="1" presetClass="entr" presetSubtype="0" fill="hold" nodeType="clickEffect">
-                                  <p:stCondLst>
-                                    <p:cond delay="0"/>
-                                  </p:stCondLst>
-                                  <p:childTnLst>
-                                    <p:set>
-                                      <p:cBhvr>
-                                        <p:cTn id="14" dur="1" fill="hold">
-                                          <p:stCondLst>
-                                            <p:cond delay="0"/>
-                                          </p:stCondLst>
-                                        </p:cTn>
-                                        <p:tgtEl>
-                                          <p:spTgt spid="24578">
-                                            <p:txEl>
-                                              <p:pRg st="2" end="2"/>
-                                            </p:txEl>
-                                          </p:spTgt>
-                                        </p:tgtEl>
-                                        <p:attrNameLst>
-                                          <p:attrName>style.visibility</p:attrName>
-                                        </p:attrNameLst>
-                                      </p:cBhvr>
-                                      <p:to>
-                                        <p:strVal val="visible"/>
-                                      </p:to>
-                                    </p:set>
-                                  </p:childTnLst>
-                                </p:cTn>
-                              </p:par>
-                            </p:childTnLst>
-                          </p:cTn>
-                        </p:par>
-                      </p:childTnLst>
-                    </p:cTn>
-                  </p:par>
-                </p:childTnLst>
-              </p:cTn>
-              <p:prevCondLst>
-                <p:cond evt="onPrev" delay="0">
-                  <p:tgtEl>
-                    <p:sldTgt/>
-                  </p:tgtEl>
-                </p:cond>
-              </p:prevCondLst>
-              <p:nextCondLst>
-                <p:cond evt="onNext" delay="0">
-                  <p:tgtEl>
-                    <p:sldTgt/>
-                  </p:tgtEl>
-                </p:cond>
-              </p:nextCondLst>
-            </p:seq>
-          </p:childTnLst>
-        </p:cTn>
-      </p:par>
-    </p:tnLst>
-  </p:timing>
-</p:sld>
-</file>
-
-<file path=ppt/slides/slide70.xml><?xml version="1.0" encoding="utf-8"?>
+<file path=ppt/slides/slide69.xml><?xml version="1.0" encoding="utf-8"?>
 <p:sld xmlns:a="http://schemas.openxmlformats.org/drawingml/2006/main" xmlns:r="http://schemas.openxmlformats.org/officeDocument/2006/relationships" xmlns:p="http://schemas.openxmlformats.org/presentationml/2006/main">
   <p:cSld>
     <p:spTree>
@@ -26806,7 +26521,395 @@
 </p:sld>
 </file>
 
-<file path=ppt/slides/slide71.xml><?xml version="1.0" encoding="utf-8"?>
+<file path=ppt/slides/slide7.xml><?xml version="1.0" encoding="utf-8"?>
+<p:sld xmlns:a="http://schemas.openxmlformats.org/drawingml/2006/main" xmlns:r="http://schemas.openxmlformats.org/officeDocument/2006/relationships" xmlns:p="http://schemas.openxmlformats.org/presentationml/2006/main">
+  <p:cSld>
+    <p:spTree>
+      <p:nvGrpSpPr>
+        <p:cNvPr id="1" name=""/>
+        <p:cNvGrpSpPr/>
+        <p:nvPr/>
+      </p:nvGrpSpPr>
+      <p:grpSpPr>
+        <a:xfrm>
+          <a:off x="0" y="0"/>
+          <a:ext cx="0" cy="0"/>
+          <a:chOff x="0" y="0"/>
+          <a:chExt cx="0" cy="0"/>
+        </a:xfrm>
+      </p:grpSpPr>
+      <p:sp>
+        <p:nvSpPr>
+          <p:cNvPr id="24577" name="Title 4"/>
+          <p:cNvSpPr>
+            <a:spLocks noGrp="1"/>
+          </p:cNvSpPr>
+          <p:nvPr>
+            <p:ph type="title"/>
+          </p:nvPr>
+        </p:nvSpPr>
+        <p:spPr bwMode="auto">
+          <a:xfrm>
+            <a:off x="447922" y="463731"/>
+            <a:ext cx="8197109" cy="556429"/>
+          </a:xfrm>
+          <a:noFill/>
+          <a:extLst>
+            <a:ext uri="{909E8E84-426E-40DD-AFC4-6F175D3DCCD1}">
+              <a14:hiddenFill xmlns:a14="http://schemas.microsoft.com/office/drawing/2010/main">
+                <a:solidFill>
+                  <a:srgbClr val="FFFFFF"/>
+                </a:solidFill>
+              </a14:hiddenFill>
+            </a:ext>
+            <a:ext uri="{91240B29-F687-4F45-9708-019B960494DF}">
+              <a14:hiddenLine xmlns:a14="http://schemas.microsoft.com/office/drawing/2010/main" w="9525">
+                <a:solidFill>
+                  <a:srgbClr val="000000"/>
+                </a:solidFill>
+                <a:miter lim="800000"/>
+                <a:headEnd/>
+                <a:tailEnd/>
+              </a14:hiddenLine>
+            </a:ext>
+          </a:extLst>
+        </p:spPr>
+        <p:txBody>
+          <a:bodyPr vert="horz" wrap="square" lIns="68580" tIns="34290" rIns="68580" bIns="34290" numCol="1" anchor="t" anchorCtr="0" compatLnSpc="1">
+            <a:prstTxWarp prst="textNoShape">
+              <a:avLst/>
+            </a:prstTxWarp>
+          </a:bodyPr>
+          <a:lstStyle/>
+          <a:p>
+            <a:r>
+              <a:rPr lang="en-US" altLang="en-US" dirty="0">
+                <a:ea typeface="ＭＳ Ｐゴシック" charset="-128"/>
+              </a:rPr>
+              <a:t>Design fails</a:t>
+            </a:r>
+          </a:p>
+        </p:txBody>
+      </p:sp>
+      <p:sp>
+        <p:nvSpPr>
+          <p:cNvPr id="2" name="Text Placeholder 1">
+            <a:extLst>
+              <a:ext uri="{FF2B5EF4-FFF2-40B4-BE49-F238E27FC236}">
+                <a16:creationId xmlns:a16="http://schemas.microsoft.com/office/drawing/2014/main" id="{102C18FC-5752-2D16-DA81-9381764BF1A6}"/>
+              </a:ext>
+            </a:extLst>
+          </p:cNvPr>
+          <p:cNvSpPr>
+            <a:spLocks noGrp="1"/>
+          </p:cNvSpPr>
+          <p:nvPr>
+            <p:ph type="body" idx="1"/>
+          </p:nvPr>
+        </p:nvSpPr>
+        <p:spPr>
+          <a:xfrm>
+            <a:off x="447922" y="1305217"/>
+            <a:ext cx="8517657" cy="2365901"/>
+          </a:xfrm>
+        </p:spPr>
+        <p:txBody>
+          <a:bodyPr/>
+          <a:lstStyle/>
+          <a:p>
+            <a:r>
+              <a:rPr lang="en-US" b="0"/>
+              <a:t>Mars Climate Orbiter (1998-1999)</a:t>
+            </a:r>
+          </a:p>
+          <a:p>
+            <a:pPr lvl="1"/>
+            <a:r>
+              <a:rPr lang="en-US" b="0"/>
+              <a:t>$551 million in 2022 USD</a:t>
+            </a:r>
+          </a:p>
+          <a:p>
+            <a:pPr lvl="1"/>
+            <a:r>
+              <a:rPr lang="en-US"/>
+              <a:t>NASA and Lockheed Martin did not specify units in design</a:t>
+            </a:r>
+          </a:p>
+          <a:p>
+            <a:pPr lvl="2"/>
+            <a:r>
+              <a:rPr lang="en-US" b="0"/>
+              <a:t>Two separate systems interacted during injection burn</a:t>
+            </a:r>
+          </a:p>
+          <a:p>
+            <a:pPr lvl="2"/>
+            <a:r>
+              <a:rPr lang="en-US" b="0"/>
+              <a:t>Foot/pounds = 1.356 Newton-meters</a:t>
+            </a:r>
+          </a:p>
+          <a:p>
+            <a:pPr lvl="1"/>
+            <a:r>
+              <a:rPr lang="en-US" b="0"/>
+              <a:t>Bounced of Martian atmosphere circling the sun today</a:t>
+            </a:r>
+          </a:p>
+        </p:txBody>
+      </p:sp>
+      <p:pic>
+        <p:nvPicPr>
+          <p:cNvPr id="1026" name="Picture 2" descr="Mars Climate Orbiter, artist design.">
+            <a:extLst>
+              <a:ext uri="{FF2B5EF4-FFF2-40B4-BE49-F238E27FC236}">
+                <a16:creationId xmlns:a16="http://schemas.microsoft.com/office/drawing/2014/main" id="{16FAE1CE-9C18-E340-6FC9-60D27843950F}"/>
+              </a:ext>
+            </a:extLst>
+          </p:cNvPr>
+          <p:cNvPicPr>
+            <a:picLocks noChangeAspect="1" noChangeArrowheads="1"/>
+          </p:cNvPicPr>
+          <p:nvPr/>
+        </p:nvPicPr>
+        <p:blipFill>
+          <a:blip r:embed="rId2">
+            <a:extLst>
+              <a:ext uri="{28A0092B-C50C-407E-A947-70E740481C1C}">
+                <a14:useLocalDpi xmlns:a14="http://schemas.microsoft.com/office/drawing/2010/main" val="0"/>
+              </a:ext>
+            </a:extLst>
+          </a:blip>
+          <a:srcRect/>
+          <a:stretch>
+            <a:fillRect/>
+          </a:stretch>
+        </p:blipFill>
+        <p:spPr bwMode="auto">
+          <a:xfrm>
+            <a:off x="6775759" y="299739"/>
+            <a:ext cx="1780943" cy="1616548"/>
+          </a:xfrm>
+          <a:prstGeom prst="rect">
+            <a:avLst/>
+          </a:prstGeom>
+          <a:noFill/>
+          <a:extLst>
+            <a:ext uri="{909E8E84-426E-40DD-AFC4-6F175D3DCCD1}">
+              <a14:hiddenFill xmlns:a14="http://schemas.microsoft.com/office/drawing/2010/main">
+                <a:solidFill>
+                  <a:srgbClr val="FFFFFF"/>
+                </a:solidFill>
+              </a14:hiddenFill>
+            </a:ext>
+          </a:extLst>
+        </p:spPr>
+      </p:pic>
+    </p:spTree>
+    <p:extLst>
+      <p:ext uri="{BB962C8B-B14F-4D97-AF65-F5344CB8AC3E}">
+        <p14:creationId xmlns:p14="http://schemas.microsoft.com/office/powerpoint/2010/main" val="1285992907"/>
+      </p:ext>
+    </p:extLst>
+  </p:cSld>
+  <p:clrMapOvr>
+    <a:masterClrMapping/>
+  </p:clrMapOvr>
+  <p:timing>
+    <p:tnLst>
+      <p:par>
+        <p:cTn id="1" dur="indefinite" restart="never" nodeType="tmRoot">
+          <p:childTnLst>
+            <p:seq concurrent="1" nextAc="seek">
+              <p:cTn id="2" dur="indefinite" nodeType="mainSeq">
+                <p:childTnLst>
+                  <p:par>
+                    <p:cTn id="3" fill="hold">
+                      <p:stCondLst>
+                        <p:cond delay="indefinite"/>
+                      </p:stCondLst>
+                      <p:childTnLst>
+                        <p:par>
+                          <p:cTn id="4" fill="hold">
+                            <p:stCondLst>
+                              <p:cond delay="0"/>
+                            </p:stCondLst>
+                            <p:childTnLst>
+                              <p:par>
+                                <p:cTn id="5" presetID="1" presetClass="entr" presetSubtype="0" fill="hold" nodeType="clickEffect">
+                                  <p:stCondLst>
+                                    <p:cond delay="0"/>
+                                  </p:stCondLst>
+                                  <p:childTnLst>
+                                    <p:set>
+                                      <p:cBhvr>
+                                        <p:cTn id="6" dur="1" fill="hold">
+                                          <p:stCondLst>
+                                            <p:cond delay="0"/>
+                                          </p:stCondLst>
+                                        </p:cTn>
+                                        <p:tgtEl>
+                                          <p:spTgt spid="2">
+                                            <p:txEl>
+                                              <p:pRg st="2" end="2"/>
+                                            </p:txEl>
+                                          </p:spTgt>
+                                        </p:tgtEl>
+                                        <p:attrNameLst>
+                                          <p:attrName>style.visibility</p:attrName>
+                                        </p:attrNameLst>
+                                      </p:cBhvr>
+                                      <p:to>
+                                        <p:strVal val="visible"/>
+                                      </p:to>
+                                    </p:set>
+                                  </p:childTnLst>
+                                </p:cTn>
+                              </p:par>
+                              <p:par>
+                                <p:cTn id="7" presetID="1" presetClass="entr" presetSubtype="0" fill="hold" nodeType="withEffect">
+                                  <p:stCondLst>
+                                    <p:cond delay="0"/>
+                                  </p:stCondLst>
+                                  <p:childTnLst>
+                                    <p:set>
+                                      <p:cBhvr>
+                                        <p:cTn id="8" dur="1" fill="hold">
+                                          <p:stCondLst>
+                                            <p:cond delay="0"/>
+                                          </p:stCondLst>
+                                        </p:cTn>
+                                        <p:tgtEl>
+                                          <p:spTgt spid="2">
+                                            <p:txEl>
+                                              <p:pRg st="3" end="3"/>
+                                            </p:txEl>
+                                          </p:spTgt>
+                                        </p:tgtEl>
+                                        <p:attrNameLst>
+                                          <p:attrName>style.visibility</p:attrName>
+                                        </p:attrNameLst>
+                                      </p:cBhvr>
+                                      <p:to>
+                                        <p:strVal val="visible"/>
+                                      </p:to>
+                                    </p:set>
+                                  </p:childTnLst>
+                                </p:cTn>
+                              </p:par>
+                              <p:par>
+                                <p:cTn id="9" presetID="1" presetClass="entr" presetSubtype="0" fill="hold" nodeType="withEffect">
+                                  <p:stCondLst>
+                                    <p:cond delay="0"/>
+                                  </p:stCondLst>
+                                  <p:childTnLst>
+                                    <p:set>
+                                      <p:cBhvr>
+                                        <p:cTn id="10" dur="1" fill="hold">
+                                          <p:stCondLst>
+                                            <p:cond delay="0"/>
+                                          </p:stCondLst>
+                                        </p:cTn>
+                                        <p:tgtEl>
+                                          <p:spTgt spid="2">
+                                            <p:txEl>
+                                              <p:pRg st="4" end="4"/>
+                                            </p:txEl>
+                                          </p:spTgt>
+                                        </p:tgtEl>
+                                        <p:attrNameLst>
+                                          <p:attrName>style.visibility</p:attrName>
+                                        </p:attrNameLst>
+                                      </p:cBhvr>
+                                      <p:to>
+                                        <p:strVal val="visible"/>
+                                      </p:to>
+                                    </p:set>
+                                  </p:childTnLst>
+                                </p:cTn>
+                              </p:par>
+                            </p:childTnLst>
+                          </p:cTn>
+                        </p:par>
+                      </p:childTnLst>
+                    </p:cTn>
+                  </p:par>
+                  <p:par>
+                    <p:cTn id="11" fill="hold">
+                      <p:stCondLst>
+                        <p:cond delay="indefinite"/>
+                      </p:stCondLst>
+                      <p:childTnLst>
+                        <p:par>
+                          <p:cTn id="12" fill="hold">
+                            <p:stCondLst>
+                              <p:cond delay="0"/>
+                            </p:stCondLst>
+                            <p:childTnLst>
+                              <p:par>
+                                <p:cTn id="13" presetID="1" presetClass="entr" presetSubtype="0" fill="hold" nodeType="clickEffect">
+                                  <p:stCondLst>
+                                    <p:cond delay="0"/>
+                                  </p:stCondLst>
+                                  <p:childTnLst>
+                                    <p:set>
+                                      <p:cBhvr>
+                                        <p:cTn id="14" dur="1" fill="hold">
+                                          <p:stCondLst>
+                                            <p:cond delay="0"/>
+                                          </p:stCondLst>
+                                        </p:cTn>
+                                        <p:tgtEl>
+                                          <p:spTgt spid="2">
+                                            <p:txEl>
+                                              <p:pRg st="5" end="5"/>
+                                            </p:txEl>
+                                          </p:spTgt>
+                                        </p:tgtEl>
+                                        <p:attrNameLst>
+                                          <p:attrName>style.visibility</p:attrName>
+                                        </p:attrNameLst>
+                                      </p:cBhvr>
+                                      <p:to>
+                                        <p:strVal val="visible"/>
+                                      </p:to>
+                                    </p:set>
+                                  </p:childTnLst>
+                                </p:cTn>
+                              </p:par>
+                            </p:childTnLst>
+                          </p:cTn>
+                        </p:par>
+                      </p:childTnLst>
+                    </p:cTn>
+                  </p:par>
+                </p:childTnLst>
+              </p:cTn>
+              <p:prevCondLst>
+                <p:cond evt="onPrev" delay="0">
+                  <p:tgtEl>
+                    <p:sldTgt/>
+                  </p:tgtEl>
+                </p:cond>
+              </p:prevCondLst>
+              <p:nextCondLst>
+                <p:cond evt="onNext" delay="0">
+                  <p:tgtEl>
+                    <p:sldTgt/>
+                  </p:tgtEl>
+                </p:cond>
+              </p:nextCondLst>
+            </p:seq>
+          </p:childTnLst>
+        </p:cTn>
+      </p:par>
+    </p:tnLst>
+  </p:timing>
+</p:sld>
+</file>
+
+<file path=ppt/slides/slide70.xml><?xml version="1.0" encoding="utf-8"?>
 <p:sld xmlns:a="http://schemas.openxmlformats.org/drawingml/2006/main" xmlns:r="http://schemas.openxmlformats.org/officeDocument/2006/relationships" xmlns:p="http://schemas.openxmlformats.org/presentationml/2006/main">
   <p:cSld>
     <p:spTree>
@@ -27263,7 +27366,7 @@
 </p:sld>
 </file>
 
-<file path=ppt/slides/slide72.xml><?xml version="1.0" encoding="utf-8"?>
+<file path=ppt/slides/slide71.xml><?xml version="1.0" encoding="utf-8"?>
 <p:sld xmlns:a="http://schemas.openxmlformats.org/drawingml/2006/main" xmlns:r="http://schemas.openxmlformats.org/officeDocument/2006/relationships" xmlns:p="http://schemas.openxmlformats.org/presentationml/2006/main">
   <p:cSld>
     <p:spTree>
@@ -27923,7 +28026,7 @@
 </p:sld>
 </file>
 
-<file path=ppt/slides/slide73.xml><?xml version="1.0" encoding="utf-8"?>
+<file path=ppt/slides/slide72.xml><?xml version="1.0" encoding="utf-8"?>
 <p:sld xmlns:a="http://schemas.openxmlformats.org/drawingml/2006/main" xmlns:r="http://schemas.openxmlformats.org/officeDocument/2006/relationships" xmlns:p="http://schemas.openxmlformats.org/presentationml/2006/main">
   <p:cSld>
     <p:spTree>
@@ -28494,7 +28597,7 @@
 </p:sld>
 </file>
 
-<file path=ppt/slides/slide74.xml><?xml version="1.0" encoding="utf-8"?>
+<file path=ppt/slides/slide73.xml><?xml version="1.0" encoding="utf-8"?>
 <p:sld xmlns:a="http://schemas.openxmlformats.org/drawingml/2006/main" xmlns:r="http://schemas.openxmlformats.org/officeDocument/2006/relationships" xmlns:p="http://schemas.openxmlformats.org/presentationml/2006/main">
   <p:cSld>
     <p:spTree>
@@ -29019,7 +29122,7 @@
 </p:sld>
 </file>
 
-<file path=ppt/slides/slide75.xml><?xml version="1.0" encoding="utf-8"?>
+<file path=ppt/slides/slide74.xml><?xml version="1.0" encoding="utf-8"?>
 <p:sld xmlns:a="http://schemas.openxmlformats.org/drawingml/2006/main" xmlns:r="http://schemas.openxmlformats.org/officeDocument/2006/relationships" xmlns:p="http://schemas.openxmlformats.org/presentationml/2006/main">
   <p:cSld>
     <p:spTree>
@@ -29191,7 +29294,7 @@
 </p:sld>
 </file>
 
-<file path=ppt/slides/slide76.xml><?xml version="1.0" encoding="utf-8"?>
+<file path=ppt/slides/slide75.xml><?xml version="1.0" encoding="utf-8"?>
 <p:sld xmlns:a="http://schemas.openxmlformats.org/drawingml/2006/main" xmlns:r="http://schemas.openxmlformats.org/officeDocument/2006/relationships" xmlns:p="http://schemas.openxmlformats.org/presentationml/2006/main">
   <p:cSld>
     <p:spTree>
@@ -29507,394 +29610,6 @@
 </file>
 
 <file path=ppt/slides/slide8.xml><?xml version="1.0" encoding="utf-8"?>
-<p:sld xmlns:a="http://schemas.openxmlformats.org/drawingml/2006/main" xmlns:r="http://schemas.openxmlformats.org/officeDocument/2006/relationships" xmlns:p="http://schemas.openxmlformats.org/presentationml/2006/main">
-  <p:cSld>
-    <p:spTree>
-      <p:nvGrpSpPr>
-        <p:cNvPr id="1" name=""/>
-        <p:cNvGrpSpPr/>
-        <p:nvPr/>
-      </p:nvGrpSpPr>
-      <p:grpSpPr>
-        <a:xfrm>
-          <a:off x="0" y="0"/>
-          <a:ext cx="0" cy="0"/>
-          <a:chOff x="0" y="0"/>
-          <a:chExt cx="0" cy="0"/>
-        </a:xfrm>
-      </p:grpSpPr>
-      <p:sp>
-        <p:nvSpPr>
-          <p:cNvPr id="24577" name="Title 4"/>
-          <p:cNvSpPr>
-            <a:spLocks noGrp="1"/>
-          </p:cNvSpPr>
-          <p:nvPr>
-            <p:ph type="title"/>
-          </p:nvPr>
-        </p:nvSpPr>
-        <p:spPr bwMode="auto">
-          <a:xfrm>
-            <a:off x="447922" y="463731"/>
-            <a:ext cx="8197109" cy="556429"/>
-          </a:xfrm>
-          <a:noFill/>
-          <a:extLst>
-            <a:ext uri="{909E8E84-426E-40DD-AFC4-6F175D3DCCD1}">
-              <a14:hiddenFill xmlns:a14="http://schemas.microsoft.com/office/drawing/2010/main">
-                <a:solidFill>
-                  <a:srgbClr val="FFFFFF"/>
-                </a:solidFill>
-              </a14:hiddenFill>
-            </a:ext>
-            <a:ext uri="{91240B29-F687-4F45-9708-019B960494DF}">
-              <a14:hiddenLine xmlns:a14="http://schemas.microsoft.com/office/drawing/2010/main" w="9525">
-                <a:solidFill>
-                  <a:srgbClr val="000000"/>
-                </a:solidFill>
-                <a:miter lim="800000"/>
-                <a:headEnd/>
-                <a:tailEnd/>
-              </a14:hiddenLine>
-            </a:ext>
-          </a:extLst>
-        </p:spPr>
-        <p:txBody>
-          <a:bodyPr vert="horz" wrap="square" lIns="68580" tIns="34290" rIns="68580" bIns="34290" numCol="1" anchor="t" anchorCtr="0" compatLnSpc="1">
-            <a:prstTxWarp prst="textNoShape">
-              <a:avLst/>
-            </a:prstTxWarp>
-          </a:bodyPr>
-          <a:lstStyle/>
-          <a:p>
-            <a:r>
-              <a:rPr lang="en-US" altLang="en-US" dirty="0">
-                <a:ea typeface="ＭＳ Ｐゴシック" charset="-128"/>
-              </a:rPr>
-              <a:t>Design fails</a:t>
-            </a:r>
-          </a:p>
-        </p:txBody>
-      </p:sp>
-      <p:sp>
-        <p:nvSpPr>
-          <p:cNvPr id="2" name="Text Placeholder 1">
-            <a:extLst>
-              <a:ext uri="{FF2B5EF4-FFF2-40B4-BE49-F238E27FC236}">
-                <a16:creationId xmlns:a16="http://schemas.microsoft.com/office/drawing/2014/main" id="{102C18FC-5752-2D16-DA81-9381764BF1A6}"/>
-              </a:ext>
-            </a:extLst>
-          </p:cNvPr>
-          <p:cNvSpPr>
-            <a:spLocks noGrp="1"/>
-          </p:cNvSpPr>
-          <p:nvPr>
-            <p:ph type="body" idx="1"/>
-          </p:nvPr>
-        </p:nvSpPr>
-        <p:spPr>
-          <a:xfrm>
-            <a:off x="447922" y="1305217"/>
-            <a:ext cx="8517657" cy="2365901"/>
-          </a:xfrm>
-        </p:spPr>
-        <p:txBody>
-          <a:bodyPr/>
-          <a:lstStyle/>
-          <a:p>
-            <a:r>
-              <a:rPr lang="en-US" b="0"/>
-              <a:t>Mars Climate Orbiter (1998-1999)</a:t>
-            </a:r>
-          </a:p>
-          <a:p>
-            <a:pPr lvl="1"/>
-            <a:r>
-              <a:rPr lang="en-US" b="0"/>
-              <a:t>$551 million in 2022 USD</a:t>
-            </a:r>
-          </a:p>
-          <a:p>
-            <a:pPr lvl="1"/>
-            <a:r>
-              <a:rPr lang="en-US"/>
-              <a:t>NASA and Lockheed Martin did not specify units in design</a:t>
-            </a:r>
-          </a:p>
-          <a:p>
-            <a:pPr lvl="2"/>
-            <a:r>
-              <a:rPr lang="en-US" b="0"/>
-              <a:t>Two separate systems interacted during injection burn</a:t>
-            </a:r>
-          </a:p>
-          <a:p>
-            <a:pPr lvl="2"/>
-            <a:r>
-              <a:rPr lang="en-US" b="0"/>
-              <a:t>Foot/pounds = 1.356 Newton-meters</a:t>
-            </a:r>
-          </a:p>
-          <a:p>
-            <a:pPr lvl="1"/>
-            <a:r>
-              <a:rPr lang="en-US" b="0"/>
-              <a:t>Bounced of Martian atmosphere circling the sun today</a:t>
-            </a:r>
-          </a:p>
-        </p:txBody>
-      </p:sp>
-      <p:pic>
-        <p:nvPicPr>
-          <p:cNvPr id="1026" name="Picture 2" descr="Mars Climate Orbiter, artist design.">
-            <a:extLst>
-              <a:ext uri="{FF2B5EF4-FFF2-40B4-BE49-F238E27FC236}">
-                <a16:creationId xmlns:a16="http://schemas.microsoft.com/office/drawing/2014/main" id="{16FAE1CE-9C18-E340-6FC9-60D27843950F}"/>
-              </a:ext>
-            </a:extLst>
-          </p:cNvPr>
-          <p:cNvPicPr>
-            <a:picLocks noChangeAspect="1" noChangeArrowheads="1"/>
-          </p:cNvPicPr>
-          <p:nvPr/>
-        </p:nvPicPr>
-        <p:blipFill>
-          <a:blip r:embed="rId2">
-            <a:extLst>
-              <a:ext uri="{28A0092B-C50C-407E-A947-70E740481C1C}">
-                <a14:useLocalDpi xmlns:a14="http://schemas.microsoft.com/office/drawing/2010/main" val="0"/>
-              </a:ext>
-            </a:extLst>
-          </a:blip>
-          <a:srcRect/>
-          <a:stretch>
-            <a:fillRect/>
-          </a:stretch>
-        </p:blipFill>
-        <p:spPr bwMode="auto">
-          <a:xfrm>
-            <a:off x="6775759" y="299739"/>
-            <a:ext cx="1780943" cy="1616548"/>
-          </a:xfrm>
-          <a:prstGeom prst="rect">
-            <a:avLst/>
-          </a:prstGeom>
-          <a:noFill/>
-          <a:extLst>
-            <a:ext uri="{909E8E84-426E-40DD-AFC4-6F175D3DCCD1}">
-              <a14:hiddenFill xmlns:a14="http://schemas.microsoft.com/office/drawing/2010/main">
-                <a:solidFill>
-                  <a:srgbClr val="FFFFFF"/>
-                </a:solidFill>
-              </a14:hiddenFill>
-            </a:ext>
-          </a:extLst>
-        </p:spPr>
-      </p:pic>
-    </p:spTree>
-    <p:extLst>
-      <p:ext uri="{BB962C8B-B14F-4D97-AF65-F5344CB8AC3E}">
-        <p14:creationId xmlns:p14="http://schemas.microsoft.com/office/powerpoint/2010/main" val="1285992907"/>
-      </p:ext>
-    </p:extLst>
-  </p:cSld>
-  <p:clrMapOvr>
-    <a:masterClrMapping/>
-  </p:clrMapOvr>
-  <p:timing>
-    <p:tnLst>
-      <p:par>
-        <p:cTn id="1" dur="indefinite" restart="never" nodeType="tmRoot">
-          <p:childTnLst>
-            <p:seq concurrent="1" nextAc="seek">
-              <p:cTn id="2" dur="indefinite" nodeType="mainSeq">
-                <p:childTnLst>
-                  <p:par>
-                    <p:cTn id="3" fill="hold">
-                      <p:stCondLst>
-                        <p:cond delay="indefinite"/>
-                      </p:stCondLst>
-                      <p:childTnLst>
-                        <p:par>
-                          <p:cTn id="4" fill="hold">
-                            <p:stCondLst>
-                              <p:cond delay="0"/>
-                            </p:stCondLst>
-                            <p:childTnLst>
-                              <p:par>
-                                <p:cTn id="5" presetID="1" presetClass="entr" presetSubtype="0" fill="hold" nodeType="clickEffect">
-                                  <p:stCondLst>
-                                    <p:cond delay="0"/>
-                                  </p:stCondLst>
-                                  <p:childTnLst>
-                                    <p:set>
-                                      <p:cBhvr>
-                                        <p:cTn id="6" dur="1" fill="hold">
-                                          <p:stCondLst>
-                                            <p:cond delay="0"/>
-                                          </p:stCondLst>
-                                        </p:cTn>
-                                        <p:tgtEl>
-                                          <p:spTgt spid="2">
-                                            <p:txEl>
-                                              <p:pRg st="2" end="2"/>
-                                            </p:txEl>
-                                          </p:spTgt>
-                                        </p:tgtEl>
-                                        <p:attrNameLst>
-                                          <p:attrName>style.visibility</p:attrName>
-                                        </p:attrNameLst>
-                                      </p:cBhvr>
-                                      <p:to>
-                                        <p:strVal val="visible"/>
-                                      </p:to>
-                                    </p:set>
-                                  </p:childTnLst>
-                                </p:cTn>
-                              </p:par>
-                              <p:par>
-                                <p:cTn id="7" presetID="1" presetClass="entr" presetSubtype="0" fill="hold" nodeType="withEffect">
-                                  <p:stCondLst>
-                                    <p:cond delay="0"/>
-                                  </p:stCondLst>
-                                  <p:childTnLst>
-                                    <p:set>
-                                      <p:cBhvr>
-                                        <p:cTn id="8" dur="1" fill="hold">
-                                          <p:stCondLst>
-                                            <p:cond delay="0"/>
-                                          </p:stCondLst>
-                                        </p:cTn>
-                                        <p:tgtEl>
-                                          <p:spTgt spid="2">
-                                            <p:txEl>
-                                              <p:pRg st="3" end="3"/>
-                                            </p:txEl>
-                                          </p:spTgt>
-                                        </p:tgtEl>
-                                        <p:attrNameLst>
-                                          <p:attrName>style.visibility</p:attrName>
-                                        </p:attrNameLst>
-                                      </p:cBhvr>
-                                      <p:to>
-                                        <p:strVal val="visible"/>
-                                      </p:to>
-                                    </p:set>
-                                  </p:childTnLst>
-                                </p:cTn>
-                              </p:par>
-                              <p:par>
-                                <p:cTn id="9" presetID="1" presetClass="entr" presetSubtype="0" fill="hold" nodeType="withEffect">
-                                  <p:stCondLst>
-                                    <p:cond delay="0"/>
-                                  </p:stCondLst>
-                                  <p:childTnLst>
-                                    <p:set>
-                                      <p:cBhvr>
-                                        <p:cTn id="10" dur="1" fill="hold">
-                                          <p:stCondLst>
-                                            <p:cond delay="0"/>
-                                          </p:stCondLst>
-                                        </p:cTn>
-                                        <p:tgtEl>
-                                          <p:spTgt spid="2">
-                                            <p:txEl>
-                                              <p:pRg st="4" end="4"/>
-                                            </p:txEl>
-                                          </p:spTgt>
-                                        </p:tgtEl>
-                                        <p:attrNameLst>
-                                          <p:attrName>style.visibility</p:attrName>
-                                        </p:attrNameLst>
-                                      </p:cBhvr>
-                                      <p:to>
-                                        <p:strVal val="visible"/>
-                                      </p:to>
-                                    </p:set>
-                                  </p:childTnLst>
-                                </p:cTn>
-                              </p:par>
-                            </p:childTnLst>
-                          </p:cTn>
-                        </p:par>
-                      </p:childTnLst>
-                    </p:cTn>
-                  </p:par>
-                  <p:par>
-                    <p:cTn id="11" fill="hold">
-                      <p:stCondLst>
-                        <p:cond delay="indefinite"/>
-                      </p:stCondLst>
-                      <p:childTnLst>
-                        <p:par>
-                          <p:cTn id="12" fill="hold">
-                            <p:stCondLst>
-                              <p:cond delay="0"/>
-                            </p:stCondLst>
-                            <p:childTnLst>
-                              <p:par>
-                                <p:cTn id="13" presetID="1" presetClass="entr" presetSubtype="0" fill="hold" nodeType="clickEffect">
-                                  <p:stCondLst>
-                                    <p:cond delay="0"/>
-                                  </p:stCondLst>
-                                  <p:childTnLst>
-                                    <p:set>
-                                      <p:cBhvr>
-                                        <p:cTn id="14" dur="1" fill="hold">
-                                          <p:stCondLst>
-                                            <p:cond delay="0"/>
-                                          </p:stCondLst>
-                                        </p:cTn>
-                                        <p:tgtEl>
-                                          <p:spTgt spid="2">
-                                            <p:txEl>
-                                              <p:pRg st="5" end="5"/>
-                                            </p:txEl>
-                                          </p:spTgt>
-                                        </p:tgtEl>
-                                        <p:attrNameLst>
-                                          <p:attrName>style.visibility</p:attrName>
-                                        </p:attrNameLst>
-                                      </p:cBhvr>
-                                      <p:to>
-                                        <p:strVal val="visible"/>
-                                      </p:to>
-                                    </p:set>
-                                  </p:childTnLst>
-                                </p:cTn>
-                              </p:par>
-                            </p:childTnLst>
-                          </p:cTn>
-                        </p:par>
-                      </p:childTnLst>
-                    </p:cTn>
-                  </p:par>
-                </p:childTnLst>
-              </p:cTn>
-              <p:prevCondLst>
-                <p:cond evt="onPrev" delay="0">
-                  <p:tgtEl>
-                    <p:sldTgt/>
-                  </p:tgtEl>
-                </p:cond>
-              </p:prevCondLst>
-              <p:nextCondLst>
-                <p:cond evt="onNext" delay="0">
-                  <p:tgtEl>
-                    <p:sldTgt/>
-                  </p:tgtEl>
-                </p:cond>
-              </p:nextCondLst>
-            </p:seq>
-          </p:childTnLst>
-        </p:cTn>
-      </p:par>
-    </p:tnLst>
-  </p:timing>
-</p:sld>
-</file>
-
-<file path=ppt/slides/slide9.xml><?xml version="1.0" encoding="utf-8"?>
 <p:sld xmlns:a="http://schemas.openxmlformats.org/drawingml/2006/main" xmlns:r="http://schemas.openxmlformats.org/officeDocument/2006/relationships" xmlns:p="http://schemas.openxmlformats.org/presentationml/2006/main">
   <p:cSld>
     <p:spTree>
@@ -30313,6 +30028,210 @@
       </p:par>
     </p:tnLst>
   </p:timing>
+</p:sld>
+</file>
+
+<file path=ppt/slides/slide9.xml><?xml version="1.0" encoding="utf-8"?>
+<p:sld xmlns:a="http://schemas.openxmlformats.org/drawingml/2006/main" xmlns:r="http://schemas.openxmlformats.org/officeDocument/2006/relationships" xmlns:p="http://schemas.openxmlformats.org/presentationml/2006/main">
+  <p:cSld>
+    <p:spTree>
+      <p:nvGrpSpPr>
+        <p:cNvPr id="1" name=""/>
+        <p:cNvGrpSpPr/>
+        <p:nvPr/>
+      </p:nvGrpSpPr>
+      <p:grpSpPr>
+        <a:xfrm>
+          <a:off x="0" y="0"/>
+          <a:ext cx="0" cy="0"/>
+          <a:chOff x="0" y="0"/>
+          <a:chExt cx="0" cy="0"/>
+        </a:xfrm>
+      </p:grpSpPr>
+      <p:sp>
+        <p:nvSpPr>
+          <p:cNvPr id="24577" name="Title 4"/>
+          <p:cNvSpPr>
+            <a:spLocks noGrp="1"/>
+          </p:cNvSpPr>
+          <p:nvPr>
+            <p:ph type="title"/>
+          </p:nvPr>
+        </p:nvSpPr>
+        <p:spPr bwMode="auto">
+          <a:xfrm>
+            <a:off x="447922" y="463731"/>
+            <a:ext cx="8197109" cy="556429"/>
+          </a:xfrm>
+          <a:noFill/>
+          <a:extLst>
+            <a:ext uri="{909E8E84-426E-40DD-AFC4-6F175D3DCCD1}">
+              <a14:hiddenFill xmlns:a14="http://schemas.microsoft.com/office/drawing/2010/main">
+                <a:solidFill>
+                  <a:srgbClr val="FFFFFF"/>
+                </a:solidFill>
+              </a14:hiddenFill>
+            </a:ext>
+            <a:ext uri="{91240B29-F687-4F45-9708-019B960494DF}">
+              <a14:hiddenLine xmlns:a14="http://schemas.microsoft.com/office/drawing/2010/main" w="9525">
+                <a:solidFill>
+                  <a:srgbClr val="000000"/>
+                </a:solidFill>
+                <a:miter lim="800000"/>
+                <a:headEnd/>
+                <a:tailEnd/>
+              </a14:hiddenLine>
+            </a:ext>
+          </a:extLst>
+        </p:spPr>
+        <p:txBody>
+          <a:bodyPr vert="horz" wrap="square" lIns="68580" tIns="34290" rIns="68580" bIns="34290" numCol="1" anchor="t" anchorCtr="0" compatLnSpc="1">
+            <a:prstTxWarp prst="textNoShape">
+              <a:avLst/>
+            </a:prstTxWarp>
+          </a:bodyPr>
+          <a:lstStyle/>
+          <a:p>
+            <a:r>
+              <a:rPr lang="en-US" altLang="en-US">
+                <a:ea typeface="ＭＳ Ｐゴシック" charset="-128"/>
+              </a:rPr>
+              <a:t>Design fails</a:t>
+            </a:r>
+          </a:p>
+        </p:txBody>
+      </p:sp>
+      <p:sp>
+        <p:nvSpPr>
+          <p:cNvPr id="2" name="Text Placeholder 1">
+            <a:extLst>
+              <a:ext uri="{FF2B5EF4-FFF2-40B4-BE49-F238E27FC236}">
+                <a16:creationId xmlns:a16="http://schemas.microsoft.com/office/drawing/2014/main" id="{102C18FC-5752-2D16-DA81-9381764BF1A6}"/>
+              </a:ext>
+            </a:extLst>
+          </p:cNvPr>
+          <p:cNvSpPr>
+            <a:spLocks noGrp="1"/>
+          </p:cNvSpPr>
+          <p:nvPr>
+            <p:ph type="body" idx="1"/>
+          </p:nvPr>
+        </p:nvSpPr>
+        <p:spPr>
+          <a:xfrm>
+            <a:off x="447922" y="1320085"/>
+            <a:ext cx="8517657" cy="3028891"/>
+          </a:xfrm>
+        </p:spPr>
+        <p:txBody>
+          <a:bodyPr/>
+          <a:lstStyle/>
+          <a:p>
+            <a:r>
+              <a:rPr lang="en-US" b="0" err="1"/>
+              <a:t>caBIG</a:t>
+            </a:r>
+            <a:r>
+              <a:rPr lang="en-US" b="0"/>
+              <a:t> 2004-2012</a:t>
+            </a:r>
+          </a:p>
+          <a:p>
+            <a:pPr lvl="1"/>
+            <a:r>
+              <a:rPr lang="en-US" b="0"/>
+              <a:t>$350 million in 2022 in 2010 USD</a:t>
+            </a:r>
+          </a:p>
+          <a:p>
+            <a:pPr lvl="1"/>
+            <a:r>
+              <a:rPr lang="en-US" b="0" err="1"/>
+              <a:t>CAncer</a:t>
+            </a:r>
+            <a:r>
+              <a:rPr lang="en-US" b="0"/>
+              <a:t> Biomedical Informatics Grid</a:t>
+            </a:r>
+          </a:p>
+          <a:p>
+            <a:pPr lvl="1"/>
+            <a:r>
+              <a:rPr lang="en-US" b="0"/>
+              <a:t>Unified software infrastructure for cancer data collection, analysis, management</a:t>
+            </a:r>
+          </a:p>
+          <a:p>
+            <a:pPr lvl="1"/>
+            <a:r>
+              <a:rPr lang="en-US"/>
+              <a:t>Who were the users? Pharma? Academic research?</a:t>
+            </a:r>
+          </a:p>
+          <a:p>
+            <a:pPr lvl="1"/>
+            <a:r>
+              <a:rPr lang="en-US"/>
+              <a:t>Did people want the software proposed?</a:t>
+            </a:r>
+          </a:p>
+          <a:p>
+            <a:pPr lvl="1"/>
+            <a:r>
+              <a:rPr lang="en-US"/>
+              <a:t>Competition with existing software</a:t>
+            </a:r>
+          </a:p>
+          <a:p>
+            <a:pPr lvl="1"/>
+            <a:endParaRPr lang="en-US" b="0"/>
+          </a:p>
+          <a:p>
+            <a:pPr lvl="1"/>
+            <a:endParaRPr lang="en-US" b="0"/>
+          </a:p>
+        </p:txBody>
+      </p:sp>
+      <p:pic>
+        <p:nvPicPr>
+          <p:cNvPr id="5" name="Picture 4">
+            <a:extLst>
+              <a:ext uri="{FF2B5EF4-FFF2-40B4-BE49-F238E27FC236}">
+                <a16:creationId xmlns:a16="http://schemas.microsoft.com/office/drawing/2014/main" id="{96184325-9E09-09DB-7845-A18B18321BE4}"/>
+              </a:ext>
+            </a:extLst>
+          </p:cNvPr>
+          <p:cNvPicPr>
+            <a:picLocks noChangeAspect="1"/>
+          </p:cNvPicPr>
+          <p:nvPr/>
+        </p:nvPicPr>
+        <p:blipFill>
+          <a:blip r:embed="rId2"/>
+          <a:stretch>
+            <a:fillRect/>
+          </a:stretch>
+        </p:blipFill>
+        <p:spPr>
+          <a:xfrm>
+            <a:off x="4956285" y="403564"/>
+            <a:ext cx="3528366" cy="396274"/>
+          </a:xfrm>
+          <a:prstGeom prst="rect">
+            <a:avLst/>
+          </a:prstGeom>
+        </p:spPr>
+      </p:pic>
+    </p:spTree>
+    <p:extLst>
+      <p:ext uri="{BB962C8B-B14F-4D97-AF65-F5344CB8AC3E}">
+        <p14:creationId xmlns:p14="http://schemas.microsoft.com/office/powerpoint/2010/main" val="1012251357"/>
+      </p:ext>
+    </p:extLst>
+  </p:cSld>
+  <p:clrMapOvr>
+    <a:masterClrMapping/>
+  </p:clrMapOvr>
 </p:sld>
 </file>
 
@@ -30879,23 +30798,6 @@
 </file>
 
 <file path=customXml/item1.xml><?xml version="1.0" encoding="utf-8"?>
-<p:properties xmlns:p="http://schemas.microsoft.com/office/2006/metadata/properties" xmlns:xsi="http://www.w3.org/2001/XMLSchema-instance" xmlns:pc="http://schemas.microsoft.com/office/infopath/2007/PartnerControls">
-  <documentManagement>
-    <_activity xmlns="ba989b21-af6f-4fa4-ab49-c64983f8a01b" xsi:nil="true"/>
-  </documentManagement>
-</p:properties>
-</file>
-
-<file path=customXml/item2.xml><?xml version="1.0" encoding="utf-8"?>
-<?mso-contentType ?>
-<FormTemplates xmlns="http://schemas.microsoft.com/sharepoint/v3/contenttype/forms">
-  <Display>DocumentLibraryForm</Display>
-  <Edit>DocumentLibraryForm</Edit>
-  <New>DocumentLibraryForm</New>
-</FormTemplates>
-</file>
-
-<file path=customXml/item3.xml><?xml version="1.0" encoding="utf-8"?>
 <ct:contentTypeSchema xmlns:ct="http://schemas.microsoft.com/office/2006/metadata/contentType" xmlns:ma="http://schemas.microsoft.com/office/2006/metadata/properties/metaAttributes" ct:_="" ma:_="" ma:contentTypeName="Document" ma:contentTypeID="0x0101001515F76BE9730C47B9CE04A868A5872E" ma:contentTypeVersion="10" ma:contentTypeDescription="Create a new document." ma:contentTypeScope="" ma:versionID="0f20e26e01cf4675f6a0a502aed094fb">
   <xsd:schema xmlns:xsd="http://www.w3.org/2001/XMLSchema" xmlns:xs="http://www.w3.org/2001/XMLSchema" xmlns:p="http://schemas.microsoft.com/office/2006/metadata/properties" xmlns:ns3="ba989b21-af6f-4fa4-ab49-c64983f8a01b" xmlns:ns4="0a82f842-d545-4aeb-9bbf-51348e23e9e3" targetNamespace="http://schemas.microsoft.com/office/2006/metadata/properties" ma:root="true" ma:fieldsID="8fa1487ed543b6593bfd173795bce493" ns3:_="" ns4:_="">
     <xsd:import namespace="ba989b21-af6f-4fa4-ab49-c64983f8a01b"/>
@@ -31098,32 +31000,24 @@
 </ct:contentTypeSchema>
 </file>
 
-<file path=customXml/itemProps1.xml><?xml version="1.0" encoding="utf-8"?>
-<ds:datastoreItem xmlns:ds="http://schemas.openxmlformats.org/officeDocument/2006/customXml" ds:itemID="{A7A5F7F9-4C27-4619-BA5B-E9C2F77BAAB1}">
-  <ds:schemaRefs>
-    <ds:schemaRef ds:uri="http://schemas.microsoft.com/office/infopath/2007/PartnerControls"/>
-    <ds:schemaRef ds:uri="http://www.w3.org/XML/1998/namespace"/>
-    <ds:schemaRef ds:uri="0a82f842-d545-4aeb-9bbf-51348e23e9e3"/>
-    <ds:schemaRef ds:uri="http://schemas.microsoft.com/office/2006/metadata/properties"/>
-    <ds:schemaRef ds:uri="http://schemas.microsoft.com/office/2006/documentManagement/types"/>
-    <ds:schemaRef ds:uri="http://purl.org/dc/elements/1.1/"/>
-    <ds:schemaRef ds:uri="http://purl.org/dc/terms/"/>
-    <ds:schemaRef ds:uri="ba989b21-af6f-4fa4-ab49-c64983f8a01b"/>
-    <ds:schemaRef ds:uri="http://schemas.openxmlformats.org/package/2006/metadata/core-properties"/>
-    <ds:schemaRef ds:uri="http://purl.org/dc/dcmitype/"/>
-  </ds:schemaRefs>
-</ds:datastoreItem>
+<file path=customXml/item2.xml><?xml version="1.0" encoding="utf-8"?>
+<p:properties xmlns:p="http://schemas.microsoft.com/office/2006/metadata/properties" xmlns:xsi="http://www.w3.org/2001/XMLSchema-instance" xmlns:pc="http://schemas.microsoft.com/office/infopath/2007/PartnerControls">
+  <documentManagement>
+    <_activity xmlns="ba989b21-af6f-4fa4-ab49-c64983f8a01b" xsi:nil="true"/>
+  </documentManagement>
+</p:properties>
 </file>
 
-<file path=customXml/itemProps2.xml><?xml version="1.0" encoding="utf-8"?>
-<ds:datastoreItem xmlns:ds="http://schemas.openxmlformats.org/officeDocument/2006/customXml" ds:itemID="{E3C2D7C6-7D34-4AC5-BB3D-386FBE31E109}">
-  <ds:schemaRefs>
-    <ds:schemaRef ds:uri="http://schemas.microsoft.com/sharepoint/v3/contenttype/forms"/>
-  </ds:schemaRefs>
-</ds:datastoreItem>
+<file path=customXml/item3.xml><?xml version="1.0" encoding="utf-8"?>
+<?mso-contentType ?>
+<FormTemplates xmlns="http://schemas.microsoft.com/sharepoint/v3/contenttype/forms">
+  <Display>DocumentLibraryForm</Display>
+  <Edit>DocumentLibraryForm</Edit>
+  <New>DocumentLibraryForm</New>
+</FormTemplates>
 </file>
 
-<file path=customXml/itemProps3.xml><?xml version="1.0" encoding="utf-8"?>
+<file path=customXml/itemProps1.xml><?xml version="1.0" encoding="utf-8"?>
 <ds:datastoreItem xmlns:ds="http://schemas.openxmlformats.org/officeDocument/2006/customXml" ds:itemID="{066D5CCF-71E6-4010-BFCA-907D4B6DB556}">
   <ds:schemaRefs>
     <ds:schemaRef ds:uri="0a82f842-d545-4aeb-9bbf-51348e23e9e3"/>
@@ -31142,6 +31036,31 @@
 </ds:datastoreItem>
 </file>
 
+<file path=customXml/itemProps2.xml><?xml version="1.0" encoding="utf-8"?>
+<ds:datastoreItem xmlns:ds="http://schemas.openxmlformats.org/officeDocument/2006/customXml" ds:itemID="{A7A5F7F9-4C27-4619-BA5B-E9C2F77BAAB1}">
+  <ds:schemaRefs>
+    <ds:schemaRef ds:uri="http://schemas.microsoft.com/office/infopath/2007/PartnerControls"/>
+    <ds:schemaRef ds:uri="http://www.w3.org/XML/1998/namespace"/>
+    <ds:schemaRef ds:uri="0a82f842-d545-4aeb-9bbf-51348e23e9e3"/>
+    <ds:schemaRef ds:uri="http://schemas.microsoft.com/office/2006/metadata/properties"/>
+    <ds:schemaRef ds:uri="http://schemas.microsoft.com/office/2006/documentManagement/types"/>
+    <ds:schemaRef ds:uri="http://purl.org/dc/elements/1.1/"/>
+    <ds:schemaRef ds:uri="http://purl.org/dc/terms/"/>
+    <ds:schemaRef ds:uri="ba989b21-af6f-4fa4-ab49-c64983f8a01b"/>
+    <ds:schemaRef ds:uri="http://schemas.openxmlformats.org/package/2006/metadata/core-properties"/>
+    <ds:schemaRef ds:uri="http://purl.org/dc/dcmitype/"/>
+  </ds:schemaRefs>
+</ds:datastoreItem>
+</file>
+
+<file path=customXml/itemProps3.xml><?xml version="1.0" encoding="utf-8"?>
+<ds:datastoreItem xmlns:ds="http://schemas.openxmlformats.org/officeDocument/2006/customXml" ds:itemID="{E3C2D7C6-7D34-4AC5-BB3D-386FBE31E109}">
+  <ds:schemaRefs>
+    <ds:schemaRef ds:uri="http://schemas.microsoft.com/sharepoint/v3/contenttype/forms"/>
+  </ds:schemaRefs>
+</ds:datastoreItem>
+</file>
+
 <file path=docMetadata/LabelInfo.xml><?xml version="1.0" encoding="utf-8"?>
 <clbl:labelList xmlns:clbl="http://schemas.microsoft.com/office/2020/mipLabelMetadata">
   <clbl:label id="{f6b6dd5b-f02f-441a-99a0-162ac5060bd2}" enabled="0" method="" siteId="{f6b6dd5b-f02f-441a-99a0-162ac5060bd2}" removed="1"/>

--- a/09_design/Software_Design.pptx
+++ b/09_design/Software_Design.pptx
@@ -92,7 +92,7 @@
       <p:regular r:id="rId81"/>
     </p:embeddedFont>
     <p:embeddedFont>
-      <p:font typeface="Encode Sans Black" panose="020B0604020202020204"/>
+      <p:font typeface="Encode Sans Black" panose="020B0604020202020204" charset="0"/>
       <p:bold r:id="rId82"/>
     </p:embeddedFont>
     <p:embeddedFont>
@@ -352,7 +352,7 @@
       </p15:sldGuideLst>
     </p:ext>
     <p:ext uri="GoogleSlidesCustomDataVersion2">
-      <go:slidesCustomData xmlns:go="http://customooxmlschemas.google.com/" xmlns:ahyp="http://schemas.microsoft.com/office/drawing/2018/hyperlinkcolor" xmlns:p15="http://schemas.microsoft.com/office/powerpoint/2012/main" xmlns:p14="http://schemas.microsoft.com/office/powerpoint/2010/main" xmlns:com="http://schemas.openxmlformats.org/drawingml/2006/compatibility" xmlns:pvml="urn:schemas-microsoft-com:office:powerpoint" xmlns:v="urn:schemas-microsoft-com:vml" xmlns:o="urn:schemas-microsoft-com:office:office" xmlns:dgm="http://schemas.openxmlformats.org/drawingml/2006/diagram" xmlns:c="http://schemas.openxmlformats.org/drawingml/2006/chart" xmlns:mv="urn:schemas-microsoft-com:mac:vml" xmlns:mc="http://schemas.openxmlformats.org/markup-compatibility/2006" xmlns="" r:id="rId91" roundtripDataSignature="AMtx7mh1OC3nQsa+HYyAALZGgW/rCUwxKQ=="/>
+      <go:slidesCustomData xmlns="" xmlns:mc="http://schemas.openxmlformats.org/markup-compatibility/2006" xmlns:mv="urn:schemas-microsoft-com:mac:vml" xmlns:c="http://schemas.openxmlformats.org/drawingml/2006/chart" xmlns:dgm="http://schemas.openxmlformats.org/drawingml/2006/diagram" xmlns:o="urn:schemas-microsoft-com:office:office" xmlns:v="urn:schemas-microsoft-com:vml" xmlns:pvml="urn:schemas-microsoft-com:office:powerpoint" xmlns:com="http://schemas.openxmlformats.org/drawingml/2006/compatibility" xmlns:p14="http://schemas.microsoft.com/office/powerpoint/2010/main" xmlns:p15="http://schemas.microsoft.com/office/powerpoint/2012/main" xmlns:ahyp="http://schemas.microsoft.com/office/drawing/2018/hyperlinkcolor" xmlns:go="http://customooxmlschemas.google.com/" r:id="rId91" roundtripDataSignature="AMtx7mh1OC3nQsa+HYyAALZGgW/rCUwxKQ=="/>
     </p:ext>
   </p:extLst>
 </p:presentation>
@@ -1106,7 +1106,7 @@
               </a14:hiddenFill>
             </a:ext>
             <a:ext uri="{FAA26D3D-D897-4be2-8F04-BA451C77F1D7}">
-              <ma14:placeholderFlag xmlns="" xmlns:ma14="http://schemas.microsoft.com/office/mac/drawingml/2011/main" val="1"/>
+              <ma14:placeholderFlag xmlns:ma14="http://schemas.microsoft.com/office/mac/drawingml/2011/main" xmlns="" val="1"/>
             </a:ext>
           </a:extLst>
         </p:spPr>
@@ -1402,7 +1402,7 @@
               </a14:hiddenFill>
             </a:ext>
             <a:ext uri="{FAA26D3D-D897-4be2-8F04-BA451C77F1D7}">
-              <ma14:placeholderFlag xmlns="" xmlns:ma14="http://schemas.microsoft.com/office/mac/drawingml/2011/main" val="1"/>
+              <ma14:placeholderFlag xmlns:ma14="http://schemas.microsoft.com/office/mac/drawingml/2011/main" xmlns="" val="1"/>
             </a:ext>
           </a:extLst>
         </p:spPr>
@@ -1698,7 +1698,7 @@
               </a14:hiddenFill>
             </a:ext>
             <a:ext uri="{FAA26D3D-D897-4be2-8F04-BA451C77F1D7}">
-              <ma14:placeholderFlag xmlns="" xmlns:ma14="http://schemas.microsoft.com/office/mac/drawingml/2011/main" val="1"/>
+              <ma14:placeholderFlag xmlns:ma14="http://schemas.microsoft.com/office/mac/drawingml/2011/main" xmlns="" val="1"/>
             </a:ext>
           </a:extLst>
         </p:spPr>
@@ -1994,7 +1994,7 @@
               </a14:hiddenFill>
             </a:ext>
             <a:ext uri="{FAA26D3D-D897-4be2-8F04-BA451C77F1D7}">
-              <ma14:placeholderFlag xmlns="" xmlns:ma14="http://schemas.microsoft.com/office/mac/drawingml/2011/main" val="1"/>
+              <ma14:placeholderFlag xmlns:ma14="http://schemas.microsoft.com/office/mac/drawingml/2011/main" xmlns="" val="1"/>
             </a:ext>
           </a:extLst>
         </p:spPr>
@@ -4467,7 +4467,7 @@
         <p:spPr>
           <a:xfrm>
             <a:off x="460375" y="751313"/>
-            <a:ext cx="6972300" cy="3687774"/>
+            <a:ext cx="6972300" cy="3815998"/>
           </a:xfrm>
           <a:prstGeom prst="rect">
             <a:avLst/>
@@ -4483,22 +4483,8 @@
           </a:bodyPr>
           <a:lstStyle/>
           <a:p>
-            <a:pPr marL="0" lvl="0" indent="0" algn="l" rtl="0">
-              <a:lnSpc>
-                <a:spcPct val="100000"/>
-              </a:lnSpc>
-              <a:spcBef>
-                <a:spcPts val="0"/>
-              </a:spcBef>
-              <a:spcAft>
-                <a:spcPts val="0"/>
-              </a:spcAft>
-              <a:buClr>
-                <a:srgbClr val="191300"/>
-              </a:buClr>
-              <a:buSzPts val="5000"/>
-              <a:buFont typeface="Encode Sans Black"/>
-              <a:buNone/>
+            <a:pPr>
+              <a:buSzPct val="100000"/>
             </a:pPr>
             <a:r>
               <a:rPr lang="en-US" dirty="0">
@@ -4541,12 +4527,64 @@
               </a:rPr>
             </a:br>
             <a:r>
+              <a:rPr lang="en-US" sz="1600" dirty="0"/>
+              <a:t>David Beck</a:t>
+            </a:r>
+            <a:r>
+              <a:rPr lang="en-US" sz="1600" baseline="30000" dirty="0"/>
+              <a:t>1,2,3,4</a:t>
+            </a:r>
+            <a:r>
+              <a:rPr lang="en-US" sz="1600" dirty="0"/>
+              <a:t>, Bryna </a:t>
+            </a:r>
+            <a:r>
               <a:rPr lang="en-US" sz="1600" dirty="0">
                 <a:solidFill>
                   <a:srgbClr val="191300"/>
                 </a:solidFill>
               </a:rPr>
-              <a:t>David Beck</a:t>
+              <a:t>Hazelton</a:t>
+            </a:r>
+            <a:r>
+              <a:rPr lang="en-US" sz="1600" baseline="30000" dirty="0">
+                <a:solidFill>
+                  <a:srgbClr val="191300"/>
+                </a:solidFill>
+              </a:rPr>
+              <a:t>1,5</a:t>
+            </a:r>
+            <a:r>
+              <a:rPr lang="en-US" sz="1600" dirty="0">
+                <a:solidFill>
+                  <a:srgbClr val="191300"/>
+                </a:solidFill>
+              </a:rPr>
+              <a:t>, Elli Beres</a:t>
+            </a:r>
+            <a:r>
+              <a:rPr lang="en-US" sz="1600" baseline="30000" dirty="0">
+                <a:solidFill>
+                  <a:srgbClr val="191300"/>
+                </a:solidFill>
+              </a:rPr>
+              <a:t>3,6</a:t>
+            </a:r>
+            <a:r>
+              <a:rPr lang="en-US" sz="1600" dirty="0">
+                <a:solidFill>
+                  <a:srgbClr val="191300"/>
+                </a:solidFill>
+              </a:rPr>
+              <a:t>, Ian Quah</a:t>
+            </a:r>
+            <a:r>
+              <a:rPr lang="en-US" sz="1600" baseline="30000" dirty="0">
+                <a:solidFill>
+                  <a:srgbClr val="191300"/>
+                </a:solidFill>
+              </a:rPr>
+              <a:t>7</a:t>
             </a:r>
             <a:br>
               <a:rPr lang="en-US" sz="1600" dirty="0">
@@ -4561,7 +4599,7 @@
                   <a:srgbClr val="191300"/>
                 </a:solidFill>
               </a:rPr>
-              <a:t>University of Washington, SSEC, eScience</a:t>
+              <a:t>University of Washington, </a:t>
             </a:r>
             <a:br>
               <a:rPr lang="en-US" sz="1600" dirty="0">
@@ -4570,6 +4608,154 @@
                 </a:solidFill>
               </a:rPr>
             </a:br>
+            <a:br>
+              <a:rPr lang="en-US" sz="1600" dirty="0">
+                <a:solidFill>
+                  <a:srgbClr val="191300"/>
+                </a:solidFill>
+              </a:rPr>
+            </a:br>
+            <a:r>
+              <a:rPr lang="en-US" altLang="x-none" sz="1600" baseline="30000" dirty="0">
+                <a:solidFill>
+                  <a:schemeClr val="tx1"/>
+                </a:solidFill>
+                <a:latin typeface="Calibri" charset="0"/>
+              </a:rPr>
+              <a:t>1</a:t>
+            </a:r>
+            <a:r>
+              <a:rPr lang="en-US" altLang="x-none" sz="1600" dirty="0">
+                <a:solidFill>
+                  <a:schemeClr val="tx1"/>
+                </a:solidFill>
+                <a:latin typeface="Calibri" charset="0"/>
+              </a:rPr>
+              <a:t>eScience Institute, </a:t>
+            </a:r>
+            <a:r>
+              <a:rPr lang="en-US" altLang="x-none" sz="1600" baseline="30000" dirty="0">
+                <a:solidFill>
+                  <a:schemeClr val="tx1"/>
+                </a:solidFill>
+                <a:latin typeface="Calibri" charset="0"/>
+              </a:rPr>
+              <a:t>2</a:t>
+            </a:r>
+            <a:r>
+              <a:rPr lang="en-US" altLang="x-none" sz="1600" dirty="0">
+                <a:solidFill>
+                  <a:schemeClr val="tx1"/>
+                </a:solidFill>
+                <a:latin typeface="Calibri" charset="0"/>
+              </a:rPr>
+              <a:t>Chemical Engineering</a:t>
+            </a:r>
+            <a:br>
+              <a:rPr lang="en-US" altLang="x-none" sz="1600" dirty="0">
+                <a:solidFill>
+                  <a:schemeClr val="tx1"/>
+                </a:solidFill>
+                <a:latin typeface="Calibri" charset="0"/>
+              </a:rPr>
+            </a:br>
+            <a:r>
+              <a:rPr lang="en-US" altLang="x-none" sz="1600" baseline="30000" dirty="0">
+                <a:solidFill>
+                  <a:schemeClr val="tx1"/>
+                </a:solidFill>
+                <a:latin typeface="Calibri" charset="0"/>
+              </a:rPr>
+              <a:t>3</a:t>
+            </a:r>
+            <a:r>
+              <a:rPr lang="en-US" altLang="x-none" sz="1600" dirty="0">
+                <a:solidFill>
+                  <a:schemeClr val="tx1"/>
+                </a:solidFill>
+                <a:latin typeface="Calibri" charset="0"/>
+              </a:rPr>
+              <a:t>Computer Science, </a:t>
+            </a:r>
+            <a:r>
+              <a:rPr lang="en-US" altLang="x-none" sz="1600" baseline="30000" dirty="0">
+                <a:solidFill>
+                  <a:schemeClr val="tx1"/>
+                </a:solidFill>
+                <a:latin typeface="Calibri" charset="0"/>
+              </a:rPr>
+              <a:t>4</a:t>
+            </a:r>
+            <a:r>
+              <a:rPr lang="en-US" altLang="x-none" sz="1600" dirty="0">
+                <a:solidFill>
+                  <a:schemeClr val="tx1"/>
+                </a:solidFill>
+                <a:latin typeface="Calibri" charset="0"/>
+              </a:rPr>
+              <a:t>Environmental &amp; Occupational Health Sciences,</a:t>
+            </a:r>
+            <a:r>
+              <a:rPr lang="en-US" altLang="x-none" sz="1600" baseline="30000" dirty="0">
+                <a:solidFill>
+                  <a:schemeClr val="tx1"/>
+                </a:solidFill>
+                <a:latin typeface="Calibri" charset="0"/>
+              </a:rPr>
+              <a:t>5</a:t>
+            </a:r>
+            <a:r>
+              <a:rPr lang="en-US" altLang="x-none" sz="1600" dirty="0">
+                <a:solidFill>
+                  <a:schemeClr val="tx1"/>
+                </a:solidFill>
+                <a:latin typeface="Calibri" charset="0"/>
+              </a:rPr>
+              <a:t>Physics, </a:t>
+            </a:r>
+            <a:r>
+              <a:rPr lang="en-US" altLang="x-none" sz="1600" baseline="30000" dirty="0">
+                <a:solidFill>
+                  <a:schemeClr val="tx1"/>
+                </a:solidFill>
+                <a:latin typeface="Calibri" charset="0"/>
+              </a:rPr>
+              <a:t>6</a:t>
+            </a:r>
+            <a:r>
+              <a:rPr lang="en-US" altLang="x-none" sz="1600" dirty="0">
+                <a:solidFill>
+                  <a:schemeClr val="tx1"/>
+                </a:solidFill>
+                <a:latin typeface="Calibri" charset="0"/>
+              </a:rPr>
+              <a:t>Seattle Hub for Synthetic Biology,</a:t>
+            </a:r>
+            <a:r>
+              <a:rPr lang="en-US" altLang="x-none" sz="1600" baseline="30000" dirty="0">
+                <a:solidFill>
+                  <a:schemeClr val="tx1"/>
+                </a:solidFill>
+                <a:latin typeface="Calibri" charset="0"/>
+              </a:rPr>
+              <a:t> 7</a:t>
+            </a:r>
+            <a:r>
+              <a:rPr lang="en-US" altLang="x-none" sz="1600" dirty="0">
+                <a:solidFill>
+                  <a:schemeClr val="tx1"/>
+                </a:solidFill>
+                <a:latin typeface="Calibri" charset="0"/>
+              </a:rPr>
+              <a:t>Psychology</a:t>
+            </a:r>
+            <a:br>
+              <a:rPr lang="en-US" sz="1600" dirty="0">
+                <a:solidFill>
+                  <a:schemeClr val="tx1"/>
+                </a:solidFill>
+              </a:rPr>
+            </a:br>
             <a:r>
               <a:rPr lang="en-US" sz="1600" dirty="0"/>
               <a:t>10</a:t>
@@ -4580,7 +4766,7 @@
                   <a:srgbClr val="191300"/>
                 </a:solidFill>
               </a:rPr>
-              <a:t>.31.2024</a:t>
+              <a:t>.30.2025</a:t>
             </a:r>
             <a:endParaRPr sz="1600" dirty="0"/>
           </a:p>
@@ -30798,6 +30984,15 @@
 </file>
 
 <file path=customXml/item1.xml><?xml version="1.0" encoding="utf-8"?>
+<?mso-contentType ?>
+<FormTemplates xmlns="http://schemas.microsoft.com/sharepoint/v3/contenttype/forms">
+  <Display>DocumentLibraryForm</Display>
+  <Edit>DocumentLibraryForm</Edit>
+  <New>DocumentLibraryForm</New>
+</FormTemplates>
+</file>
+
+<file path=customXml/item2.xml><?xml version="1.0" encoding="utf-8"?>
 <ct:contentTypeSchema xmlns:ct="http://schemas.microsoft.com/office/2006/metadata/contentType" xmlns:ma="http://schemas.microsoft.com/office/2006/metadata/properties/metaAttributes" ct:_="" ma:_="" ma:contentTypeName="Document" ma:contentTypeID="0x0101001515F76BE9730C47B9CE04A868A5872E" ma:contentTypeVersion="10" ma:contentTypeDescription="Create a new document." ma:contentTypeScope="" ma:versionID="0f20e26e01cf4675f6a0a502aed094fb">
   <xsd:schema xmlns:xsd="http://www.w3.org/2001/XMLSchema" xmlns:xs="http://www.w3.org/2001/XMLSchema" xmlns:p="http://schemas.microsoft.com/office/2006/metadata/properties" xmlns:ns3="ba989b21-af6f-4fa4-ab49-c64983f8a01b" xmlns:ns4="0a82f842-d545-4aeb-9bbf-51348e23e9e3" targetNamespace="http://schemas.microsoft.com/office/2006/metadata/properties" ma:root="true" ma:fieldsID="8fa1487ed543b6593bfd173795bce493" ns3:_="" ns4:_="">
     <xsd:import namespace="ba989b21-af6f-4fa4-ab49-c64983f8a01b"/>
@@ -31000,7 +31195,7 @@
 </ct:contentTypeSchema>
 </file>
 
-<file path=customXml/item2.xml><?xml version="1.0" encoding="utf-8"?>
+<file path=customXml/item3.xml><?xml version="1.0" encoding="utf-8"?>
 <p:properties xmlns:p="http://schemas.microsoft.com/office/2006/metadata/properties" xmlns:xsi="http://www.w3.org/2001/XMLSchema-instance" xmlns:pc="http://schemas.microsoft.com/office/infopath/2007/PartnerControls">
   <documentManagement>
     <_activity xmlns="ba989b21-af6f-4fa4-ab49-c64983f8a01b" xsi:nil="true"/>
@@ -31008,16 +31203,15 @@
 </p:properties>
 </file>
 
-<file path=customXml/item3.xml><?xml version="1.0" encoding="utf-8"?>
-<?mso-contentType ?>
-<FormTemplates xmlns="http://schemas.microsoft.com/sharepoint/v3/contenttype/forms">
-  <Display>DocumentLibraryForm</Display>
-  <Edit>DocumentLibraryForm</Edit>
-  <New>DocumentLibraryForm</New>
-</FormTemplates>
+<file path=customXml/itemProps1.xml><?xml version="1.0" encoding="utf-8"?>
+<ds:datastoreItem xmlns:ds="http://schemas.openxmlformats.org/officeDocument/2006/customXml" ds:itemID="{E3C2D7C6-7D34-4AC5-BB3D-386FBE31E109}">
+  <ds:schemaRefs>
+    <ds:schemaRef ds:uri="http://schemas.microsoft.com/sharepoint/v3/contenttype/forms"/>
+  </ds:schemaRefs>
+</ds:datastoreItem>
 </file>
 
-<file path=customXml/itemProps1.xml><?xml version="1.0" encoding="utf-8"?>
+<file path=customXml/itemProps2.xml><?xml version="1.0" encoding="utf-8"?>
 <ds:datastoreItem xmlns:ds="http://schemas.openxmlformats.org/officeDocument/2006/customXml" ds:itemID="{066D5CCF-71E6-4010-BFCA-907D4B6DB556}">
   <ds:schemaRefs>
     <ds:schemaRef ds:uri="0a82f842-d545-4aeb-9bbf-51348e23e9e3"/>
@@ -31036,7 +31230,7 @@
 </ds:datastoreItem>
 </file>
 
-<file path=customXml/itemProps2.xml><?xml version="1.0" encoding="utf-8"?>
+<file path=customXml/itemProps3.xml><?xml version="1.0" encoding="utf-8"?>
 <ds:datastoreItem xmlns:ds="http://schemas.openxmlformats.org/officeDocument/2006/customXml" ds:itemID="{A7A5F7F9-4C27-4619-BA5B-E9C2F77BAAB1}">
   <ds:schemaRefs>
     <ds:schemaRef ds:uri="http://schemas.microsoft.com/office/infopath/2007/PartnerControls"/>
@@ -31053,14 +31247,6 @@
 </ds:datastoreItem>
 </file>
 
-<file path=customXml/itemProps3.xml><?xml version="1.0" encoding="utf-8"?>
-<ds:datastoreItem xmlns:ds="http://schemas.openxmlformats.org/officeDocument/2006/customXml" ds:itemID="{E3C2D7C6-7D34-4AC5-BB3D-386FBE31E109}">
-  <ds:schemaRefs>
-    <ds:schemaRef ds:uri="http://schemas.microsoft.com/sharepoint/v3/contenttype/forms"/>
-  </ds:schemaRefs>
-</ds:datastoreItem>
-</file>
-
 <file path=docMetadata/LabelInfo.xml><?xml version="1.0" encoding="utf-8"?>
 <clbl:labelList xmlns:clbl="http://schemas.microsoft.com/office/2020/mipLabelMetadata">
   <clbl:label id="{f6b6dd5b-f02f-441a-99a0-162ac5060bd2}" enabled="0" method="" siteId="{f6b6dd5b-f02f-441a-99a0-162ac5060bd2}" removed="1"/>
